--- a/2.VersionControl/VersionControl.pptx
+++ b/2.VersionControl/VersionControl.pptx
@@ -3447,7 +3447,31 @@
                 <a:cs typeface="Calibri"/>
                 <a:sym typeface="Calibri"/>
               </a:rPr>
-              <a:t>, но сейчас этот аспект мы разберать не будем.</a:t>
+              <a:t>, но сейчас этот аспект </a:t>
+            </a:r>
+            <a:r>
+              <a:rPr lang="ru-RU" sz="1200" b="0" i="0" u="none" strike="noStrike" cap="none">
+                <a:solidFill>
+                  <a:schemeClr val="dk1"/>
+                </a:solidFill>
+                <a:latin typeface="Calibri"/>
+                <a:ea typeface="Calibri"/>
+                <a:cs typeface="Calibri"/>
+                <a:sym typeface="Calibri"/>
+              </a:rPr>
+              <a:t>мы разбирать </a:t>
+            </a:r>
+            <a:r>
+              <a:rPr lang="ru-RU" sz="1200" b="0" i="0" u="none" strike="noStrike" cap="none" dirty="0">
+                <a:solidFill>
+                  <a:schemeClr val="dk1"/>
+                </a:solidFill>
+                <a:latin typeface="Calibri"/>
+                <a:ea typeface="Calibri"/>
+                <a:cs typeface="Calibri"/>
+                <a:sym typeface="Calibri"/>
+              </a:rPr>
+              <a:t>не будем.</a:t>
             </a:r>
             <a:endParaRPr sz="1200" b="0" i="0" u="none" strike="noStrike" cap="none" dirty="0">
               <a:solidFill>

--- a/2.VersionControl/VersionControl.pptx
+++ b/2.VersionControl/VersionControl.pptx
@@ -20874,7 +20874,7 @@
         </p:nvSpPr>
         <p:spPr>
           <a:xfrm>
-            <a:off x="524675" y="4039348"/>
+            <a:off x="524675" y="4049396"/>
             <a:ext cx="365400" cy="365400"/>
           </a:xfrm>
           <a:prstGeom prst="rect">
@@ -20938,7 +20938,7 @@
         </p:nvSpPr>
         <p:spPr>
           <a:xfrm>
-            <a:off x="524675" y="5334104"/>
+            <a:off x="524675" y="5344152"/>
             <a:ext cx="365400" cy="365400"/>
           </a:xfrm>
           <a:prstGeom prst="rect">
@@ -20996,7 +20996,7 @@
         </p:nvSpPr>
         <p:spPr>
           <a:xfrm>
-            <a:off x="1165522" y="3718048"/>
+            <a:off x="1165522" y="3728096"/>
             <a:ext cx="7444977" cy="1008000"/>
           </a:xfrm>
           <a:prstGeom prst="rect">
@@ -21037,7 +21037,7 @@
         </p:nvSpPr>
         <p:spPr>
           <a:xfrm>
-            <a:off x="1165522" y="5012804"/>
+            <a:off x="1165522" y="5022852"/>
             <a:ext cx="7444977" cy="1008000"/>
           </a:xfrm>
           <a:prstGeom prst="rect">

--- a/2.VersionControl/VersionControl.pptx
+++ b/2.VersionControl/VersionControl.pptx
@@ -5,7 +5,7 @@
     <p:sldMasterId id="2147483661" r:id="rId1"/>
   </p:sldMasterIdLst>
   <p:notesMasterIdLst>
-    <p:notesMasterId r:id="rId13"/>
+    <p:notesMasterId r:id="rId20"/>
   </p:notesMasterIdLst>
   <p:sldIdLst>
     <p:sldId id="256" r:id="rId2"/>
@@ -16,33 +16,40 @@
     <p:sldId id="274" r:id="rId7"/>
     <p:sldId id="276" r:id="rId8"/>
     <p:sldId id="277" r:id="rId9"/>
-    <p:sldId id="278" r:id="rId10"/>
-    <p:sldId id="280" r:id="rId11"/>
-    <p:sldId id="260" r:id="rId12"/>
+    <p:sldId id="282" r:id="rId10"/>
+    <p:sldId id="283" r:id="rId11"/>
+    <p:sldId id="281" r:id="rId12"/>
+    <p:sldId id="284" r:id="rId13"/>
+    <p:sldId id="285" r:id="rId14"/>
+    <p:sldId id="288" r:id="rId15"/>
+    <p:sldId id="289" r:id="rId16"/>
+    <p:sldId id="280" r:id="rId17"/>
+    <p:sldId id="290" r:id="rId18"/>
+    <p:sldId id="260" r:id="rId19"/>
   </p:sldIdLst>
   <p:sldSz cx="9144000" cy="6858000" type="screen4x3"/>
   <p:notesSz cx="6858000" cy="9144000"/>
   <p:embeddedFontLst>
     <p:embeddedFont>
       <p:font typeface="Calibri" panose="020F0502020204030204" pitchFamily="34" charset="0"/>
-      <p:regular r:id="rId14"/>
-      <p:bold r:id="rId15"/>
-      <p:italic r:id="rId16"/>
-      <p:boldItalic r:id="rId17"/>
+      <p:regular r:id="rId21"/>
+      <p:bold r:id="rId22"/>
+      <p:italic r:id="rId23"/>
+      <p:boldItalic r:id="rId24"/>
     </p:embeddedFont>
     <p:embeddedFont>
       <p:font typeface="Consolas" panose="020B0609020204030204" pitchFamily="49" charset="0"/>
-      <p:regular r:id="rId18"/>
-      <p:bold r:id="rId19"/>
-      <p:italic r:id="rId20"/>
-      <p:boldItalic r:id="rId21"/>
+      <p:regular r:id="rId25"/>
+      <p:bold r:id="rId26"/>
+      <p:italic r:id="rId27"/>
+      <p:boldItalic r:id="rId28"/>
     </p:embeddedFont>
     <p:embeddedFont>
       <p:font typeface="Roboto" panose="020B0604020202020204" charset="0"/>
-      <p:regular r:id="rId22"/>
-      <p:bold r:id="rId23"/>
-      <p:italic r:id="rId24"/>
-      <p:boldItalic r:id="rId25"/>
+      <p:regular r:id="rId29"/>
+      <p:bold r:id="rId30"/>
+      <p:italic r:id="rId31"/>
+      <p:boldItalic r:id="rId32"/>
     </p:embeddedFont>
   </p:embeddedFontLst>
   <p:defaultTextStyle>
@@ -1496,7 +1503,7 @@
   <p:cSld>
     <p:spTree>
       <p:nvGrpSpPr>
-        <p:cNvPr id="1" name="Shape 214"/>
+        <p:cNvPr id="1" name="Shape 164"/>
         <p:cNvGrpSpPr/>
         <p:nvPr/>
       </p:nvGrpSpPr>
@@ -1510,7 +1517,7 @@
       </p:grpSpPr>
       <p:sp>
         <p:nvSpPr>
-          <p:cNvPr id="215" name="Shape 215"/>
+          <p:cNvPr id="165" name="Shape 165"/>
           <p:cNvSpPr>
             <a:spLocks noGrp="1" noRot="1" noChangeAspect="1"/>
           </p:cNvSpPr>
@@ -1561,7 +1568,7 @@
       </p:sp>
       <p:sp>
         <p:nvSpPr>
-          <p:cNvPr id="216" name="Shape 216"/>
+          <p:cNvPr id="166" name="Shape 166"/>
           <p:cNvSpPr txBox="1">
             <a:spLocks noGrp="1"/>
           </p:cNvSpPr>
@@ -1597,55 +1604,7 @@
               </a:spcAft>
               <a:buNone/>
             </a:pPr>
-            <a:r>
-              <a:rPr lang="ru-RU" sz="1200" b="0" i="0" u="none" strike="noStrike" cap="none" dirty="0">
-                <a:solidFill>
-                  <a:schemeClr val="dk1"/>
-                </a:solidFill>
-                <a:latin typeface="Calibri"/>
-                <a:ea typeface="Calibri"/>
-                <a:cs typeface="Calibri"/>
-                <a:sym typeface="Calibri"/>
-              </a:rPr>
-              <a:t>Создай проект и настрой его в </a:t>
-            </a:r>
-            <a:r>
-              <a:rPr lang="en-US" sz="1200" b="0" i="0" u="none" strike="noStrike" cap="none" dirty="0" err="1">
-                <a:solidFill>
-                  <a:schemeClr val="dk1"/>
-                </a:solidFill>
-                <a:latin typeface="Calibri"/>
-                <a:ea typeface="Calibri"/>
-                <a:cs typeface="Calibri"/>
-                <a:sym typeface="Calibri"/>
-              </a:rPr>
-              <a:t>appveyor</a:t>
-            </a:r>
-            <a:r>
-              <a:rPr lang="en-US" sz="1200" b="0" i="0" u="none" strike="noStrike" cap="none" dirty="0">
-                <a:solidFill>
-                  <a:schemeClr val="dk1"/>
-                </a:solidFill>
-                <a:latin typeface="Calibri"/>
-                <a:ea typeface="Calibri"/>
-                <a:cs typeface="Calibri"/>
-                <a:sym typeface="Calibri"/>
-              </a:rPr>
-              <a:t> </a:t>
-            </a:r>
-            <a:r>
-              <a:rPr lang="ru-RU" sz="1200" b="0" i="0" u="none" strike="noStrike" cap="none" dirty="0">
-                <a:solidFill>
-                  <a:schemeClr val="dk1"/>
-                </a:solidFill>
-                <a:latin typeface="Calibri"/>
-                <a:ea typeface="Calibri"/>
-                <a:cs typeface="Calibri"/>
-                <a:sym typeface="Calibri"/>
-              </a:rPr>
-              <a:t>вместе со всеми, заодно возможно придется решить пару проблем.</a:t>
-            </a:r>
-            <a:endParaRPr sz="1200" b="0" i="0" u="none" strike="noStrike" cap="none" dirty="0">
+            <a:endParaRPr sz="1200" b="0" i="0" u="none" strike="noStrike" cap="none">
               <a:solidFill>
                 <a:schemeClr val="dk1"/>
               </a:solidFill>
@@ -1659,7 +1618,7 @@
       </p:sp>
       <p:sp>
         <p:nvSpPr>
-          <p:cNvPr id="217" name="Shape 217"/>
+          <p:cNvPr id="167" name="Shape 167"/>
           <p:cNvSpPr txBox="1">
             <a:spLocks noGrp="1"/>
           </p:cNvSpPr>
@@ -1722,7 +1681,7 @@
     </p:spTree>
     <p:extLst>
       <p:ext uri="{BB962C8B-B14F-4D97-AF65-F5344CB8AC3E}">
-        <p14:creationId xmlns:p14="http://schemas.microsoft.com/office/powerpoint/2010/main" val="1613504624"/>
+        <p14:creationId xmlns:p14="http://schemas.microsoft.com/office/powerpoint/2010/main" val="3543491121"/>
       </p:ext>
     </p:extLst>
   </p:cSld>
@@ -1838,7 +1797,7 @@
               </a:spcAft>
               <a:buNone/>
             </a:pPr>
-            <a:endParaRPr sz="1200" b="0" i="0" u="none" strike="noStrike" cap="none" dirty="0">
+            <a:endParaRPr sz="1200" b="0" i="0" u="none" strike="noStrike" cap="none">
               <a:solidFill>
                 <a:schemeClr val="dk1"/>
               </a:solidFill>
@@ -1899,6 +1858,1400 @@
                 <a:sym typeface="Calibri"/>
               </a:rPr>
               <a:t>11</a:t>
+            </a:fld>
+            <a:endParaRPr sz="1200" b="0" i="0" u="none" strike="noStrike" cap="none">
+              <a:solidFill>
+                <a:schemeClr val="dk1"/>
+              </a:solidFill>
+              <a:latin typeface="Calibri"/>
+              <a:ea typeface="Calibri"/>
+              <a:cs typeface="Calibri"/>
+              <a:sym typeface="Calibri"/>
+            </a:endParaRPr>
+          </a:p>
+        </p:txBody>
+      </p:sp>
+    </p:spTree>
+  </p:cSld>
+  <p:clrMapOvr>
+    <a:masterClrMapping/>
+  </p:clrMapOvr>
+</p:notes>
+</file>
+
+<file path=ppt/notesSlides/notesSlide12.xml><?xml version="1.0" encoding="utf-8"?>
+<p:notes xmlns:a="http://schemas.openxmlformats.org/drawingml/2006/main" xmlns:r="http://schemas.openxmlformats.org/officeDocument/2006/relationships" xmlns:p="http://schemas.openxmlformats.org/presentationml/2006/main" showMasterSp="0" showMasterPhAnim="0">
+  <p:cSld>
+    <p:spTree>
+      <p:nvGrpSpPr>
+        <p:cNvPr id="1" name="Shape 164"/>
+        <p:cNvGrpSpPr/>
+        <p:nvPr/>
+      </p:nvGrpSpPr>
+      <p:grpSpPr>
+        <a:xfrm>
+          <a:off x="0" y="0"/>
+          <a:ext cx="0" cy="0"/>
+          <a:chOff x="0" y="0"/>
+          <a:chExt cx="0" cy="0"/>
+        </a:xfrm>
+      </p:grpSpPr>
+      <p:sp>
+        <p:nvSpPr>
+          <p:cNvPr id="165" name="Shape 165"/>
+          <p:cNvSpPr>
+            <a:spLocks noGrp="1" noRot="1" noChangeAspect="1"/>
+          </p:cNvSpPr>
+          <p:nvPr>
+            <p:ph type="sldImg" idx="2"/>
+          </p:nvPr>
+        </p:nvSpPr>
+        <p:spPr>
+          <a:xfrm>
+            <a:off x="1143000" y="685800"/>
+            <a:ext cx="4572000" cy="3429000"/>
+          </a:xfrm>
+          <a:custGeom>
+            <a:avLst/>
+            <a:gdLst/>
+            <a:ahLst/>
+            <a:cxnLst/>
+            <a:rect l="0" t="0" r="0" b="0"/>
+            <a:pathLst>
+              <a:path w="120000" h="120000" extrusionOk="0">
+                <a:moveTo>
+                  <a:pt x="0" y="0"/>
+                </a:moveTo>
+                <a:lnTo>
+                  <a:pt x="120000" y="0"/>
+                </a:lnTo>
+                <a:lnTo>
+                  <a:pt x="120000" y="120000"/>
+                </a:lnTo>
+                <a:lnTo>
+                  <a:pt x="0" y="120000"/>
+                </a:lnTo>
+                <a:close/>
+              </a:path>
+            </a:pathLst>
+          </a:custGeom>
+          <a:noFill/>
+          <a:ln w="9525" cap="flat" cmpd="sng">
+            <a:solidFill>
+              <a:srgbClr val="000000"/>
+            </a:solidFill>
+            <a:prstDash val="solid"/>
+            <a:miter lim="800000"/>
+            <a:headEnd type="none" w="med" len="med"/>
+            <a:tailEnd type="none" w="med" len="med"/>
+          </a:ln>
+        </p:spPr>
+      </p:sp>
+      <p:sp>
+        <p:nvSpPr>
+          <p:cNvPr id="166" name="Shape 166"/>
+          <p:cNvSpPr txBox="1">
+            <a:spLocks noGrp="1"/>
+          </p:cNvSpPr>
+          <p:nvPr>
+            <p:ph type="body" idx="1"/>
+          </p:nvPr>
+        </p:nvSpPr>
+        <p:spPr>
+          <a:xfrm>
+            <a:off x="685800" y="4343400"/>
+            <a:ext cx="5486400" cy="4114800"/>
+          </a:xfrm>
+          <a:prstGeom prst="rect">
+            <a:avLst/>
+          </a:prstGeom>
+          <a:noFill/>
+          <a:ln>
+            <a:noFill/>
+          </a:ln>
+        </p:spPr>
+        <p:txBody>
+          <a:bodyPr spcFirstLastPara="1" wrap="square" lIns="91425" tIns="45700" rIns="91425" bIns="45700" anchor="t" anchorCtr="0">
+            <a:noAutofit/>
+          </a:bodyPr>
+          <a:lstStyle/>
+          <a:p>
+            <a:pPr marL="0" marR="0" lvl="0" indent="0" algn="l" rtl="0">
+              <a:spcBef>
+                <a:spcPts val="0"/>
+              </a:spcBef>
+              <a:spcAft>
+                <a:spcPts val="0"/>
+              </a:spcAft>
+              <a:buNone/>
+            </a:pPr>
+            <a:endParaRPr sz="1200" b="0" i="0" u="none" strike="noStrike" cap="none">
+              <a:solidFill>
+                <a:schemeClr val="dk1"/>
+              </a:solidFill>
+              <a:latin typeface="Calibri"/>
+              <a:ea typeface="Calibri"/>
+              <a:cs typeface="Calibri"/>
+              <a:sym typeface="Calibri"/>
+            </a:endParaRPr>
+          </a:p>
+        </p:txBody>
+      </p:sp>
+      <p:sp>
+        <p:nvSpPr>
+          <p:cNvPr id="167" name="Shape 167"/>
+          <p:cNvSpPr txBox="1">
+            <a:spLocks noGrp="1"/>
+          </p:cNvSpPr>
+          <p:nvPr>
+            <p:ph type="sldNum" idx="12"/>
+          </p:nvPr>
+        </p:nvSpPr>
+        <p:spPr>
+          <a:xfrm>
+            <a:off x="3884613" y="8685213"/>
+            <a:ext cx="2971800" cy="457200"/>
+          </a:xfrm>
+          <a:prstGeom prst="rect">
+            <a:avLst/>
+          </a:prstGeom>
+          <a:noFill/>
+          <a:ln>
+            <a:noFill/>
+          </a:ln>
+        </p:spPr>
+        <p:txBody>
+          <a:bodyPr spcFirstLastPara="1" wrap="square" lIns="91425" tIns="45700" rIns="91425" bIns="45700" anchor="b" anchorCtr="0">
+            <a:noAutofit/>
+          </a:bodyPr>
+          <a:lstStyle/>
+          <a:p>
+            <a:pPr marL="0" marR="0" lvl="0" indent="0" algn="r" rtl="0">
+              <a:spcBef>
+                <a:spcPts val="0"/>
+              </a:spcBef>
+              <a:spcAft>
+                <a:spcPts val="0"/>
+              </a:spcAft>
+              <a:buNone/>
+            </a:pPr>
+            <a:fld id="{00000000-1234-1234-1234-123412341234}" type="slidenum">
+              <a:rPr lang="en-US" sz="1200" b="0" i="0" u="none" strike="noStrike" cap="none">
+                <a:solidFill>
+                  <a:schemeClr val="dk1"/>
+                </a:solidFill>
+                <a:latin typeface="Calibri"/>
+                <a:ea typeface="Calibri"/>
+                <a:cs typeface="Calibri"/>
+                <a:sym typeface="Calibri"/>
+              </a:rPr>
+              <a:t>12</a:t>
+            </a:fld>
+            <a:endParaRPr sz="1200" b="0" i="0" u="none" strike="noStrike" cap="none">
+              <a:solidFill>
+                <a:schemeClr val="dk1"/>
+              </a:solidFill>
+              <a:latin typeface="Calibri"/>
+              <a:ea typeface="Calibri"/>
+              <a:cs typeface="Calibri"/>
+              <a:sym typeface="Calibri"/>
+            </a:endParaRPr>
+          </a:p>
+        </p:txBody>
+      </p:sp>
+    </p:spTree>
+    <p:extLst>
+      <p:ext uri="{BB962C8B-B14F-4D97-AF65-F5344CB8AC3E}">
+        <p14:creationId xmlns:p14="http://schemas.microsoft.com/office/powerpoint/2010/main" val="3845318937"/>
+      </p:ext>
+    </p:extLst>
+  </p:cSld>
+  <p:clrMapOvr>
+    <a:masterClrMapping/>
+  </p:clrMapOvr>
+</p:notes>
+</file>
+
+<file path=ppt/notesSlides/notesSlide13.xml><?xml version="1.0" encoding="utf-8"?>
+<p:notes xmlns:a="http://schemas.openxmlformats.org/drawingml/2006/main" xmlns:r="http://schemas.openxmlformats.org/officeDocument/2006/relationships" xmlns:p="http://schemas.openxmlformats.org/presentationml/2006/main" showMasterSp="0" showMasterPhAnim="0">
+  <p:cSld>
+    <p:spTree>
+      <p:nvGrpSpPr>
+        <p:cNvPr id="1" name="Shape 164"/>
+        <p:cNvGrpSpPr/>
+        <p:nvPr/>
+      </p:nvGrpSpPr>
+      <p:grpSpPr>
+        <a:xfrm>
+          <a:off x="0" y="0"/>
+          <a:ext cx="0" cy="0"/>
+          <a:chOff x="0" y="0"/>
+          <a:chExt cx="0" cy="0"/>
+        </a:xfrm>
+      </p:grpSpPr>
+      <p:sp>
+        <p:nvSpPr>
+          <p:cNvPr id="165" name="Shape 165"/>
+          <p:cNvSpPr>
+            <a:spLocks noGrp="1" noRot="1" noChangeAspect="1"/>
+          </p:cNvSpPr>
+          <p:nvPr>
+            <p:ph type="sldImg" idx="2"/>
+          </p:nvPr>
+        </p:nvSpPr>
+        <p:spPr>
+          <a:xfrm>
+            <a:off x="1143000" y="685800"/>
+            <a:ext cx="4572000" cy="3429000"/>
+          </a:xfrm>
+          <a:custGeom>
+            <a:avLst/>
+            <a:gdLst/>
+            <a:ahLst/>
+            <a:cxnLst/>
+            <a:rect l="0" t="0" r="0" b="0"/>
+            <a:pathLst>
+              <a:path w="120000" h="120000" extrusionOk="0">
+                <a:moveTo>
+                  <a:pt x="0" y="0"/>
+                </a:moveTo>
+                <a:lnTo>
+                  <a:pt x="120000" y="0"/>
+                </a:lnTo>
+                <a:lnTo>
+                  <a:pt x="120000" y="120000"/>
+                </a:lnTo>
+                <a:lnTo>
+                  <a:pt x="0" y="120000"/>
+                </a:lnTo>
+                <a:close/>
+              </a:path>
+            </a:pathLst>
+          </a:custGeom>
+          <a:noFill/>
+          <a:ln w="9525" cap="flat" cmpd="sng">
+            <a:solidFill>
+              <a:srgbClr val="000000"/>
+            </a:solidFill>
+            <a:prstDash val="solid"/>
+            <a:miter lim="800000"/>
+            <a:headEnd type="none" w="med" len="med"/>
+            <a:tailEnd type="none" w="med" len="med"/>
+          </a:ln>
+        </p:spPr>
+      </p:sp>
+      <p:sp>
+        <p:nvSpPr>
+          <p:cNvPr id="166" name="Shape 166"/>
+          <p:cNvSpPr txBox="1">
+            <a:spLocks noGrp="1"/>
+          </p:cNvSpPr>
+          <p:nvPr>
+            <p:ph type="body" idx="1"/>
+          </p:nvPr>
+        </p:nvSpPr>
+        <p:spPr>
+          <a:xfrm>
+            <a:off x="685800" y="4343400"/>
+            <a:ext cx="5486400" cy="4114800"/>
+          </a:xfrm>
+          <a:prstGeom prst="rect">
+            <a:avLst/>
+          </a:prstGeom>
+          <a:noFill/>
+          <a:ln>
+            <a:noFill/>
+          </a:ln>
+        </p:spPr>
+        <p:txBody>
+          <a:bodyPr spcFirstLastPara="1" wrap="square" lIns="91425" tIns="45700" rIns="91425" bIns="45700" anchor="t" anchorCtr="0">
+            <a:noAutofit/>
+          </a:bodyPr>
+          <a:lstStyle/>
+          <a:p>
+            <a:pPr marL="0" marR="0" lvl="0" indent="0" algn="l" rtl="0">
+              <a:spcBef>
+                <a:spcPts val="0"/>
+              </a:spcBef>
+              <a:spcAft>
+                <a:spcPts val="0"/>
+              </a:spcAft>
+              <a:buNone/>
+            </a:pPr>
+            <a:endParaRPr sz="1200" b="0" i="0" u="none" strike="noStrike" cap="none">
+              <a:solidFill>
+                <a:schemeClr val="dk1"/>
+              </a:solidFill>
+              <a:latin typeface="Calibri"/>
+              <a:ea typeface="Calibri"/>
+              <a:cs typeface="Calibri"/>
+              <a:sym typeface="Calibri"/>
+            </a:endParaRPr>
+          </a:p>
+        </p:txBody>
+      </p:sp>
+      <p:sp>
+        <p:nvSpPr>
+          <p:cNvPr id="167" name="Shape 167"/>
+          <p:cNvSpPr txBox="1">
+            <a:spLocks noGrp="1"/>
+          </p:cNvSpPr>
+          <p:nvPr>
+            <p:ph type="sldNum" idx="12"/>
+          </p:nvPr>
+        </p:nvSpPr>
+        <p:spPr>
+          <a:xfrm>
+            <a:off x="3884613" y="8685213"/>
+            <a:ext cx="2971800" cy="457200"/>
+          </a:xfrm>
+          <a:prstGeom prst="rect">
+            <a:avLst/>
+          </a:prstGeom>
+          <a:noFill/>
+          <a:ln>
+            <a:noFill/>
+          </a:ln>
+        </p:spPr>
+        <p:txBody>
+          <a:bodyPr spcFirstLastPara="1" wrap="square" lIns="91425" tIns="45700" rIns="91425" bIns="45700" anchor="b" anchorCtr="0">
+            <a:noAutofit/>
+          </a:bodyPr>
+          <a:lstStyle/>
+          <a:p>
+            <a:pPr marL="0" marR="0" lvl="0" indent="0" algn="r" rtl="0">
+              <a:spcBef>
+                <a:spcPts val="0"/>
+              </a:spcBef>
+              <a:spcAft>
+                <a:spcPts val="0"/>
+              </a:spcAft>
+              <a:buNone/>
+            </a:pPr>
+            <a:fld id="{00000000-1234-1234-1234-123412341234}" type="slidenum">
+              <a:rPr lang="en-US" sz="1200" b="0" i="0" u="none" strike="noStrike" cap="none">
+                <a:solidFill>
+                  <a:schemeClr val="dk1"/>
+                </a:solidFill>
+                <a:latin typeface="Calibri"/>
+                <a:ea typeface="Calibri"/>
+                <a:cs typeface="Calibri"/>
+                <a:sym typeface="Calibri"/>
+              </a:rPr>
+              <a:t>13</a:t>
+            </a:fld>
+            <a:endParaRPr sz="1200" b="0" i="0" u="none" strike="noStrike" cap="none">
+              <a:solidFill>
+                <a:schemeClr val="dk1"/>
+              </a:solidFill>
+              <a:latin typeface="Calibri"/>
+              <a:ea typeface="Calibri"/>
+              <a:cs typeface="Calibri"/>
+              <a:sym typeface="Calibri"/>
+            </a:endParaRPr>
+          </a:p>
+        </p:txBody>
+      </p:sp>
+    </p:spTree>
+    <p:extLst>
+      <p:ext uri="{BB962C8B-B14F-4D97-AF65-F5344CB8AC3E}">
+        <p14:creationId xmlns:p14="http://schemas.microsoft.com/office/powerpoint/2010/main" val="3903500176"/>
+      </p:ext>
+    </p:extLst>
+  </p:cSld>
+  <p:clrMapOvr>
+    <a:masterClrMapping/>
+  </p:clrMapOvr>
+</p:notes>
+</file>
+
+<file path=ppt/notesSlides/notesSlide14.xml><?xml version="1.0" encoding="utf-8"?>
+<p:notes xmlns:a="http://schemas.openxmlformats.org/drawingml/2006/main" xmlns:r="http://schemas.openxmlformats.org/officeDocument/2006/relationships" xmlns:p="http://schemas.openxmlformats.org/presentationml/2006/main" showMasterSp="0" showMasterPhAnim="0">
+  <p:cSld>
+    <p:spTree>
+      <p:nvGrpSpPr>
+        <p:cNvPr id="1" name="Shape 164"/>
+        <p:cNvGrpSpPr/>
+        <p:nvPr/>
+      </p:nvGrpSpPr>
+      <p:grpSpPr>
+        <a:xfrm>
+          <a:off x="0" y="0"/>
+          <a:ext cx="0" cy="0"/>
+          <a:chOff x="0" y="0"/>
+          <a:chExt cx="0" cy="0"/>
+        </a:xfrm>
+      </p:grpSpPr>
+      <p:sp>
+        <p:nvSpPr>
+          <p:cNvPr id="165" name="Shape 165"/>
+          <p:cNvSpPr>
+            <a:spLocks noGrp="1" noRot="1" noChangeAspect="1"/>
+          </p:cNvSpPr>
+          <p:nvPr>
+            <p:ph type="sldImg" idx="2"/>
+          </p:nvPr>
+        </p:nvSpPr>
+        <p:spPr>
+          <a:xfrm>
+            <a:off x="1143000" y="685800"/>
+            <a:ext cx="4572000" cy="3429000"/>
+          </a:xfrm>
+          <a:custGeom>
+            <a:avLst/>
+            <a:gdLst/>
+            <a:ahLst/>
+            <a:cxnLst/>
+            <a:rect l="0" t="0" r="0" b="0"/>
+            <a:pathLst>
+              <a:path w="120000" h="120000" extrusionOk="0">
+                <a:moveTo>
+                  <a:pt x="0" y="0"/>
+                </a:moveTo>
+                <a:lnTo>
+                  <a:pt x="120000" y="0"/>
+                </a:lnTo>
+                <a:lnTo>
+                  <a:pt x="120000" y="120000"/>
+                </a:lnTo>
+                <a:lnTo>
+                  <a:pt x="0" y="120000"/>
+                </a:lnTo>
+                <a:close/>
+              </a:path>
+            </a:pathLst>
+          </a:custGeom>
+          <a:noFill/>
+          <a:ln w="9525" cap="flat" cmpd="sng">
+            <a:solidFill>
+              <a:srgbClr val="000000"/>
+            </a:solidFill>
+            <a:prstDash val="solid"/>
+            <a:miter lim="800000"/>
+            <a:headEnd type="none" w="med" len="med"/>
+            <a:tailEnd type="none" w="med" len="med"/>
+          </a:ln>
+        </p:spPr>
+      </p:sp>
+      <p:sp>
+        <p:nvSpPr>
+          <p:cNvPr id="166" name="Shape 166"/>
+          <p:cNvSpPr txBox="1">
+            <a:spLocks noGrp="1"/>
+          </p:cNvSpPr>
+          <p:nvPr>
+            <p:ph type="body" idx="1"/>
+          </p:nvPr>
+        </p:nvSpPr>
+        <p:spPr>
+          <a:xfrm>
+            <a:off x="685800" y="4343400"/>
+            <a:ext cx="5486400" cy="4114800"/>
+          </a:xfrm>
+          <a:prstGeom prst="rect">
+            <a:avLst/>
+          </a:prstGeom>
+          <a:noFill/>
+          <a:ln>
+            <a:noFill/>
+          </a:ln>
+        </p:spPr>
+        <p:txBody>
+          <a:bodyPr spcFirstLastPara="1" wrap="square" lIns="91425" tIns="45700" rIns="91425" bIns="45700" anchor="t" anchorCtr="0">
+            <a:noAutofit/>
+          </a:bodyPr>
+          <a:lstStyle/>
+          <a:p>
+            <a:pPr marL="0" marR="0" lvl="0" indent="0" algn="l" rtl="0">
+              <a:spcBef>
+                <a:spcPts val="0"/>
+              </a:spcBef>
+              <a:spcAft>
+                <a:spcPts val="0"/>
+              </a:spcAft>
+              <a:buNone/>
+            </a:pPr>
+            <a:endParaRPr sz="1200" b="0" i="0" u="none" strike="noStrike" cap="none">
+              <a:solidFill>
+                <a:schemeClr val="dk1"/>
+              </a:solidFill>
+              <a:latin typeface="Calibri"/>
+              <a:ea typeface="Calibri"/>
+              <a:cs typeface="Calibri"/>
+              <a:sym typeface="Calibri"/>
+            </a:endParaRPr>
+          </a:p>
+        </p:txBody>
+      </p:sp>
+      <p:sp>
+        <p:nvSpPr>
+          <p:cNvPr id="167" name="Shape 167"/>
+          <p:cNvSpPr txBox="1">
+            <a:spLocks noGrp="1"/>
+          </p:cNvSpPr>
+          <p:nvPr>
+            <p:ph type="sldNum" idx="12"/>
+          </p:nvPr>
+        </p:nvSpPr>
+        <p:spPr>
+          <a:xfrm>
+            <a:off x="3884613" y="8685213"/>
+            <a:ext cx="2971800" cy="457200"/>
+          </a:xfrm>
+          <a:prstGeom prst="rect">
+            <a:avLst/>
+          </a:prstGeom>
+          <a:noFill/>
+          <a:ln>
+            <a:noFill/>
+          </a:ln>
+        </p:spPr>
+        <p:txBody>
+          <a:bodyPr spcFirstLastPara="1" wrap="square" lIns="91425" tIns="45700" rIns="91425" bIns="45700" anchor="b" anchorCtr="0">
+            <a:noAutofit/>
+          </a:bodyPr>
+          <a:lstStyle/>
+          <a:p>
+            <a:pPr marL="0" marR="0" lvl="0" indent="0" algn="r" rtl="0">
+              <a:spcBef>
+                <a:spcPts val="0"/>
+              </a:spcBef>
+              <a:spcAft>
+                <a:spcPts val="0"/>
+              </a:spcAft>
+              <a:buNone/>
+            </a:pPr>
+            <a:fld id="{00000000-1234-1234-1234-123412341234}" type="slidenum">
+              <a:rPr lang="en-US" sz="1200" b="0" i="0" u="none" strike="noStrike" cap="none">
+                <a:solidFill>
+                  <a:schemeClr val="dk1"/>
+                </a:solidFill>
+                <a:latin typeface="Calibri"/>
+                <a:ea typeface="Calibri"/>
+                <a:cs typeface="Calibri"/>
+                <a:sym typeface="Calibri"/>
+              </a:rPr>
+              <a:t>14</a:t>
+            </a:fld>
+            <a:endParaRPr sz="1200" b="0" i="0" u="none" strike="noStrike" cap="none">
+              <a:solidFill>
+                <a:schemeClr val="dk1"/>
+              </a:solidFill>
+              <a:latin typeface="Calibri"/>
+              <a:ea typeface="Calibri"/>
+              <a:cs typeface="Calibri"/>
+              <a:sym typeface="Calibri"/>
+            </a:endParaRPr>
+          </a:p>
+        </p:txBody>
+      </p:sp>
+    </p:spTree>
+    <p:extLst>
+      <p:ext uri="{BB962C8B-B14F-4D97-AF65-F5344CB8AC3E}">
+        <p14:creationId xmlns:p14="http://schemas.microsoft.com/office/powerpoint/2010/main" val="1614347515"/>
+      </p:ext>
+    </p:extLst>
+  </p:cSld>
+  <p:clrMapOvr>
+    <a:masterClrMapping/>
+  </p:clrMapOvr>
+</p:notes>
+</file>
+
+<file path=ppt/notesSlides/notesSlide15.xml><?xml version="1.0" encoding="utf-8"?>
+<p:notes xmlns:a="http://schemas.openxmlformats.org/drawingml/2006/main" xmlns:r="http://schemas.openxmlformats.org/officeDocument/2006/relationships" xmlns:p="http://schemas.openxmlformats.org/presentationml/2006/main" showMasterSp="0" showMasterPhAnim="0">
+  <p:cSld>
+    <p:spTree>
+      <p:nvGrpSpPr>
+        <p:cNvPr id="1" name="Shape 164"/>
+        <p:cNvGrpSpPr/>
+        <p:nvPr/>
+      </p:nvGrpSpPr>
+      <p:grpSpPr>
+        <a:xfrm>
+          <a:off x="0" y="0"/>
+          <a:ext cx="0" cy="0"/>
+          <a:chOff x="0" y="0"/>
+          <a:chExt cx="0" cy="0"/>
+        </a:xfrm>
+      </p:grpSpPr>
+      <p:sp>
+        <p:nvSpPr>
+          <p:cNvPr id="165" name="Shape 165"/>
+          <p:cNvSpPr>
+            <a:spLocks noGrp="1" noRot="1" noChangeAspect="1"/>
+          </p:cNvSpPr>
+          <p:nvPr>
+            <p:ph type="sldImg" idx="2"/>
+          </p:nvPr>
+        </p:nvSpPr>
+        <p:spPr>
+          <a:xfrm>
+            <a:off x="1143000" y="685800"/>
+            <a:ext cx="4572000" cy="3429000"/>
+          </a:xfrm>
+          <a:custGeom>
+            <a:avLst/>
+            <a:gdLst/>
+            <a:ahLst/>
+            <a:cxnLst/>
+            <a:rect l="0" t="0" r="0" b="0"/>
+            <a:pathLst>
+              <a:path w="120000" h="120000" extrusionOk="0">
+                <a:moveTo>
+                  <a:pt x="0" y="0"/>
+                </a:moveTo>
+                <a:lnTo>
+                  <a:pt x="120000" y="0"/>
+                </a:lnTo>
+                <a:lnTo>
+                  <a:pt x="120000" y="120000"/>
+                </a:lnTo>
+                <a:lnTo>
+                  <a:pt x="0" y="120000"/>
+                </a:lnTo>
+                <a:close/>
+              </a:path>
+            </a:pathLst>
+          </a:custGeom>
+          <a:noFill/>
+          <a:ln w="9525" cap="flat" cmpd="sng">
+            <a:solidFill>
+              <a:srgbClr val="000000"/>
+            </a:solidFill>
+            <a:prstDash val="solid"/>
+            <a:miter lim="800000"/>
+            <a:headEnd type="none" w="med" len="med"/>
+            <a:tailEnd type="none" w="med" len="med"/>
+          </a:ln>
+        </p:spPr>
+      </p:sp>
+      <p:sp>
+        <p:nvSpPr>
+          <p:cNvPr id="166" name="Shape 166"/>
+          <p:cNvSpPr txBox="1">
+            <a:spLocks noGrp="1"/>
+          </p:cNvSpPr>
+          <p:nvPr>
+            <p:ph type="body" idx="1"/>
+          </p:nvPr>
+        </p:nvSpPr>
+        <p:spPr>
+          <a:xfrm>
+            <a:off x="685800" y="4343400"/>
+            <a:ext cx="5486400" cy="4114800"/>
+          </a:xfrm>
+          <a:prstGeom prst="rect">
+            <a:avLst/>
+          </a:prstGeom>
+          <a:noFill/>
+          <a:ln>
+            <a:noFill/>
+          </a:ln>
+        </p:spPr>
+        <p:txBody>
+          <a:bodyPr spcFirstLastPara="1" wrap="square" lIns="91425" tIns="45700" rIns="91425" bIns="45700" anchor="t" anchorCtr="0">
+            <a:noAutofit/>
+          </a:bodyPr>
+          <a:lstStyle/>
+          <a:p>
+            <a:pPr marL="0" marR="0" lvl="0" indent="0" algn="l" rtl="0">
+              <a:spcBef>
+                <a:spcPts val="0"/>
+              </a:spcBef>
+              <a:spcAft>
+                <a:spcPts val="0"/>
+              </a:spcAft>
+              <a:buNone/>
+            </a:pPr>
+            <a:endParaRPr sz="1200" b="0" i="0" u="none" strike="noStrike" cap="none">
+              <a:solidFill>
+                <a:schemeClr val="dk1"/>
+              </a:solidFill>
+              <a:latin typeface="Calibri"/>
+              <a:ea typeface="Calibri"/>
+              <a:cs typeface="Calibri"/>
+              <a:sym typeface="Calibri"/>
+            </a:endParaRPr>
+          </a:p>
+        </p:txBody>
+      </p:sp>
+      <p:sp>
+        <p:nvSpPr>
+          <p:cNvPr id="167" name="Shape 167"/>
+          <p:cNvSpPr txBox="1">
+            <a:spLocks noGrp="1"/>
+          </p:cNvSpPr>
+          <p:nvPr>
+            <p:ph type="sldNum" idx="12"/>
+          </p:nvPr>
+        </p:nvSpPr>
+        <p:spPr>
+          <a:xfrm>
+            <a:off x="3884613" y="8685213"/>
+            <a:ext cx="2971800" cy="457200"/>
+          </a:xfrm>
+          <a:prstGeom prst="rect">
+            <a:avLst/>
+          </a:prstGeom>
+          <a:noFill/>
+          <a:ln>
+            <a:noFill/>
+          </a:ln>
+        </p:spPr>
+        <p:txBody>
+          <a:bodyPr spcFirstLastPara="1" wrap="square" lIns="91425" tIns="45700" rIns="91425" bIns="45700" anchor="b" anchorCtr="0">
+            <a:noAutofit/>
+          </a:bodyPr>
+          <a:lstStyle/>
+          <a:p>
+            <a:pPr marL="0" marR="0" lvl="0" indent="0" algn="r" rtl="0">
+              <a:spcBef>
+                <a:spcPts val="0"/>
+              </a:spcBef>
+              <a:spcAft>
+                <a:spcPts val="0"/>
+              </a:spcAft>
+              <a:buNone/>
+            </a:pPr>
+            <a:fld id="{00000000-1234-1234-1234-123412341234}" type="slidenum">
+              <a:rPr lang="en-US" sz="1200" b="0" i="0" u="none" strike="noStrike" cap="none">
+                <a:solidFill>
+                  <a:schemeClr val="dk1"/>
+                </a:solidFill>
+                <a:latin typeface="Calibri"/>
+                <a:ea typeface="Calibri"/>
+                <a:cs typeface="Calibri"/>
+                <a:sym typeface="Calibri"/>
+              </a:rPr>
+              <a:t>15</a:t>
+            </a:fld>
+            <a:endParaRPr sz="1200" b="0" i="0" u="none" strike="noStrike" cap="none">
+              <a:solidFill>
+                <a:schemeClr val="dk1"/>
+              </a:solidFill>
+              <a:latin typeface="Calibri"/>
+              <a:ea typeface="Calibri"/>
+              <a:cs typeface="Calibri"/>
+              <a:sym typeface="Calibri"/>
+            </a:endParaRPr>
+          </a:p>
+        </p:txBody>
+      </p:sp>
+    </p:spTree>
+    <p:extLst>
+      <p:ext uri="{BB962C8B-B14F-4D97-AF65-F5344CB8AC3E}">
+        <p14:creationId xmlns:p14="http://schemas.microsoft.com/office/powerpoint/2010/main" val="4285681261"/>
+      </p:ext>
+    </p:extLst>
+  </p:cSld>
+  <p:clrMapOvr>
+    <a:masterClrMapping/>
+  </p:clrMapOvr>
+</p:notes>
+</file>
+
+<file path=ppt/notesSlides/notesSlide16.xml><?xml version="1.0" encoding="utf-8"?>
+<p:notes xmlns:a="http://schemas.openxmlformats.org/drawingml/2006/main" xmlns:r="http://schemas.openxmlformats.org/officeDocument/2006/relationships" xmlns:p="http://schemas.openxmlformats.org/presentationml/2006/main" showMasterSp="0" showMasterPhAnim="0">
+  <p:cSld>
+    <p:spTree>
+      <p:nvGrpSpPr>
+        <p:cNvPr id="1" name="Shape 214"/>
+        <p:cNvGrpSpPr/>
+        <p:nvPr/>
+      </p:nvGrpSpPr>
+      <p:grpSpPr>
+        <a:xfrm>
+          <a:off x="0" y="0"/>
+          <a:ext cx="0" cy="0"/>
+          <a:chOff x="0" y="0"/>
+          <a:chExt cx="0" cy="0"/>
+        </a:xfrm>
+      </p:grpSpPr>
+      <p:sp>
+        <p:nvSpPr>
+          <p:cNvPr id="215" name="Shape 215"/>
+          <p:cNvSpPr>
+            <a:spLocks noGrp="1" noRot="1" noChangeAspect="1"/>
+          </p:cNvSpPr>
+          <p:nvPr>
+            <p:ph type="sldImg" idx="2"/>
+          </p:nvPr>
+        </p:nvSpPr>
+        <p:spPr>
+          <a:xfrm>
+            <a:off x="1143000" y="685800"/>
+            <a:ext cx="4572000" cy="3429000"/>
+          </a:xfrm>
+          <a:custGeom>
+            <a:avLst/>
+            <a:gdLst/>
+            <a:ahLst/>
+            <a:cxnLst/>
+            <a:rect l="0" t="0" r="0" b="0"/>
+            <a:pathLst>
+              <a:path w="120000" h="120000" extrusionOk="0">
+                <a:moveTo>
+                  <a:pt x="0" y="0"/>
+                </a:moveTo>
+                <a:lnTo>
+                  <a:pt x="120000" y="0"/>
+                </a:lnTo>
+                <a:lnTo>
+                  <a:pt x="120000" y="120000"/>
+                </a:lnTo>
+                <a:lnTo>
+                  <a:pt x="0" y="120000"/>
+                </a:lnTo>
+                <a:close/>
+              </a:path>
+            </a:pathLst>
+          </a:custGeom>
+          <a:noFill/>
+          <a:ln w="9525" cap="flat" cmpd="sng">
+            <a:solidFill>
+              <a:srgbClr val="000000"/>
+            </a:solidFill>
+            <a:prstDash val="solid"/>
+            <a:miter lim="800000"/>
+            <a:headEnd type="none" w="med" len="med"/>
+            <a:tailEnd type="none" w="med" len="med"/>
+          </a:ln>
+        </p:spPr>
+      </p:sp>
+      <p:sp>
+        <p:nvSpPr>
+          <p:cNvPr id="216" name="Shape 216"/>
+          <p:cNvSpPr txBox="1">
+            <a:spLocks noGrp="1"/>
+          </p:cNvSpPr>
+          <p:nvPr>
+            <p:ph type="body" idx="1"/>
+          </p:nvPr>
+        </p:nvSpPr>
+        <p:spPr>
+          <a:xfrm>
+            <a:off x="685800" y="4343400"/>
+            <a:ext cx="5486400" cy="4114800"/>
+          </a:xfrm>
+          <a:prstGeom prst="rect">
+            <a:avLst/>
+          </a:prstGeom>
+          <a:noFill/>
+          <a:ln>
+            <a:noFill/>
+          </a:ln>
+        </p:spPr>
+        <p:txBody>
+          <a:bodyPr spcFirstLastPara="1" wrap="square" lIns="91425" tIns="45700" rIns="91425" bIns="45700" anchor="t" anchorCtr="0">
+            <a:noAutofit/>
+          </a:bodyPr>
+          <a:lstStyle/>
+          <a:p>
+            <a:pPr marL="0" marR="0" lvl="0" indent="0" algn="l" rtl="0">
+              <a:spcBef>
+                <a:spcPts val="0"/>
+              </a:spcBef>
+              <a:spcAft>
+                <a:spcPts val="0"/>
+              </a:spcAft>
+              <a:buNone/>
+            </a:pPr>
+            <a:endParaRPr sz="1200" b="0" i="0" u="none" strike="noStrike" cap="none" dirty="0">
+              <a:solidFill>
+                <a:schemeClr val="dk1"/>
+              </a:solidFill>
+              <a:latin typeface="Calibri"/>
+              <a:ea typeface="Calibri"/>
+              <a:cs typeface="Calibri"/>
+              <a:sym typeface="Calibri"/>
+            </a:endParaRPr>
+          </a:p>
+        </p:txBody>
+      </p:sp>
+      <p:sp>
+        <p:nvSpPr>
+          <p:cNvPr id="217" name="Shape 217"/>
+          <p:cNvSpPr txBox="1">
+            <a:spLocks noGrp="1"/>
+          </p:cNvSpPr>
+          <p:nvPr>
+            <p:ph type="sldNum" idx="12"/>
+          </p:nvPr>
+        </p:nvSpPr>
+        <p:spPr>
+          <a:xfrm>
+            <a:off x="3884613" y="8685213"/>
+            <a:ext cx="2971800" cy="457200"/>
+          </a:xfrm>
+          <a:prstGeom prst="rect">
+            <a:avLst/>
+          </a:prstGeom>
+          <a:noFill/>
+          <a:ln>
+            <a:noFill/>
+          </a:ln>
+        </p:spPr>
+        <p:txBody>
+          <a:bodyPr spcFirstLastPara="1" wrap="square" lIns="91425" tIns="45700" rIns="91425" bIns="45700" anchor="b" anchorCtr="0">
+            <a:noAutofit/>
+          </a:bodyPr>
+          <a:lstStyle/>
+          <a:p>
+            <a:pPr marL="0" marR="0" lvl="0" indent="0" algn="r" rtl="0">
+              <a:spcBef>
+                <a:spcPts val="0"/>
+              </a:spcBef>
+              <a:spcAft>
+                <a:spcPts val="0"/>
+              </a:spcAft>
+              <a:buNone/>
+            </a:pPr>
+            <a:fld id="{00000000-1234-1234-1234-123412341234}" type="slidenum">
+              <a:rPr lang="en-US" sz="1200" b="0" i="0" u="none" strike="noStrike" cap="none">
+                <a:solidFill>
+                  <a:schemeClr val="dk1"/>
+                </a:solidFill>
+                <a:latin typeface="Calibri"/>
+                <a:ea typeface="Calibri"/>
+                <a:cs typeface="Calibri"/>
+                <a:sym typeface="Calibri"/>
+              </a:rPr>
+              <a:t>16</a:t>
+            </a:fld>
+            <a:endParaRPr sz="1200" b="0" i="0" u="none" strike="noStrike" cap="none">
+              <a:solidFill>
+                <a:schemeClr val="dk1"/>
+              </a:solidFill>
+              <a:latin typeface="Calibri"/>
+              <a:ea typeface="Calibri"/>
+              <a:cs typeface="Calibri"/>
+              <a:sym typeface="Calibri"/>
+            </a:endParaRPr>
+          </a:p>
+        </p:txBody>
+      </p:sp>
+    </p:spTree>
+    <p:extLst>
+      <p:ext uri="{BB962C8B-B14F-4D97-AF65-F5344CB8AC3E}">
+        <p14:creationId xmlns:p14="http://schemas.microsoft.com/office/powerpoint/2010/main" val="1613504624"/>
+      </p:ext>
+    </p:extLst>
+  </p:cSld>
+  <p:clrMapOvr>
+    <a:masterClrMapping/>
+  </p:clrMapOvr>
+</p:notes>
+</file>
+
+<file path=ppt/notesSlides/notesSlide17.xml><?xml version="1.0" encoding="utf-8"?>
+<p:notes xmlns:a="http://schemas.openxmlformats.org/drawingml/2006/main" xmlns:r="http://schemas.openxmlformats.org/officeDocument/2006/relationships" xmlns:p="http://schemas.openxmlformats.org/presentationml/2006/main" showMasterSp="0" showMasterPhAnim="0">
+  <p:cSld>
+    <p:spTree>
+      <p:nvGrpSpPr>
+        <p:cNvPr id="1" name="Shape 214"/>
+        <p:cNvGrpSpPr/>
+        <p:nvPr/>
+      </p:nvGrpSpPr>
+      <p:grpSpPr>
+        <a:xfrm>
+          <a:off x="0" y="0"/>
+          <a:ext cx="0" cy="0"/>
+          <a:chOff x="0" y="0"/>
+          <a:chExt cx="0" cy="0"/>
+        </a:xfrm>
+      </p:grpSpPr>
+      <p:sp>
+        <p:nvSpPr>
+          <p:cNvPr id="215" name="Shape 215"/>
+          <p:cNvSpPr>
+            <a:spLocks noGrp="1" noRot="1" noChangeAspect="1"/>
+          </p:cNvSpPr>
+          <p:nvPr>
+            <p:ph type="sldImg" idx="2"/>
+          </p:nvPr>
+        </p:nvSpPr>
+        <p:spPr>
+          <a:xfrm>
+            <a:off x="1143000" y="685800"/>
+            <a:ext cx="4572000" cy="3429000"/>
+          </a:xfrm>
+          <a:custGeom>
+            <a:avLst/>
+            <a:gdLst/>
+            <a:ahLst/>
+            <a:cxnLst/>
+            <a:rect l="0" t="0" r="0" b="0"/>
+            <a:pathLst>
+              <a:path w="120000" h="120000" extrusionOk="0">
+                <a:moveTo>
+                  <a:pt x="0" y="0"/>
+                </a:moveTo>
+                <a:lnTo>
+                  <a:pt x="120000" y="0"/>
+                </a:lnTo>
+                <a:lnTo>
+                  <a:pt x="120000" y="120000"/>
+                </a:lnTo>
+                <a:lnTo>
+                  <a:pt x="0" y="120000"/>
+                </a:lnTo>
+                <a:close/>
+              </a:path>
+            </a:pathLst>
+          </a:custGeom>
+          <a:noFill/>
+          <a:ln w="9525" cap="flat" cmpd="sng">
+            <a:solidFill>
+              <a:srgbClr val="000000"/>
+            </a:solidFill>
+            <a:prstDash val="solid"/>
+            <a:miter lim="800000"/>
+            <a:headEnd type="none" w="med" len="med"/>
+            <a:tailEnd type="none" w="med" len="med"/>
+          </a:ln>
+        </p:spPr>
+      </p:sp>
+      <p:sp>
+        <p:nvSpPr>
+          <p:cNvPr id="216" name="Shape 216"/>
+          <p:cNvSpPr txBox="1">
+            <a:spLocks noGrp="1"/>
+          </p:cNvSpPr>
+          <p:nvPr>
+            <p:ph type="body" idx="1"/>
+          </p:nvPr>
+        </p:nvSpPr>
+        <p:spPr>
+          <a:xfrm>
+            <a:off x="685800" y="4343400"/>
+            <a:ext cx="5486400" cy="4114800"/>
+          </a:xfrm>
+          <a:prstGeom prst="rect">
+            <a:avLst/>
+          </a:prstGeom>
+          <a:noFill/>
+          <a:ln>
+            <a:noFill/>
+          </a:ln>
+        </p:spPr>
+        <p:txBody>
+          <a:bodyPr spcFirstLastPara="1" wrap="square" lIns="91425" tIns="45700" rIns="91425" bIns="45700" anchor="t" anchorCtr="0">
+            <a:noAutofit/>
+          </a:bodyPr>
+          <a:lstStyle/>
+          <a:p>
+            <a:pPr marL="0" marR="0" lvl="0" indent="0" algn="l" rtl="0">
+              <a:spcBef>
+                <a:spcPts val="0"/>
+              </a:spcBef>
+              <a:spcAft>
+                <a:spcPts val="0"/>
+              </a:spcAft>
+              <a:buNone/>
+            </a:pPr>
+            <a:r>
+              <a:rPr lang="ru-RU" sz="1200" b="0" i="0" u="none" strike="noStrike" cap="none" dirty="0">
+                <a:solidFill>
+                  <a:schemeClr val="dk1"/>
+                </a:solidFill>
+                <a:latin typeface="Calibri"/>
+                <a:ea typeface="Calibri"/>
+                <a:cs typeface="Calibri"/>
+                <a:sym typeface="Calibri"/>
+              </a:rPr>
+              <a:t>Создай проект и настрой его в </a:t>
+            </a:r>
+            <a:r>
+              <a:rPr lang="en-US" sz="1200" b="0" i="0" u="none" strike="noStrike" cap="none" dirty="0" err="1">
+                <a:solidFill>
+                  <a:schemeClr val="dk1"/>
+                </a:solidFill>
+                <a:latin typeface="Calibri"/>
+                <a:ea typeface="Calibri"/>
+                <a:cs typeface="Calibri"/>
+                <a:sym typeface="Calibri"/>
+              </a:rPr>
+              <a:t>appveyor</a:t>
+            </a:r>
+            <a:r>
+              <a:rPr lang="en-US" sz="1200" b="0" i="0" u="none" strike="noStrike" cap="none" dirty="0">
+                <a:solidFill>
+                  <a:schemeClr val="dk1"/>
+                </a:solidFill>
+                <a:latin typeface="Calibri"/>
+                <a:ea typeface="Calibri"/>
+                <a:cs typeface="Calibri"/>
+                <a:sym typeface="Calibri"/>
+              </a:rPr>
+              <a:t> </a:t>
+            </a:r>
+            <a:r>
+              <a:rPr lang="ru-RU" sz="1200" b="0" i="0" u="none" strike="noStrike" cap="none" dirty="0">
+                <a:solidFill>
+                  <a:schemeClr val="dk1"/>
+                </a:solidFill>
+                <a:latin typeface="Calibri"/>
+                <a:ea typeface="Calibri"/>
+                <a:cs typeface="Calibri"/>
+                <a:sym typeface="Calibri"/>
+              </a:rPr>
+              <a:t>вместе со всеми, заодно возможно придется решить пару проблем.</a:t>
+            </a:r>
+            <a:endParaRPr sz="1200" b="0" i="0" u="none" strike="noStrike" cap="none" dirty="0">
+              <a:solidFill>
+                <a:schemeClr val="dk1"/>
+              </a:solidFill>
+              <a:latin typeface="Calibri"/>
+              <a:ea typeface="Calibri"/>
+              <a:cs typeface="Calibri"/>
+              <a:sym typeface="Calibri"/>
+            </a:endParaRPr>
+          </a:p>
+        </p:txBody>
+      </p:sp>
+      <p:sp>
+        <p:nvSpPr>
+          <p:cNvPr id="217" name="Shape 217"/>
+          <p:cNvSpPr txBox="1">
+            <a:spLocks noGrp="1"/>
+          </p:cNvSpPr>
+          <p:nvPr>
+            <p:ph type="sldNum" idx="12"/>
+          </p:nvPr>
+        </p:nvSpPr>
+        <p:spPr>
+          <a:xfrm>
+            <a:off x="3884613" y="8685213"/>
+            <a:ext cx="2971800" cy="457200"/>
+          </a:xfrm>
+          <a:prstGeom prst="rect">
+            <a:avLst/>
+          </a:prstGeom>
+          <a:noFill/>
+          <a:ln>
+            <a:noFill/>
+          </a:ln>
+        </p:spPr>
+        <p:txBody>
+          <a:bodyPr spcFirstLastPara="1" wrap="square" lIns="91425" tIns="45700" rIns="91425" bIns="45700" anchor="b" anchorCtr="0">
+            <a:noAutofit/>
+          </a:bodyPr>
+          <a:lstStyle/>
+          <a:p>
+            <a:pPr marL="0" marR="0" lvl="0" indent="0" algn="r" rtl="0">
+              <a:spcBef>
+                <a:spcPts val="0"/>
+              </a:spcBef>
+              <a:spcAft>
+                <a:spcPts val="0"/>
+              </a:spcAft>
+              <a:buNone/>
+            </a:pPr>
+            <a:fld id="{00000000-1234-1234-1234-123412341234}" type="slidenum">
+              <a:rPr lang="en-US" sz="1200" b="0" i="0" u="none" strike="noStrike" cap="none">
+                <a:solidFill>
+                  <a:schemeClr val="dk1"/>
+                </a:solidFill>
+                <a:latin typeface="Calibri"/>
+                <a:ea typeface="Calibri"/>
+                <a:cs typeface="Calibri"/>
+                <a:sym typeface="Calibri"/>
+              </a:rPr>
+              <a:t>17</a:t>
+            </a:fld>
+            <a:endParaRPr sz="1200" b="0" i="0" u="none" strike="noStrike" cap="none">
+              <a:solidFill>
+                <a:schemeClr val="dk1"/>
+              </a:solidFill>
+              <a:latin typeface="Calibri"/>
+              <a:ea typeface="Calibri"/>
+              <a:cs typeface="Calibri"/>
+              <a:sym typeface="Calibri"/>
+            </a:endParaRPr>
+          </a:p>
+        </p:txBody>
+      </p:sp>
+    </p:spTree>
+    <p:extLst>
+      <p:ext uri="{BB962C8B-B14F-4D97-AF65-F5344CB8AC3E}">
+        <p14:creationId xmlns:p14="http://schemas.microsoft.com/office/powerpoint/2010/main" val="922599601"/>
+      </p:ext>
+    </p:extLst>
+  </p:cSld>
+  <p:clrMapOvr>
+    <a:masterClrMapping/>
+  </p:clrMapOvr>
+</p:notes>
+</file>
+
+<file path=ppt/notesSlides/notesSlide18.xml><?xml version="1.0" encoding="utf-8"?>
+<p:notes xmlns:a="http://schemas.openxmlformats.org/drawingml/2006/main" xmlns:r="http://schemas.openxmlformats.org/officeDocument/2006/relationships" xmlns:p="http://schemas.openxmlformats.org/presentationml/2006/main" showMasterSp="0" showMasterPhAnim="0">
+  <p:cSld>
+    <p:spTree>
+      <p:nvGrpSpPr>
+        <p:cNvPr id="1" name="Shape 164"/>
+        <p:cNvGrpSpPr/>
+        <p:nvPr/>
+      </p:nvGrpSpPr>
+      <p:grpSpPr>
+        <a:xfrm>
+          <a:off x="0" y="0"/>
+          <a:ext cx="0" cy="0"/>
+          <a:chOff x="0" y="0"/>
+          <a:chExt cx="0" cy="0"/>
+        </a:xfrm>
+      </p:grpSpPr>
+      <p:sp>
+        <p:nvSpPr>
+          <p:cNvPr id="165" name="Shape 165"/>
+          <p:cNvSpPr>
+            <a:spLocks noGrp="1" noRot="1" noChangeAspect="1"/>
+          </p:cNvSpPr>
+          <p:nvPr>
+            <p:ph type="sldImg" idx="2"/>
+          </p:nvPr>
+        </p:nvSpPr>
+        <p:spPr>
+          <a:xfrm>
+            <a:off x="1143000" y="685800"/>
+            <a:ext cx="4572000" cy="3429000"/>
+          </a:xfrm>
+          <a:custGeom>
+            <a:avLst/>
+            <a:gdLst/>
+            <a:ahLst/>
+            <a:cxnLst/>
+            <a:rect l="0" t="0" r="0" b="0"/>
+            <a:pathLst>
+              <a:path w="120000" h="120000" extrusionOk="0">
+                <a:moveTo>
+                  <a:pt x="0" y="0"/>
+                </a:moveTo>
+                <a:lnTo>
+                  <a:pt x="120000" y="0"/>
+                </a:lnTo>
+                <a:lnTo>
+                  <a:pt x="120000" y="120000"/>
+                </a:lnTo>
+                <a:lnTo>
+                  <a:pt x="0" y="120000"/>
+                </a:lnTo>
+                <a:close/>
+              </a:path>
+            </a:pathLst>
+          </a:custGeom>
+          <a:noFill/>
+          <a:ln w="9525" cap="flat" cmpd="sng">
+            <a:solidFill>
+              <a:srgbClr val="000000"/>
+            </a:solidFill>
+            <a:prstDash val="solid"/>
+            <a:miter lim="800000"/>
+            <a:headEnd type="none" w="med" len="med"/>
+            <a:tailEnd type="none" w="med" len="med"/>
+          </a:ln>
+        </p:spPr>
+      </p:sp>
+      <p:sp>
+        <p:nvSpPr>
+          <p:cNvPr id="166" name="Shape 166"/>
+          <p:cNvSpPr txBox="1">
+            <a:spLocks noGrp="1"/>
+          </p:cNvSpPr>
+          <p:nvPr>
+            <p:ph type="body" idx="1"/>
+          </p:nvPr>
+        </p:nvSpPr>
+        <p:spPr>
+          <a:xfrm>
+            <a:off x="685800" y="4343400"/>
+            <a:ext cx="5486400" cy="4114800"/>
+          </a:xfrm>
+          <a:prstGeom prst="rect">
+            <a:avLst/>
+          </a:prstGeom>
+          <a:noFill/>
+          <a:ln>
+            <a:noFill/>
+          </a:ln>
+        </p:spPr>
+        <p:txBody>
+          <a:bodyPr spcFirstLastPara="1" wrap="square" lIns="91425" tIns="45700" rIns="91425" bIns="45700" anchor="t" anchorCtr="0">
+            <a:noAutofit/>
+          </a:bodyPr>
+          <a:lstStyle/>
+          <a:p>
+            <a:pPr marL="0" marR="0" lvl="0" indent="0" algn="l" rtl="0">
+              <a:spcBef>
+                <a:spcPts val="0"/>
+              </a:spcBef>
+              <a:spcAft>
+                <a:spcPts val="0"/>
+              </a:spcAft>
+              <a:buNone/>
+            </a:pPr>
+            <a:endParaRPr sz="1200" b="0" i="0" u="none" strike="noStrike" cap="none" dirty="0">
+              <a:solidFill>
+                <a:schemeClr val="dk1"/>
+              </a:solidFill>
+              <a:latin typeface="Calibri"/>
+              <a:ea typeface="Calibri"/>
+              <a:cs typeface="Calibri"/>
+              <a:sym typeface="Calibri"/>
+            </a:endParaRPr>
+          </a:p>
+        </p:txBody>
+      </p:sp>
+      <p:sp>
+        <p:nvSpPr>
+          <p:cNvPr id="167" name="Shape 167"/>
+          <p:cNvSpPr txBox="1">
+            <a:spLocks noGrp="1"/>
+          </p:cNvSpPr>
+          <p:nvPr>
+            <p:ph type="sldNum" idx="12"/>
+          </p:nvPr>
+        </p:nvSpPr>
+        <p:spPr>
+          <a:xfrm>
+            <a:off x="3884613" y="8685213"/>
+            <a:ext cx="2971800" cy="457200"/>
+          </a:xfrm>
+          <a:prstGeom prst="rect">
+            <a:avLst/>
+          </a:prstGeom>
+          <a:noFill/>
+          <a:ln>
+            <a:noFill/>
+          </a:ln>
+        </p:spPr>
+        <p:txBody>
+          <a:bodyPr spcFirstLastPara="1" wrap="square" lIns="91425" tIns="45700" rIns="91425" bIns="45700" anchor="b" anchorCtr="0">
+            <a:noAutofit/>
+          </a:bodyPr>
+          <a:lstStyle/>
+          <a:p>
+            <a:pPr marL="0" marR="0" lvl="0" indent="0" algn="r" rtl="0">
+              <a:spcBef>
+                <a:spcPts val="0"/>
+              </a:spcBef>
+              <a:spcAft>
+                <a:spcPts val="0"/>
+              </a:spcAft>
+              <a:buNone/>
+            </a:pPr>
+            <a:fld id="{00000000-1234-1234-1234-123412341234}" type="slidenum">
+              <a:rPr lang="en-US" sz="1200" b="0" i="0" u="none" strike="noStrike" cap="none">
+                <a:solidFill>
+                  <a:schemeClr val="dk1"/>
+                </a:solidFill>
+                <a:latin typeface="Calibri"/>
+                <a:ea typeface="Calibri"/>
+                <a:cs typeface="Calibri"/>
+                <a:sym typeface="Calibri"/>
+              </a:rPr>
+              <a:t>18</a:t>
             </a:fld>
             <a:endParaRPr sz="1200" b="0" i="0" u="none" strike="noStrike" cap="none">
               <a:solidFill>
@@ -3276,7 +4629,7 @@
   <p:cSld>
     <p:spTree>
       <p:nvGrpSpPr>
-        <p:cNvPr id="1" name="Shape 214"/>
+        <p:cNvPr id="1" name="Shape 164"/>
         <p:cNvGrpSpPr/>
         <p:nvPr/>
       </p:nvGrpSpPr>
@@ -3290,7 +4643,7 @@
       </p:grpSpPr>
       <p:sp>
         <p:nvSpPr>
-          <p:cNvPr id="215" name="Shape 215"/>
+          <p:cNvPr id="165" name="Shape 165"/>
           <p:cNvSpPr>
             <a:spLocks noGrp="1" noRot="1" noChangeAspect="1"/>
           </p:cNvSpPr>
@@ -3341,7 +4694,7 @@
       </p:sp>
       <p:sp>
         <p:nvSpPr>
-          <p:cNvPr id="216" name="Shape 216"/>
+          <p:cNvPr id="166" name="Shape 166"/>
           <p:cNvSpPr txBox="1">
             <a:spLocks noGrp="1"/>
           </p:cNvSpPr>
@@ -3377,103 +4730,7 @@
               </a:spcAft>
               <a:buNone/>
             </a:pPr>
-            <a:r>
-              <a:rPr lang="ru-RU" sz="1200" b="0" i="0" u="none" strike="noStrike" cap="none" dirty="0">
-                <a:solidFill>
-                  <a:schemeClr val="dk1"/>
-                </a:solidFill>
-                <a:latin typeface="Calibri"/>
-                <a:ea typeface="Calibri"/>
-                <a:cs typeface="Calibri"/>
-                <a:sym typeface="Calibri"/>
-              </a:rPr>
-              <a:t>Стоить упомянуть, что одним из больших плюсов </a:t>
-            </a:r>
-            <a:r>
-              <a:rPr lang="en-US" sz="1200" b="0" i="0" u="none" strike="noStrike" cap="none" dirty="0" err="1">
-                <a:solidFill>
-                  <a:schemeClr val="dk1"/>
-                </a:solidFill>
-                <a:latin typeface="Calibri"/>
-                <a:ea typeface="Calibri"/>
-                <a:cs typeface="Calibri"/>
-                <a:sym typeface="Calibri"/>
-              </a:rPr>
-              <a:t>appveyor</a:t>
-            </a:r>
-            <a:r>
-              <a:rPr lang="en-US" sz="1200" b="0" i="0" u="none" strike="noStrike" cap="none" dirty="0">
-                <a:solidFill>
-                  <a:schemeClr val="dk1"/>
-                </a:solidFill>
-                <a:latin typeface="Calibri"/>
-                <a:ea typeface="Calibri"/>
-                <a:cs typeface="Calibri"/>
-                <a:sym typeface="Calibri"/>
-              </a:rPr>
-              <a:t> </a:t>
-            </a:r>
-            <a:r>
-              <a:rPr lang="ru-RU" sz="1200" b="0" i="0" u="none" strike="noStrike" cap="none" dirty="0">
-                <a:solidFill>
-                  <a:schemeClr val="dk1"/>
-                </a:solidFill>
-                <a:latin typeface="Calibri"/>
-                <a:ea typeface="Calibri"/>
-                <a:cs typeface="Calibri"/>
-                <a:sym typeface="Calibri"/>
-              </a:rPr>
-              <a:t>есть именно </a:t>
-            </a:r>
-            <a:r>
-              <a:rPr lang="en-US" sz="1200" b="0" i="0" u="none" strike="noStrike" cap="none" dirty="0">
-                <a:solidFill>
-                  <a:schemeClr val="dk1"/>
-                </a:solidFill>
-                <a:latin typeface="Calibri"/>
-                <a:ea typeface="Calibri"/>
-                <a:cs typeface="Calibri"/>
-                <a:sym typeface="Calibri"/>
-              </a:rPr>
-              <a:t>continuous deployment</a:t>
-            </a:r>
-            <a:r>
-              <a:rPr lang="ru-RU" sz="1200" b="0" i="0" u="none" strike="noStrike" cap="none" dirty="0">
-                <a:solidFill>
-                  <a:schemeClr val="dk1"/>
-                </a:solidFill>
-                <a:latin typeface="Calibri"/>
-                <a:ea typeface="Calibri"/>
-                <a:cs typeface="Calibri"/>
-                <a:sym typeface="Calibri"/>
-              </a:rPr>
-              <a:t>, но сейчас этот аспект </a:t>
-            </a:r>
-            <a:r>
-              <a:rPr lang="ru-RU" sz="1200" b="0" i="0" u="none" strike="noStrike" cap="none">
-                <a:solidFill>
-                  <a:schemeClr val="dk1"/>
-                </a:solidFill>
-                <a:latin typeface="Calibri"/>
-                <a:ea typeface="Calibri"/>
-                <a:cs typeface="Calibri"/>
-                <a:sym typeface="Calibri"/>
-              </a:rPr>
-              <a:t>мы разбирать </a:t>
-            </a:r>
-            <a:r>
-              <a:rPr lang="ru-RU" sz="1200" b="0" i="0" u="none" strike="noStrike" cap="none" dirty="0">
-                <a:solidFill>
-                  <a:schemeClr val="dk1"/>
-                </a:solidFill>
-                <a:latin typeface="Calibri"/>
-                <a:ea typeface="Calibri"/>
-                <a:cs typeface="Calibri"/>
-                <a:sym typeface="Calibri"/>
-              </a:rPr>
-              <a:t>не будем.</a:t>
-            </a:r>
-            <a:endParaRPr sz="1200" b="0" i="0" u="none" strike="noStrike" cap="none" dirty="0">
+            <a:endParaRPr sz="1200" b="0" i="0" u="none" strike="noStrike" cap="none">
               <a:solidFill>
                 <a:schemeClr val="dk1"/>
               </a:solidFill>
@@ -3487,7 +4744,7 @@
       </p:sp>
       <p:sp>
         <p:nvSpPr>
-          <p:cNvPr id="217" name="Shape 217"/>
+          <p:cNvPr id="167" name="Shape 167"/>
           <p:cNvSpPr txBox="1">
             <a:spLocks noGrp="1"/>
           </p:cNvSpPr>
@@ -3550,7 +4807,7 @@
     </p:spTree>
     <p:extLst>
       <p:ext uri="{BB962C8B-B14F-4D97-AF65-F5344CB8AC3E}">
-        <p14:creationId xmlns:p14="http://schemas.microsoft.com/office/powerpoint/2010/main" val="1623510382"/>
+        <p14:creationId xmlns:p14="http://schemas.microsoft.com/office/powerpoint/2010/main" val="764599718"/>
       </p:ext>
     </p:extLst>
   </p:cSld>
@@ -20727,6 +21984,2813 @@
   <p:cSld>
     <p:spTree>
       <p:nvGrpSpPr>
+        <p:cNvPr id="1" name="Shape 168"/>
+        <p:cNvGrpSpPr/>
+        <p:nvPr/>
+      </p:nvGrpSpPr>
+      <p:grpSpPr>
+        <a:xfrm>
+          <a:off x="0" y="0"/>
+          <a:ext cx="0" cy="0"/>
+          <a:chOff x="0" y="0"/>
+          <a:chExt cx="0" cy="0"/>
+        </a:xfrm>
+      </p:grpSpPr>
+      <p:sp>
+        <p:nvSpPr>
+          <p:cNvPr id="169" name="Shape 169"/>
+          <p:cNvSpPr txBox="1">
+            <a:spLocks noGrp="1"/>
+          </p:cNvSpPr>
+          <p:nvPr>
+            <p:ph type="title"/>
+          </p:nvPr>
+        </p:nvSpPr>
+        <p:spPr>
+          <a:xfrm>
+            <a:off x="457200" y="1086652"/>
+            <a:ext cx="4345912" cy="590400"/>
+          </a:xfrm>
+          <a:prstGeom prst="rect">
+            <a:avLst/>
+          </a:prstGeom>
+          <a:noFill/>
+          <a:ln>
+            <a:noFill/>
+          </a:ln>
+        </p:spPr>
+        <p:txBody>
+          <a:bodyPr spcFirstLastPara="1" wrap="square" lIns="91425" tIns="45700" rIns="91425" bIns="45700" anchor="ctr" anchorCtr="0">
+            <a:noAutofit/>
+          </a:bodyPr>
+          <a:lstStyle/>
+          <a:p>
+            <a:pPr marL="0" marR="0" lvl="0" indent="0" algn="l" rtl="0">
+              <a:spcBef>
+                <a:spcPts val="0"/>
+              </a:spcBef>
+              <a:spcAft>
+                <a:spcPts val="0"/>
+              </a:spcAft>
+              <a:buClr>
+                <a:schemeClr val="dk1"/>
+              </a:buClr>
+              <a:buSzPts val="4400"/>
+              <a:buFont typeface="Calibri"/>
+              <a:buNone/>
+            </a:pPr>
+            <a:r>
+              <a:rPr lang="ru-RU" sz="3600" b="1" dirty="0">
+                <a:solidFill>
+                  <a:srgbClr val="262626"/>
+                </a:solidFill>
+                <a:latin typeface="Roboto"/>
+                <a:ea typeface="Roboto"/>
+                <a:cs typeface="Roboto"/>
+                <a:sym typeface="Roboto"/>
+              </a:rPr>
+              <a:t>Разветвления в </a:t>
+            </a:r>
+            <a:r>
+              <a:rPr lang="en-US" sz="3600" b="1" dirty="0">
+                <a:solidFill>
+                  <a:srgbClr val="262626"/>
+                </a:solidFill>
+                <a:latin typeface="Roboto"/>
+                <a:ea typeface="Roboto"/>
+                <a:cs typeface="Roboto"/>
+                <a:sym typeface="Roboto"/>
+              </a:rPr>
+              <a:t>Git</a:t>
+            </a:r>
+            <a:endParaRPr sz="3600" b="1" i="0" u="none" strike="noStrike" cap="none" dirty="0">
+              <a:solidFill>
+                <a:srgbClr val="262626"/>
+              </a:solidFill>
+              <a:latin typeface="Roboto"/>
+              <a:ea typeface="Roboto"/>
+              <a:cs typeface="Roboto"/>
+              <a:sym typeface="Roboto"/>
+            </a:endParaRPr>
+          </a:p>
+        </p:txBody>
+      </p:sp>
+      <p:pic>
+        <p:nvPicPr>
+          <p:cNvPr id="176" name="Shape 176"/>
+          <p:cNvPicPr preferRelativeResize="0"/>
+          <p:nvPr/>
+        </p:nvPicPr>
+        <p:blipFill>
+          <a:blip r:embed="rId3">
+            <a:alphaModFix/>
+          </a:blip>
+          <a:stretch>
+            <a:fillRect/>
+          </a:stretch>
+        </p:blipFill>
+        <p:spPr>
+          <a:xfrm>
+            <a:off x="353700" y="302000"/>
+            <a:ext cx="1741800" cy="502875"/>
+          </a:xfrm>
+          <a:prstGeom prst="rect">
+            <a:avLst/>
+          </a:prstGeom>
+          <a:noFill/>
+          <a:ln>
+            <a:noFill/>
+          </a:ln>
+        </p:spPr>
+      </p:pic>
+      <p:sp>
+        <p:nvSpPr>
+          <p:cNvPr id="11" name="Shape 163">
+            <a:extLst>
+              <a:ext uri="{FF2B5EF4-FFF2-40B4-BE49-F238E27FC236}">
+                <a16:creationId xmlns:a16="http://schemas.microsoft.com/office/drawing/2014/main" id="{0A5B0CC1-2514-48C5-9C86-3B6B6A79FBBD}"/>
+              </a:ext>
+            </a:extLst>
+          </p:cNvPr>
+          <p:cNvSpPr txBox="1"/>
+          <p:nvPr/>
+        </p:nvSpPr>
+        <p:spPr>
+          <a:xfrm>
+            <a:off x="507440" y="1989570"/>
+            <a:ext cx="4175012" cy="4059534"/>
+          </a:xfrm>
+          <a:prstGeom prst="rect">
+            <a:avLst/>
+          </a:prstGeom>
+          <a:noFill/>
+          <a:ln>
+            <a:noFill/>
+          </a:ln>
+        </p:spPr>
+        <p:txBody>
+          <a:bodyPr spcFirstLastPara="1" wrap="square" lIns="91425" tIns="45700" rIns="91425" bIns="45700" anchor="ctr" anchorCtr="0">
+            <a:noAutofit/>
+          </a:bodyPr>
+          <a:lstStyle/>
+          <a:p>
+            <a:pPr marL="0" marR="0" lvl="0" indent="-12700" algn="l" rtl="0">
+              <a:spcBef>
+                <a:spcPts val="0"/>
+              </a:spcBef>
+              <a:spcAft>
+                <a:spcPts val="1200"/>
+              </a:spcAft>
+              <a:buSzPts val="2000"/>
+              <a:buFont typeface="Noto Sans Symbols"/>
+              <a:buChar char="▪"/>
+            </a:pPr>
+            <a:r>
+              <a:rPr lang="ru-RU" sz="2000" dirty="0">
+                <a:latin typeface="Roboto"/>
+                <a:ea typeface="Roboto"/>
+                <a:cs typeface="Roboto"/>
+                <a:sym typeface="Roboto"/>
+              </a:rPr>
+              <a:t>  В гит есть возможность создавать несколько веток</a:t>
+            </a:r>
+            <a:endParaRPr lang="en-US" sz="2000" dirty="0">
+              <a:latin typeface="Roboto"/>
+              <a:ea typeface="Roboto"/>
+              <a:cs typeface="Roboto"/>
+              <a:sym typeface="Roboto"/>
+            </a:endParaRPr>
+          </a:p>
+          <a:p>
+            <a:pPr marL="0" marR="0" lvl="0" indent="-12700" algn="l" rtl="0">
+              <a:spcBef>
+                <a:spcPts val="0"/>
+              </a:spcBef>
+              <a:spcAft>
+                <a:spcPts val="1200"/>
+              </a:spcAft>
+              <a:buSzPts val="2000"/>
+              <a:buFont typeface="Noto Sans Symbols"/>
+              <a:buChar char="▪"/>
+            </a:pPr>
+            <a:endParaRPr lang="ru-RU" sz="2000" dirty="0">
+              <a:latin typeface="Roboto"/>
+              <a:ea typeface="Roboto"/>
+              <a:cs typeface="Roboto"/>
+              <a:sym typeface="Roboto"/>
+            </a:endParaRPr>
+          </a:p>
+          <a:p>
+            <a:pPr marL="0" marR="0" lvl="0" indent="-12700" algn="l" rtl="0">
+              <a:spcBef>
+                <a:spcPts val="0"/>
+              </a:spcBef>
+              <a:spcAft>
+                <a:spcPts val="1200"/>
+              </a:spcAft>
+              <a:buSzPts val="2000"/>
+              <a:buFont typeface="Noto Sans Symbols"/>
+              <a:buChar char="▪"/>
+            </a:pPr>
+            <a:r>
+              <a:rPr lang="ru-RU" sz="2000" dirty="0">
+                <a:latin typeface="Roboto"/>
+                <a:ea typeface="Roboto"/>
+                <a:cs typeface="Roboto"/>
+                <a:sym typeface="Roboto"/>
+              </a:rPr>
+              <a:t> При создании новой ветки она ссылкается на коммит с которого была создана</a:t>
+            </a:r>
+            <a:endParaRPr lang="en-US" sz="2000" dirty="0">
+              <a:latin typeface="Roboto"/>
+              <a:ea typeface="Roboto"/>
+              <a:cs typeface="Roboto"/>
+              <a:sym typeface="Roboto"/>
+            </a:endParaRPr>
+          </a:p>
+          <a:p>
+            <a:pPr marL="0" marR="0" lvl="0" indent="-12700" algn="l" rtl="0">
+              <a:spcBef>
+                <a:spcPts val="0"/>
+              </a:spcBef>
+              <a:spcAft>
+                <a:spcPts val="1200"/>
+              </a:spcAft>
+              <a:buSzPts val="2000"/>
+              <a:buFont typeface="Noto Sans Symbols"/>
+              <a:buChar char="▪"/>
+            </a:pPr>
+            <a:endParaRPr lang="ru-RU" sz="2000" dirty="0">
+              <a:latin typeface="Roboto"/>
+              <a:ea typeface="Roboto"/>
+              <a:cs typeface="Roboto"/>
+              <a:sym typeface="Roboto"/>
+            </a:endParaRPr>
+          </a:p>
+          <a:p>
+            <a:pPr marL="0" marR="0" lvl="0" indent="-12700" algn="l" rtl="0">
+              <a:spcBef>
+                <a:spcPts val="0"/>
+              </a:spcBef>
+              <a:spcAft>
+                <a:spcPts val="1200"/>
+              </a:spcAft>
+              <a:buSzPts val="2000"/>
+              <a:buFont typeface="Noto Sans Symbols"/>
+              <a:buChar char="▪"/>
+            </a:pPr>
+            <a:r>
+              <a:rPr lang="ru-RU" sz="2000" dirty="0">
+                <a:latin typeface="Roboto"/>
+                <a:ea typeface="Roboto"/>
+                <a:cs typeface="Roboto"/>
+                <a:sym typeface="Roboto"/>
+              </a:rPr>
+              <a:t> Этот коммит станет родительским для первого коммита ветки</a:t>
+            </a:r>
+            <a:endParaRPr lang="en-US" sz="2000" dirty="0">
+              <a:latin typeface="Roboto"/>
+              <a:ea typeface="Roboto"/>
+              <a:cs typeface="Roboto"/>
+              <a:sym typeface="Roboto"/>
+            </a:endParaRPr>
+          </a:p>
+        </p:txBody>
+      </p:sp>
+      <p:pic>
+        <p:nvPicPr>
+          <p:cNvPr id="3082" name="Picture 10">
+            <a:extLst>
+              <a:ext uri="{FF2B5EF4-FFF2-40B4-BE49-F238E27FC236}">
+                <a16:creationId xmlns:a16="http://schemas.microsoft.com/office/drawing/2014/main" id="{806A63FB-39E7-4E5D-827D-CA349BFD8796}"/>
+              </a:ext>
+            </a:extLst>
+          </p:cNvPr>
+          <p:cNvPicPr>
+            <a:picLocks noChangeAspect="1" noChangeArrowheads="1"/>
+          </p:cNvPicPr>
+          <p:nvPr/>
+        </p:nvPicPr>
+        <p:blipFill>
+          <a:blip r:embed="rId4">
+            <a:extLst>
+              <a:ext uri="{28A0092B-C50C-407E-A947-70E740481C1C}">
+                <a14:useLocalDpi xmlns:a14="http://schemas.microsoft.com/office/drawing/2010/main" val="0"/>
+              </a:ext>
+            </a:extLst>
+          </a:blip>
+          <a:srcRect/>
+          <a:stretch>
+            <a:fillRect/>
+          </a:stretch>
+        </p:blipFill>
+        <p:spPr bwMode="auto">
+          <a:xfrm>
+            <a:off x="5307222" y="0"/>
+            <a:ext cx="3292475" cy="6858000"/>
+          </a:xfrm>
+          <a:prstGeom prst="rect">
+            <a:avLst/>
+          </a:prstGeom>
+          <a:noFill/>
+          <a:extLst>
+            <a:ext uri="{909E8E84-426E-40DD-AFC4-6F175D3DCCD1}">
+              <a14:hiddenFill xmlns:a14="http://schemas.microsoft.com/office/drawing/2010/main">
+                <a:solidFill>
+                  <a:srgbClr val="FFFFFF"/>
+                </a:solidFill>
+              </a14:hiddenFill>
+            </a:ext>
+          </a:extLst>
+        </p:spPr>
+      </p:pic>
+    </p:spTree>
+    <p:extLst>
+      <p:ext uri="{BB962C8B-B14F-4D97-AF65-F5344CB8AC3E}">
+        <p14:creationId xmlns:p14="http://schemas.microsoft.com/office/powerpoint/2010/main" val="1149866087"/>
+      </p:ext>
+    </p:extLst>
+  </p:cSld>
+  <p:clrMapOvr>
+    <a:masterClrMapping/>
+  </p:clrMapOvr>
+  <p:transition>
+    <p:fade/>
+  </p:transition>
+</p:sld>
+</file>
+
+<file path=ppt/slides/slide11.xml><?xml version="1.0" encoding="utf-8"?>
+<p:sld xmlns:a="http://schemas.openxmlformats.org/drawingml/2006/main" xmlns:r="http://schemas.openxmlformats.org/officeDocument/2006/relationships" xmlns:p="http://schemas.openxmlformats.org/presentationml/2006/main">
+  <p:cSld>
+    <p:spTree>
+      <p:nvGrpSpPr>
+        <p:cNvPr id="1" name="Shape 168"/>
+        <p:cNvGrpSpPr/>
+        <p:nvPr/>
+      </p:nvGrpSpPr>
+      <p:grpSpPr>
+        <a:xfrm>
+          <a:off x="0" y="0"/>
+          <a:ext cx="0" cy="0"/>
+          <a:chOff x="0" y="0"/>
+          <a:chExt cx="0" cy="0"/>
+        </a:xfrm>
+      </p:grpSpPr>
+      <p:sp>
+        <p:nvSpPr>
+          <p:cNvPr id="169" name="Shape 169"/>
+          <p:cNvSpPr txBox="1">
+            <a:spLocks noGrp="1"/>
+          </p:cNvSpPr>
+          <p:nvPr>
+            <p:ph type="title"/>
+          </p:nvPr>
+        </p:nvSpPr>
+        <p:spPr>
+          <a:xfrm>
+            <a:off x="457200" y="1086652"/>
+            <a:ext cx="3867300" cy="590400"/>
+          </a:xfrm>
+          <a:prstGeom prst="rect">
+            <a:avLst/>
+          </a:prstGeom>
+          <a:noFill/>
+          <a:ln>
+            <a:noFill/>
+          </a:ln>
+        </p:spPr>
+        <p:txBody>
+          <a:bodyPr spcFirstLastPara="1" wrap="square" lIns="91425" tIns="45700" rIns="91425" bIns="45700" anchor="ctr" anchorCtr="0">
+            <a:noAutofit/>
+          </a:bodyPr>
+          <a:lstStyle/>
+          <a:p>
+            <a:pPr marL="0" marR="0" lvl="0" indent="0" algn="l" rtl="0">
+              <a:spcBef>
+                <a:spcPts val="0"/>
+              </a:spcBef>
+              <a:spcAft>
+                <a:spcPts val="0"/>
+              </a:spcAft>
+              <a:buClr>
+                <a:schemeClr val="dk1"/>
+              </a:buClr>
+              <a:buSzPts val="4400"/>
+              <a:buFont typeface="Calibri"/>
+              <a:buNone/>
+            </a:pPr>
+            <a:r>
+              <a:rPr lang="en-US" sz="3600" b="1" i="0" u="none" strike="noStrike" cap="none" dirty="0">
+                <a:solidFill>
+                  <a:srgbClr val="262626"/>
+                </a:solidFill>
+                <a:latin typeface="Roboto"/>
+                <a:ea typeface="Roboto"/>
+                <a:cs typeface="Roboto"/>
+                <a:sym typeface="Roboto"/>
+              </a:rPr>
+              <a:t>HEAD</a:t>
+            </a:r>
+            <a:r>
+              <a:rPr lang="ru-RU" sz="3600" b="1" i="0" u="none" strike="noStrike" cap="none" dirty="0">
+                <a:solidFill>
+                  <a:srgbClr val="262626"/>
+                </a:solidFill>
+                <a:latin typeface="Roboto"/>
+                <a:ea typeface="Roboto"/>
+                <a:cs typeface="Roboto"/>
+                <a:sym typeface="Roboto"/>
+              </a:rPr>
+              <a:t> и Индекс</a:t>
+            </a:r>
+            <a:endParaRPr sz="3600" b="1" i="0" u="none" strike="noStrike" cap="none" dirty="0">
+              <a:solidFill>
+                <a:srgbClr val="262626"/>
+              </a:solidFill>
+              <a:latin typeface="Roboto"/>
+              <a:ea typeface="Roboto"/>
+              <a:cs typeface="Roboto"/>
+              <a:sym typeface="Roboto"/>
+            </a:endParaRPr>
+          </a:p>
+        </p:txBody>
+      </p:sp>
+      <p:pic>
+        <p:nvPicPr>
+          <p:cNvPr id="176" name="Shape 176"/>
+          <p:cNvPicPr preferRelativeResize="0"/>
+          <p:nvPr/>
+        </p:nvPicPr>
+        <p:blipFill>
+          <a:blip r:embed="rId3">
+            <a:alphaModFix/>
+          </a:blip>
+          <a:stretch>
+            <a:fillRect/>
+          </a:stretch>
+        </p:blipFill>
+        <p:spPr>
+          <a:xfrm>
+            <a:off x="353700" y="302000"/>
+            <a:ext cx="1741800" cy="502875"/>
+          </a:xfrm>
+          <a:prstGeom prst="rect">
+            <a:avLst/>
+          </a:prstGeom>
+          <a:noFill/>
+          <a:ln>
+            <a:noFill/>
+          </a:ln>
+        </p:spPr>
+      </p:pic>
+      <p:sp>
+        <p:nvSpPr>
+          <p:cNvPr id="11" name="Shape 163">
+            <a:extLst>
+              <a:ext uri="{FF2B5EF4-FFF2-40B4-BE49-F238E27FC236}">
+                <a16:creationId xmlns:a16="http://schemas.microsoft.com/office/drawing/2014/main" id="{0A5B0CC1-2514-48C5-9C86-3B6B6A79FBBD}"/>
+              </a:ext>
+            </a:extLst>
+          </p:cNvPr>
+          <p:cNvSpPr txBox="1"/>
+          <p:nvPr/>
+        </p:nvSpPr>
+        <p:spPr>
+          <a:xfrm>
+            <a:off x="487344" y="1909193"/>
+            <a:ext cx="4175012" cy="4355415"/>
+          </a:xfrm>
+          <a:prstGeom prst="rect">
+            <a:avLst/>
+          </a:prstGeom>
+          <a:noFill/>
+          <a:ln>
+            <a:noFill/>
+          </a:ln>
+        </p:spPr>
+        <p:txBody>
+          <a:bodyPr spcFirstLastPara="1" wrap="square" lIns="91425" tIns="45700" rIns="91425" bIns="45700" anchor="ctr" anchorCtr="0">
+            <a:noAutofit/>
+          </a:bodyPr>
+          <a:lstStyle/>
+          <a:p>
+            <a:pPr marL="0" marR="0" lvl="0" indent="-12700" algn="l" rtl="0">
+              <a:spcBef>
+                <a:spcPts val="0"/>
+              </a:spcBef>
+              <a:spcAft>
+                <a:spcPts val="1200"/>
+              </a:spcAft>
+              <a:buSzPts val="2000"/>
+              <a:buFont typeface="Noto Sans Symbols"/>
+              <a:buChar char="▪"/>
+            </a:pPr>
+            <a:r>
+              <a:rPr lang="ru-RU" sz="2000" dirty="0">
+                <a:latin typeface="Roboto"/>
+                <a:ea typeface="Roboto"/>
+                <a:cs typeface="Roboto"/>
+                <a:sym typeface="Roboto"/>
+              </a:rPr>
+              <a:t>  </a:t>
+            </a:r>
+            <a:r>
+              <a:rPr lang="en-US" sz="2000" b="1" dirty="0">
+                <a:latin typeface="Roboto"/>
+                <a:ea typeface="Roboto"/>
+                <a:cs typeface="Roboto"/>
+                <a:sym typeface="Roboto"/>
+              </a:rPr>
+              <a:t>HEAD</a:t>
+            </a:r>
+            <a:r>
+              <a:rPr lang="en-US" sz="2000" dirty="0">
+                <a:latin typeface="Roboto"/>
+                <a:ea typeface="Roboto"/>
+                <a:cs typeface="Roboto"/>
+                <a:sym typeface="Roboto"/>
+              </a:rPr>
+              <a:t> - </a:t>
+            </a:r>
+            <a:r>
+              <a:rPr lang="ru-RU" sz="2000" dirty="0">
+                <a:latin typeface="Roboto"/>
+                <a:ea typeface="Roboto"/>
+                <a:cs typeface="Roboto"/>
+                <a:sym typeface="Roboto"/>
+              </a:rPr>
+              <a:t>это указатель на текущую ветку, которая, в свою очередь, является указателем на последний коммит, сделанный в ней</a:t>
+            </a:r>
+          </a:p>
+          <a:p>
+            <a:pPr marL="0" marR="0" lvl="0" indent="-12700" algn="l" rtl="0">
+              <a:spcBef>
+                <a:spcPts val="0"/>
+              </a:spcBef>
+              <a:spcAft>
+                <a:spcPts val="1200"/>
+              </a:spcAft>
+              <a:buSzPts val="2000"/>
+              <a:buFont typeface="Noto Sans Symbols"/>
+              <a:buChar char="▪"/>
+            </a:pPr>
+            <a:endParaRPr lang="ru-RU" sz="2000" dirty="0">
+              <a:latin typeface="Roboto"/>
+              <a:ea typeface="Roboto"/>
+              <a:cs typeface="Roboto"/>
+              <a:sym typeface="Roboto"/>
+            </a:endParaRPr>
+          </a:p>
+          <a:p>
+            <a:pPr marL="0" marR="0" lvl="0" indent="-12700" algn="l" rtl="0">
+              <a:spcBef>
+                <a:spcPts val="0"/>
+              </a:spcBef>
+              <a:spcAft>
+                <a:spcPts val="1200"/>
+              </a:spcAft>
+              <a:buSzPts val="2000"/>
+              <a:buFont typeface="Noto Sans Symbols"/>
+              <a:buChar char="▪"/>
+            </a:pPr>
+            <a:r>
+              <a:rPr lang="ru-RU" sz="2000" dirty="0">
+                <a:latin typeface="Roboto"/>
+                <a:ea typeface="Roboto"/>
+                <a:cs typeface="Roboto"/>
+                <a:sym typeface="Roboto"/>
+              </a:rPr>
+              <a:t> </a:t>
+            </a:r>
+            <a:r>
+              <a:rPr lang="ru-RU" sz="2000" b="1" dirty="0">
+                <a:latin typeface="Roboto"/>
+                <a:ea typeface="Roboto"/>
+                <a:cs typeface="Roboto"/>
+                <a:sym typeface="Roboto"/>
+              </a:rPr>
+              <a:t>Индекс</a:t>
+            </a:r>
+            <a:r>
+              <a:rPr lang="ru-RU" sz="2000" dirty="0">
+                <a:latin typeface="Roboto"/>
+                <a:ea typeface="Roboto"/>
+                <a:cs typeface="Roboto"/>
+                <a:sym typeface="Roboto"/>
+              </a:rPr>
+              <a:t> – это ваш следующий намеченый коммит</a:t>
+            </a:r>
+            <a:endParaRPr lang="en-US" sz="2000" dirty="0">
+              <a:latin typeface="Roboto"/>
+              <a:ea typeface="Roboto"/>
+              <a:cs typeface="Roboto"/>
+              <a:sym typeface="Roboto"/>
+            </a:endParaRPr>
+          </a:p>
+        </p:txBody>
+      </p:sp>
+      <p:pic>
+        <p:nvPicPr>
+          <p:cNvPr id="1032" name="Picture 8">
+            <a:extLst>
+              <a:ext uri="{FF2B5EF4-FFF2-40B4-BE49-F238E27FC236}">
+                <a16:creationId xmlns:a16="http://schemas.microsoft.com/office/drawing/2014/main" id="{11FEFF08-0CAE-41ED-AB9E-BA0B9D4FCEB5}"/>
+              </a:ext>
+            </a:extLst>
+          </p:cNvPr>
+          <p:cNvPicPr>
+            <a:picLocks noChangeAspect="1" noChangeArrowheads="1"/>
+          </p:cNvPicPr>
+          <p:nvPr/>
+        </p:nvPicPr>
+        <p:blipFill>
+          <a:blip r:embed="rId4">
+            <a:extLst>
+              <a:ext uri="{28A0092B-C50C-407E-A947-70E740481C1C}">
+                <a14:useLocalDpi xmlns:a14="http://schemas.microsoft.com/office/drawing/2010/main" val="0"/>
+              </a:ext>
+            </a:extLst>
+          </a:blip>
+          <a:srcRect/>
+          <a:stretch>
+            <a:fillRect/>
+          </a:stretch>
+        </p:blipFill>
+        <p:spPr bwMode="auto">
+          <a:xfrm>
+            <a:off x="5686111" y="0"/>
+            <a:ext cx="2514600" cy="6858000"/>
+          </a:xfrm>
+          <a:prstGeom prst="rect">
+            <a:avLst/>
+          </a:prstGeom>
+          <a:noFill/>
+          <a:extLst>
+            <a:ext uri="{909E8E84-426E-40DD-AFC4-6F175D3DCCD1}">
+              <a14:hiddenFill xmlns:a14="http://schemas.microsoft.com/office/drawing/2010/main">
+                <a:solidFill>
+                  <a:srgbClr val="FFFFFF"/>
+                </a:solidFill>
+              </a14:hiddenFill>
+            </a:ext>
+          </a:extLst>
+        </p:spPr>
+      </p:pic>
+    </p:spTree>
+  </p:cSld>
+  <p:clrMapOvr>
+    <a:masterClrMapping/>
+  </p:clrMapOvr>
+  <p:transition>
+    <p:fade/>
+  </p:transition>
+</p:sld>
+</file>
+
+<file path=ppt/slides/slide12.xml><?xml version="1.0" encoding="utf-8"?>
+<p:sld xmlns:a="http://schemas.openxmlformats.org/drawingml/2006/main" xmlns:r="http://schemas.openxmlformats.org/officeDocument/2006/relationships" xmlns:p="http://schemas.openxmlformats.org/presentationml/2006/main">
+  <p:cSld>
+    <p:spTree>
+      <p:nvGrpSpPr>
+        <p:cNvPr id="1" name="Shape 168"/>
+        <p:cNvGrpSpPr/>
+        <p:nvPr/>
+      </p:nvGrpSpPr>
+      <p:grpSpPr>
+        <a:xfrm>
+          <a:off x="0" y="0"/>
+          <a:ext cx="0" cy="0"/>
+          <a:chOff x="0" y="0"/>
+          <a:chExt cx="0" cy="0"/>
+        </a:xfrm>
+      </p:grpSpPr>
+      <p:sp>
+        <p:nvSpPr>
+          <p:cNvPr id="169" name="Shape 169"/>
+          <p:cNvSpPr txBox="1">
+            <a:spLocks noGrp="1"/>
+          </p:cNvSpPr>
+          <p:nvPr>
+            <p:ph type="title"/>
+          </p:nvPr>
+        </p:nvSpPr>
+        <p:spPr>
+          <a:xfrm>
+            <a:off x="457199" y="1086652"/>
+            <a:ext cx="4536831" cy="590400"/>
+          </a:xfrm>
+          <a:prstGeom prst="rect">
+            <a:avLst/>
+          </a:prstGeom>
+          <a:noFill/>
+          <a:ln>
+            <a:noFill/>
+          </a:ln>
+        </p:spPr>
+        <p:txBody>
+          <a:bodyPr spcFirstLastPara="1" wrap="square" lIns="91425" tIns="45700" rIns="91425" bIns="45700" anchor="ctr" anchorCtr="0">
+            <a:noAutofit/>
+          </a:bodyPr>
+          <a:lstStyle/>
+          <a:p>
+            <a:pPr marL="0" marR="0" lvl="0" indent="0" algn="l" rtl="0">
+              <a:spcBef>
+                <a:spcPts val="0"/>
+              </a:spcBef>
+              <a:spcAft>
+                <a:spcPts val="0"/>
+              </a:spcAft>
+              <a:buClr>
+                <a:schemeClr val="dk1"/>
+              </a:buClr>
+              <a:buSzPts val="4400"/>
+              <a:buFont typeface="Calibri"/>
+              <a:buNone/>
+            </a:pPr>
+            <a:r>
+              <a:rPr lang="ru-RU" sz="3600" b="1" dirty="0">
+                <a:solidFill>
+                  <a:srgbClr val="262626"/>
+                </a:solidFill>
+                <a:latin typeface="Roboto"/>
+                <a:ea typeface="Roboto"/>
+                <a:cs typeface="Roboto"/>
+                <a:sym typeface="Roboto"/>
+              </a:rPr>
+              <a:t>Слияние (</a:t>
+            </a:r>
+            <a:r>
+              <a:rPr lang="en-US" sz="3600" b="1" dirty="0">
+                <a:solidFill>
+                  <a:srgbClr val="262626"/>
+                </a:solidFill>
+                <a:latin typeface="Roboto"/>
+                <a:ea typeface="Roboto"/>
+                <a:cs typeface="Roboto"/>
+                <a:sym typeface="Roboto"/>
+              </a:rPr>
+              <a:t>merge</a:t>
+            </a:r>
+            <a:r>
+              <a:rPr lang="ru-RU" sz="3600" b="1" dirty="0">
+                <a:solidFill>
+                  <a:srgbClr val="262626"/>
+                </a:solidFill>
+                <a:latin typeface="Roboto"/>
+                <a:ea typeface="Roboto"/>
+                <a:cs typeface="Roboto"/>
+                <a:sym typeface="Roboto"/>
+              </a:rPr>
+              <a:t>)</a:t>
+            </a:r>
+            <a:endParaRPr sz="3600" b="1" i="0" u="none" strike="noStrike" cap="none" dirty="0">
+              <a:solidFill>
+                <a:srgbClr val="262626"/>
+              </a:solidFill>
+              <a:latin typeface="Roboto"/>
+              <a:ea typeface="Roboto"/>
+              <a:cs typeface="Roboto"/>
+              <a:sym typeface="Roboto"/>
+            </a:endParaRPr>
+          </a:p>
+        </p:txBody>
+      </p:sp>
+      <p:pic>
+        <p:nvPicPr>
+          <p:cNvPr id="176" name="Shape 176"/>
+          <p:cNvPicPr preferRelativeResize="0"/>
+          <p:nvPr/>
+        </p:nvPicPr>
+        <p:blipFill>
+          <a:blip r:embed="rId3">
+            <a:alphaModFix/>
+          </a:blip>
+          <a:stretch>
+            <a:fillRect/>
+          </a:stretch>
+        </p:blipFill>
+        <p:spPr>
+          <a:xfrm>
+            <a:off x="353700" y="302000"/>
+            <a:ext cx="1741800" cy="502875"/>
+          </a:xfrm>
+          <a:prstGeom prst="rect">
+            <a:avLst/>
+          </a:prstGeom>
+          <a:noFill/>
+          <a:ln>
+            <a:noFill/>
+          </a:ln>
+        </p:spPr>
+      </p:pic>
+      <p:sp>
+        <p:nvSpPr>
+          <p:cNvPr id="11" name="Shape 163">
+            <a:extLst>
+              <a:ext uri="{FF2B5EF4-FFF2-40B4-BE49-F238E27FC236}">
+                <a16:creationId xmlns:a16="http://schemas.microsoft.com/office/drawing/2014/main" id="{0A5B0CC1-2514-48C5-9C86-3B6B6A79FBBD}"/>
+              </a:ext>
+            </a:extLst>
+          </p:cNvPr>
+          <p:cNvSpPr txBox="1"/>
+          <p:nvPr/>
+        </p:nvSpPr>
+        <p:spPr>
+          <a:xfrm>
+            <a:off x="507440" y="2190530"/>
+            <a:ext cx="4175012" cy="4501672"/>
+          </a:xfrm>
+          <a:prstGeom prst="rect">
+            <a:avLst/>
+          </a:prstGeom>
+          <a:noFill/>
+          <a:ln>
+            <a:noFill/>
+          </a:ln>
+        </p:spPr>
+        <p:txBody>
+          <a:bodyPr spcFirstLastPara="1" wrap="square" lIns="91425" tIns="45700" rIns="91425" bIns="45700" anchor="ctr" anchorCtr="0">
+            <a:noAutofit/>
+          </a:bodyPr>
+          <a:lstStyle/>
+          <a:p>
+            <a:pPr marL="0" marR="0" lvl="0" indent="-12700" algn="l" rtl="0">
+              <a:spcBef>
+                <a:spcPts val="0"/>
+              </a:spcBef>
+              <a:spcAft>
+                <a:spcPts val="1200"/>
+              </a:spcAft>
+              <a:buSzPts val="2000"/>
+              <a:buFont typeface="Noto Sans Symbols"/>
+              <a:buChar char="▪"/>
+            </a:pPr>
+            <a:r>
+              <a:rPr lang="ru-RU" sz="2000" dirty="0">
+                <a:latin typeface="Roboto"/>
+                <a:ea typeface="Roboto"/>
+                <a:cs typeface="Roboto"/>
+                <a:sym typeface="Roboto"/>
+              </a:rPr>
+              <a:t> При паралельной разработке рано или поздно возникает необходимость обьеденить изменения.</a:t>
+            </a:r>
+            <a:endParaRPr lang="en-US" sz="2000" dirty="0">
+              <a:latin typeface="Roboto"/>
+              <a:ea typeface="Roboto"/>
+              <a:cs typeface="Roboto"/>
+              <a:sym typeface="Roboto"/>
+            </a:endParaRPr>
+          </a:p>
+          <a:p>
+            <a:pPr marL="0" marR="0" lvl="0" indent="-12700" algn="l" rtl="0">
+              <a:spcBef>
+                <a:spcPts val="0"/>
+              </a:spcBef>
+              <a:spcAft>
+                <a:spcPts val="1200"/>
+              </a:spcAft>
+              <a:buSzPts val="2000"/>
+              <a:buFont typeface="Noto Sans Symbols"/>
+              <a:buChar char="▪"/>
+            </a:pPr>
+            <a:endParaRPr lang="en-US" sz="800" dirty="0">
+              <a:latin typeface="Roboto"/>
+              <a:ea typeface="Roboto"/>
+              <a:cs typeface="Roboto"/>
+              <a:sym typeface="Roboto"/>
+            </a:endParaRPr>
+          </a:p>
+          <a:p>
+            <a:pPr marL="0" marR="0" lvl="0" indent="-12700" algn="l" rtl="0">
+              <a:spcBef>
+                <a:spcPts val="0"/>
+              </a:spcBef>
+              <a:spcAft>
+                <a:spcPts val="1200"/>
+              </a:spcAft>
+              <a:buSzPts val="2000"/>
+              <a:buFont typeface="Noto Sans Symbols"/>
+              <a:buChar char="▪"/>
+            </a:pPr>
+            <a:r>
+              <a:rPr lang="en-US" sz="2000" dirty="0">
+                <a:latin typeface="Roboto"/>
+                <a:ea typeface="Roboto"/>
+                <a:cs typeface="Roboto"/>
+                <a:sym typeface="Roboto"/>
+              </a:rPr>
+              <a:t> </a:t>
+            </a:r>
+            <a:r>
+              <a:rPr lang="ru-RU" sz="2000" dirty="0">
+                <a:latin typeface="Roboto"/>
+                <a:ea typeface="Roboto"/>
+                <a:cs typeface="Roboto"/>
+                <a:sym typeface="Roboto"/>
+              </a:rPr>
+              <a:t>Для обьединения изменений в </a:t>
+            </a:r>
+            <a:r>
+              <a:rPr lang="en-US" sz="2000" dirty="0">
+                <a:latin typeface="Roboto"/>
+                <a:ea typeface="Roboto"/>
+                <a:cs typeface="Roboto"/>
+                <a:sym typeface="Roboto"/>
+              </a:rPr>
+              <a:t>Git </a:t>
+            </a:r>
+            <a:r>
+              <a:rPr lang="ru-RU" sz="2000" dirty="0">
+                <a:latin typeface="Roboto"/>
+                <a:ea typeface="Roboto"/>
+                <a:cs typeface="Roboto"/>
+                <a:sym typeface="Roboto"/>
+              </a:rPr>
+              <a:t>есть механизм слияния (</a:t>
+            </a:r>
+            <a:r>
+              <a:rPr lang="en-US" sz="2000" b="1" dirty="0">
+                <a:latin typeface="Roboto"/>
+                <a:ea typeface="Roboto"/>
+                <a:cs typeface="Roboto"/>
+                <a:sym typeface="Roboto"/>
+              </a:rPr>
+              <a:t>merge</a:t>
+            </a:r>
+            <a:r>
+              <a:rPr lang="ru-RU" sz="2000" dirty="0">
+                <a:latin typeface="Roboto"/>
+                <a:ea typeface="Roboto"/>
+                <a:cs typeface="Roboto"/>
+                <a:sym typeface="Roboto"/>
+              </a:rPr>
+              <a:t>) и </a:t>
+            </a:r>
+            <a:r>
+              <a:rPr lang="en-US" sz="2000" b="1" dirty="0">
+                <a:latin typeface="Roboto"/>
+                <a:ea typeface="Roboto"/>
+                <a:cs typeface="Roboto"/>
+                <a:sym typeface="Roboto"/>
+              </a:rPr>
+              <a:t>rebase</a:t>
+            </a:r>
+            <a:endParaRPr lang="ru-RU" sz="2000" b="1" dirty="0">
+              <a:latin typeface="Roboto"/>
+              <a:ea typeface="Roboto"/>
+              <a:cs typeface="Roboto"/>
+              <a:sym typeface="Roboto"/>
+            </a:endParaRPr>
+          </a:p>
+          <a:p>
+            <a:pPr marL="0" marR="0" lvl="0" indent="-12700" algn="l" rtl="0">
+              <a:spcBef>
+                <a:spcPts val="0"/>
+              </a:spcBef>
+              <a:spcAft>
+                <a:spcPts val="1200"/>
+              </a:spcAft>
+              <a:buSzPts val="2000"/>
+              <a:buFont typeface="Noto Sans Symbols"/>
+              <a:buChar char="▪"/>
+            </a:pPr>
+            <a:endParaRPr lang="ru-RU" sz="800" dirty="0">
+              <a:latin typeface="Roboto"/>
+              <a:ea typeface="Roboto"/>
+              <a:cs typeface="Roboto"/>
+              <a:sym typeface="Roboto"/>
+            </a:endParaRPr>
+          </a:p>
+          <a:p>
+            <a:pPr marL="0" marR="0" lvl="0" indent="-12700" algn="l" rtl="0">
+              <a:spcBef>
+                <a:spcPts val="0"/>
+              </a:spcBef>
+              <a:spcAft>
+                <a:spcPts val="1200"/>
+              </a:spcAft>
+              <a:buSzPts val="2000"/>
+              <a:buFont typeface="Noto Sans Symbols"/>
+              <a:buChar char="▪"/>
+            </a:pPr>
+            <a:r>
+              <a:rPr lang="ru-RU" sz="2000" dirty="0">
+                <a:latin typeface="Roboto"/>
+                <a:ea typeface="Roboto"/>
+                <a:cs typeface="Roboto"/>
+                <a:sym typeface="Roboto"/>
+              </a:rPr>
+              <a:t> При </a:t>
+            </a:r>
+            <a:r>
+              <a:rPr lang="en-US" sz="2000" b="1" dirty="0">
+                <a:latin typeface="Roboto"/>
+                <a:ea typeface="Roboto"/>
+                <a:cs typeface="Roboto"/>
+                <a:sym typeface="Roboto"/>
+              </a:rPr>
+              <a:t>merge</a:t>
+            </a:r>
+            <a:r>
+              <a:rPr lang="ru-RU" sz="2000" dirty="0">
+                <a:latin typeface="Roboto"/>
+                <a:ea typeface="Roboto"/>
+                <a:cs typeface="Roboto"/>
+                <a:sym typeface="Roboto"/>
+              </a:rPr>
+              <a:t> просто создается </a:t>
+            </a:r>
+            <a:r>
+              <a:rPr lang="en-US" sz="2000" dirty="0">
+                <a:latin typeface="Roboto"/>
+                <a:ea typeface="Roboto"/>
+                <a:cs typeface="Roboto"/>
+                <a:sym typeface="Roboto"/>
+              </a:rPr>
+              <a:t>merge commit</a:t>
+            </a:r>
+            <a:r>
+              <a:rPr lang="ru-RU" sz="2000" dirty="0">
+                <a:latin typeface="Roboto"/>
+                <a:ea typeface="Roboto"/>
+                <a:cs typeface="Roboto"/>
+                <a:sym typeface="Roboto"/>
+              </a:rPr>
+              <a:t>, который содержит последние изменения с двух веток</a:t>
+            </a:r>
+          </a:p>
+          <a:p>
+            <a:pPr marR="0" lvl="0" algn="l" rtl="0">
+              <a:spcBef>
+                <a:spcPts val="0"/>
+              </a:spcBef>
+              <a:spcAft>
+                <a:spcPts val="1200"/>
+              </a:spcAft>
+              <a:buSzPts val="2000"/>
+            </a:pPr>
+            <a:endParaRPr lang="en-US" sz="2000" dirty="0">
+              <a:latin typeface="Roboto"/>
+              <a:ea typeface="Roboto"/>
+              <a:cs typeface="Roboto"/>
+              <a:sym typeface="Roboto"/>
+            </a:endParaRPr>
+          </a:p>
+        </p:txBody>
+      </p:sp>
+      <p:pic>
+        <p:nvPicPr>
+          <p:cNvPr id="4102" name="Picture 6">
+            <a:extLst>
+              <a:ext uri="{FF2B5EF4-FFF2-40B4-BE49-F238E27FC236}">
+                <a16:creationId xmlns:a16="http://schemas.microsoft.com/office/drawing/2014/main" id="{13BD738A-589C-4D11-BFD8-61D45B4C9B5C}"/>
+              </a:ext>
+            </a:extLst>
+          </p:cNvPr>
+          <p:cNvPicPr>
+            <a:picLocks noChangeAspect="1" noChangeArrowheads="1"/>
+          </p:cNvPicPr>
+          <p:nvPr/>
+        </p:nvPicPr>
+        <p:blipFill>
+          <a:blip r:embed="rId4">
+            <a:extLst>
+              <a:ext uri="{28A0092B-C50C-407E-A947-70E740481C1C}">
+                <a14:useLocalDpi xmlns:a14="http://schemas.microsoft.com/office/drawing/2010/main" val="0"/>
+              </a:ext>
+            </a:extLst>
+          </a:blip>
+          <a:srcRect/>
+          <a:stretch>
+            <a:fillRect/>
+          </a:stretch>
+        </p:blipFill>
+        <p:spPr bwMode="auto">
+          <a:xfrm>
+            <a:off x="5253037" y="0"/>
+            <a:ext cx="3433763" cy="6858000"/>
+          </a:xfrm>
+          <a:prstGeom prst="rect">
+            <a:avLst/>
+          </a:prstGeom>
+          <a:noFill/>
+          <a:extLst>
+            <a:ext uri="{909E8E84-426E-40DD-AFC4-6F175D3DCCD1}">
+              <a14:hiddenFill xmlns:a14="http://schemas.microsoft.com/office/drawing/2010/main">
+                <a:solidFill>
+                  <a:srgbClr val="FFFFFF"/>
+                </a:solidFill>
+              </a14:hiddenFill>
+            </a:ext>
+          </a:extLst>
+        </p:spPr>
+      </p:pic>
+    </p:spTree>
+    <p:extLst>
+      <p:ext uri="{BB962C8B-B14F-4D97-AF65-F5344CB8AC3E}">
+        <p14:creationId xmlns:p14="http://schemas.microsoft.com/office/powerpoint/2010/main" val="1714291440"/>
+      </p:ext>
+    </p:extLst>
+  </p:cSld>
+  <p:clrMapOvr>
+    <a:masterClrMapping/>
+  </p:clrMapOvr>
+  <p:transition>
+    <p:fade/>
+  </p:transition>
+</p:sld>
+</file>
+
+<file path=ppt/slides/slide13.xml><?xml version="1.0" encoding="utf-8"?>
+<p:sld xmlns:a="http://schemas.openxmlformats.org/drawingml/2006/main" xmlns:r="http://schemas.openxmlformats.org/officeDocument/2006/relationships" xmlns:p="http://schemas.openxmlformats.org/presentationml/2006/main">
+  <p:cSld>
+    <p:spTree>
+      <p:nvGrpSpPr>
+        <p:cNvPr id="1" name="Shape 168"/>
+        <p:cNvGrpSpPr/>
+        <p:nvPr/>
+      </p:nvGrpSpPr>
+      <p:grpSpPr>
+        <a:xfrm>
+          <a:off x="0" y="0"/>
+          <a:ext cx="0" cy="0"/>
+          <a:chOff x="0" y="0"/>
+          <a:chExt cx="0" cy="0"/>
+        </a:xfrm>
+      </p:grpSpPr>
+      <p:sp>
+        <p:nvSpPr>
+          <p:cNvPr id="169" name="Shape 169"/>
+          <p:cNvSpPr txBox="1">
+            <a:spLocks noGrp="1"/>
+          </p:cNvSpPr>
+          <p:nvPr>
+            <p:ph type="title"/>
+          </p:nvPr>
+        </p:nvSpPr>
+        <p:spPr>
+          <a:xfrm>
+            <a:off x="457199" y="1086652"/>
+            <a:ext cx="4536831" cy="590400"/>
+          </a:xfrm>
+          <a:prstGeom prst="rect">
+            <a:avLst/>
+          </a:prstGeom>
+          <a:noFill/>
+          <a:ln>
+            <a:noFill/>
+          </a:ln>
+        </p:spPr>
+        <p:txBody>
+          <a:bodyPr spcFirstLastPara="1" wrap="square" lIns="91425" tIns="45700" rIns="91425" bIns="45700" anchor="ctr" anchorCtr="0">
+            <a:noAutofit/>
+          </a:bodyPr>
+          <a:lstStyle/>
+          <a:p>
+            <a:pPr marL="0" marR="0" lvl="0" indent="0" algn="l" rtl="0">
+              <a:spcBef>
+                <a:spcPts val="0"/>
+              </a:spcBef>
+              <a:spcAft>
+                <a:spcPts val="0"/>
+              </a:spcAft>
+              <a:buClr>
+                <a:schemeClr val="dk1"/>
+              </a:buClr>
+              <a:buSzPts val="4400"/>
+              <a:buFont typeface="Calibri"/>
+              <a:buNone/>
+            </a:pPr>
+            <a:r>
+              <a:rPr lang="en-US" sz="3600" b="1" dirty="0">
+                <a:solidFill>
+                  <a:srgbClr val="262626"/>
+                </a:solidFill>
+                <a:latin typeface="Roboto"/>
+                <a:ea typeface="Roboto"/>
+                <a:cs typeface="Roboto"/>
+                <a:sym typeface="Roboto"/>
+              </a:rPr>
+              <a:t>Rebase</a:t>
+            </a:r>
+            <a:endParaRPr sz="3600" b="1" i="0" u="none" strike="noStrike" cap="none" dirty="0">
+              <a:solidFill>
+                <a:srgbClr val="262626"/>
+              </a:solidFill>
+              <a:latin typeface="Roboto"/>
+              <a:ea typeface="Roboto"/>
+              <a:cs typeface="Roboto"/>
+              <a:sym typeface="Roboto"/>
+            </a:endParaRPr>
+          </a:p>
+        </p:txBody>
+      </p:sp>
+      <p:pic>
+        <p:nvPicPr>
+          <p:cNvPr id="176" name="Shape 176"/>
+          <p:cNvPicPr preferRelativeResize="0"/>
+          <p:nvPr/>
+        </p:nvPicPr>
+        <p:blipFill>
+          <a:blip r:embed="rId3">
+            <a:alphaModFix/>
+          </a:blip>
+          <a:stretch>
+            <a:fillRect/>
+          </a:stretch>
+        </p:blipFill>
+        <p:spPr>
+          <a:xfrm>
+            <a:off x="353700" y="302000"/>
+            <a:ext cx="1741800" cy="502875"/>
+          </a:xfrm>
+          <a:prstGeom prst="rect">
+            <a:avLst/>
+          </a:prstGeom>
+          <a:noFill/>
+          <a:ln>
+            <a:noFill/>
+          </a:ln>
+        </p:spPr>
+      </p:pic>
+      <p:sp>
+        <p:nvSpPr>
+          <p:cNvPr id="11" name="Shape 163">
+            <a:extLst>
+              <a:ext uri="{FF2B5EF4-FFF2-40B4-BE49-F238E27FC236}">
+                <a16:creationId xmlns:a16="http://schemas.microsoft.com/office/drawing/2014/main" id="{0A5B0CC1-2514-48C5-9C86-3B6B6A79FBBD}"/>
+              </a:ext>
+            </a:extLst>
+          </p:cNvPr>
+          <p:cNvSpPr txBox="1"/>
+          <p:nvPr/>
+        </p:nvSpPr>
+        <p:spPr>
+          <a:xfrm>
+            <a:off x="507440" y="1677052"/>
+            <a:ext cx="4064560" cy="4878948"/>
+          </a:xfrm>
+          <a:prstGeom prst="rect">
+            <a:avLst/>
+          </a:prstGeom>
+          <a:noFill/>
+          <a:ln>
+            <a:noFill/>
+          </a:ln>
+        </p:spPr>
+        <p:txBody>
+          <a:bodyPr spcFirstLastPara="1" wrap="square" lIns="91425" tIns="45700" rIns="91425" bIns="45700" anchor="ctr" anchorCtr="0">
+            <a:noAutofit/>
+          </a:bodyPr>
+          <a:lstStyle/>
+          <a:p>
+            <a:pPr marL="0" marR="0" lvl="0" indent="-12700" algn="l" rtl="0">
+              <a:spcBef>
+                <a:spcPts val="0"/>
+              </a:spcBef>
+              <a:spcAft>
+                <a:spcPts val="1200"/>
+              </a:spcAft>
+              <a:buSzPts val="2000"/>
+              <a:buFont typeface="Noto Sans Symbols"/>
+              <a:buChar char="▪"/>
+            </a:pPr>
+            <a:r>
+              <a:rPr lang="ru-RU" sz="2000" dirty="0">
+                <a:latin typeface="Roboto"/>
+                <a:ea typeface="Roboto"/>
+                <a:cs typeface="Roboto"/>
+                <a:sym typeface="Roboto"/>
+              </a:rPr>
+              <a:t> При выполнении </a:t>
+            </a:r>
+            <a:r>
+              <a:rPr lang="en-US" sz="2000" dirty="0">
+                <a:latin typeface="Roboto"/>
+                <a:ea typeface="Roboto"/>
+                <a:cs typeface="Roboto"/>
+                <a:sym typeface="Roboto"/>
+              </a:rPr>
+              <a:t>rebase HEAD master </a:t>
+            </a:r>
+            <a:r>
+              <a:rPr lang="ru-RU" sz="2000" dirty="0">
+                <a:latin typeface="Roboto"/>
+                <a:ea typeface="Roboto"/>
+                <a:cs typeface="Roboto"/>
+                <a:sym typeface="Roboto"/>
+              </a:rPr>
+              <a:t>смещается к коммиту с которого была создана </a:t>
+            </a:r>
+            <a:r>
+              <a:rPr lang="en-US" sz="2000" dirty="0">
+                <a:latin typeface="Roboto"/>
+                <a:ea typeface="Roboto"/>
+                <a:cs typeface="Roboto"/>
+                <a:sym typeface="Roboto"/>
+              </a:rPr>
+              <a:t>develop</a:t>
+            </a:r>
+            <a:r>
+              <a:rPr lang="ru-RU" sz="2000" dirty="0">
+                <a:latin typeface="Roboto"/>
+                <a:ea typeface="Roboto"/>
+                <a:cs typeface="Roboto"/>
+                <a:sym typeface="Roboto"/>
+              </a:rPr>
+              <a:t> (2)</a:t>
+            </a:r>
+            <a:r>
+              <a:rPr lang="en-US" sz="2000" dirty="0">
+                <a:latin typeface="Roboto"/>
+                <a:ea typeface="Roboto"/>
+                <a:cs typeface="Roboto"/>
+                <a:sym typeface="Roboto"/>
+              </a:rPr>
+              <a:t>. </a:t>
+            </a:r>
+            <a:r>
+              <a:rPr lang="ru-RU" sz="2000" dirty="0">
+                <a:latin typeface="Roboto"/>
+                <a:ea typeface="Roboto"/>
+                <a:cs typeface="Roboto"/>
+                <a:sym typeface="Roboto"/>
+              </a:rPr>
+              <a:t>Поочередо применяются все коммиты </a:t>
+            </a:r>
+            <a:r>
+              <a:rPr lang="en-US" sz="2000" dirty="0">
+                <a:latin typeface="Roboto"/>
+                <a:ea typeface="Roboto"/>
+                <a:cs typeface="Roboto"/>
+                <a:sym typeface="Roboto"/>
+              </a:rPr>
+              <a:t>develop</a:t>
+            </a:r>
+            <a:r>
+              <a:rPr lang="ru-RU" sz="2000" dirty="0">
+                <a:latin typeface="Roboto"/>
+                <a:ea typeface="Roboto"/>
+                <a:cs typeface="Roboto"/>
+                <a:sym typeface="Roboto"/>
+              </a:rPr>
+              <a:t>, после чего применяются все коммиты </a:t>
+            </a:r>
+            <a:r>
+              <a:rPr lang="en-US" sz="2000" dirty="0">
+                <a:latin typeface="Roboto"/>
+                <a:ea typeface="Roboto"/>
+                <a:cs typeface="Roboto"/>
+                <a:sym typeface="Roboto"/>
+              </a:rPr>
+              <a:t>master</a:t>
+            </a:r>
+            <a:r>
+              <a:rPr lang="ru-RU" sz="2000" dirty="0">
+                <a:latin typeface="Roboto"/>
+                <a:ea typeface="Roboto"/>
+                <a:cs typeface="Roboto"/>
+                <a:sym typeface="Roboto"/>
+              </a:rPr>
+              <a:t>, которые были после коммита (2)</a:t>
+            </a:r>
+          </a:p>
+          <a:p>
+            <a:pPr marL="0" marR="0" lvl="0" indent="-12700" algn="l" rtl="0">
+              <a:spcBef>
+                <a:spcPts val="0"/>
+              </a:spcBef>
+              <a:spcAft>
+                <a:spcPts val="1200"/>
+              </a:spcAft>
+              <a:buSzPts val="2000"/>
+              <a:buFont typeface="Noto Sans Symbols"/>
+              <a:buChar char="▪"/>
+            </a:pPr>
+            <a:endParaRPr lang="ru-RU" sz="2000" dirty="0">
+              <a:latin typeface="Roboto"/>
+              <a:ea typeface="Roboto"/>
+              <a:cs typeface="Roboto"/>
+              <a:sym typeface="Roboto"/>
+            </a:endParaRPr>
+          </a:p>
+          <a:p>
+            <a:pPr marL="0" marR="0" lvl="0" indent="-12700" algn="l" rtl="0">
+              <a:spcBef>
+                <a:spcPts val="0"/>
+              </a:spcBef>
+              <a:spcAft>
+                <a:spcPts val="1200"/>
+              </a:spcAft>
+              <a:buSzPts val="2000"/>
+              <a:buFont typeface="Noto Sans Symbols"/>
+              <a:buChar char="▪"/>
+            </a:pPr>
+            <a:r>
+              <a:rPr lang="ru-RU" sz="2000" dirty="0">
+                <a:latin typeface="Roboto"/>
+                <a:ea typeface="Roboto"/>
+                <a:cs typeface="Roboto"/>
+                <a:sym typeface="Roboto"/>
+              </a:rPr>
+              <a:t> При </a:t>
+            </a:r>
+            <a:r>
+              <a:rPr lang="en-US" sz="2000" dirty="0">
+                <a:latin typeface="Roboto"/>
+                <a:ea typeface="Roboto"/>
+                <a:cs typeface="Roboto"/>
+                <a:sym typeface="Roboto"/>
+              </a:rPr>
+              <a:t>rebase </a:t>
+            </a:r>
+            <a:r>
+              <a:rPr lang="ru-RU" sz="2000" dirty="0">
+                <a:latin typeface="Roboto"/>
+                <a:ea typeface="Roboto"/>
+                <a:cs typeface="Roboto"/>
+                <a:sym typeface="Roboto"/>
+              </a:rPr>
+              <a:t>история коммитов имеет последовательный вид</a:t>
+            </a:r>
+            <a:endParaRPr lang="en-US" sz="2000" dirty="0">
+              <a:latin typeface="Roboto"/>
+              <a:ea typeface="Roboto"/>
+              <a:cs typeface="Roboto"/>
+              <a:sym typeface="Roboto"/>
+            </a:endParaRPr>
+          </a:p>
+        </p:txBody>
+      </p:sp>
+      <p:pic>
+        <p:nvPicPr>
+          <p:cNvPr id="5128" name="Picture 8">
+            <a:extLst>
+              <a:ext uri="{FF2B5EF4-FFF2-40B4-BE49-F238E27FC236}">
+                <a16:creationId xmlns:a16="http://schemas.microsoft.com/office/drawing/2014/main" id="{B0798DB1-B626-4A98-A982-3F7180600478}"/>
+              </a:ext>
+            </a:extLst>
+          </p:cNvPr>
+          <p:cNvPicPr>
+            <a:picLocks noChangeAspect="1" noChangeArrowheads="1"/>
+          </p:cNvPicPr>
+          <p:nvPr/>
+        </p:nvPicPr>
+        <p:blipFill>
+          <a:blip r:embed="rId4">
+            <a:extLst>
+              <a:ext uri="{28A0092B-C50C-407E-A947-70E740481C1C}">
+                <a14:useLocalDpi xmlns:a14="http://schemas.microsoft.com/office/drawing/2010/main" val="0"/>
+              </a:ext>
+            </a:extLst>
+          </a:blip>
+          <a:srcRect/>
+          <a:stretch>
+            <a:fillRect/>
+          </a:stretch>
+        </p:blipFill>
+        <p:spPr bwMode="auto">
+          <a:xfrm>
+            <a:off x="4445436" y="0"/>
+            <a:ext cx="2401887" cy="6858000"/>
+          </a:xfrm>
+          <a:prstGeom prst="rect">
+            <a:avLst/>
+          </a:prstGeom>
+          <a:noFill/>
+          <a:extLst>
+            <a:ext uri="{909E8E84-426E-40DD-AFC4-6F175D3DCCD1}">
+              <a14:hiddenFill xmlns:a14="http://schemas.microsoft.com/office/drawing/2010/main">
+                <a:solidFill>
+                  <a:srgbClr val="FFFFFF"/>
+                </a:solidFill>
+              </a14:hiddenFill>
+            </a:ext>
+          </a:extLst>
+        </p:spPr>
+      </p:pic>
+      <p:pic>
+        <p:nvPicPr>
+          <p:cNvPr id="5130" name="Picture 10">
+            <a:extLst>
+              <a:ext uri="{FF2B5EF4-FFF2-40B4-BE49-F238E27FC236}">
+                <a16:creationId xmlns:a16="http://schemas.microsoft.com/office/drawing/2014/main" id="{692CFD7D-DE5F-4B28-BEC1-851E3B545C9B}"/>
+              </a:ext>
+            </a:extLst>
+          </p:cNvPr>
+          <p:cNvPicPr>
+            <a:picLocks noChangeAspect="1" noChangeArrowheads="1"/>
+          </p:cNvPicPr>
+          <p:nvPr/>
+        </p:nvPicPr>
+        <p:blipFill>
+          <a:blip r:embed="rId5">
+            <a:extLst>
+              <a:ext uri="{28A0092B-C50C-407E-A947-70E740481C1C}">
+                <a14:useLocalDpi xmlns:a14="http://schemas.microsoft.com/office/drawing/2010/main" val="0"/>
+              </a:ext>
+            </a:extLst>
+          </a:blip>
+          <a:srcRect/>
+          <a:stretch>
+            <a:fillRect/>
+          </a:stretch>
+        </p:blipFill>
+        <p:spPr bwMode="auto">
+          <a:xfrm>
+            <a:off x="7032388" y="0"/>
+            <a:ext cx="2370137" cy="6858000"/>
+          </a:xfrm>
+          <a:prstGeom prst="rect">
+            <a:avLst/>
+          </a:prstGeom>
+          <a:noFill/>
+          <a:extLst>
+            <a:ext uri="{909E8E84-426E-40DD-AFC4-6F175D3DCCD1}">
+              <a14:hiddenFill xmlns:a14="http://schemas.microsoft.com/office/drawing/2010/main">
+                <a:solidFill>
+                  <a:srgbClr val="FFFFFF"/>
+                </a:solidFill>
+              </a14:hiddenFill>
+            </a:ext>
+          </a:extLst>
+        </p:spPr>
+      </p:pic>
+    </p:spTree>
+    <p:extLst>
+      <p:ext uri="{BB962C8B-B14F-4D97-AF65-F5344CB8AC3E}">
+        <p14:creationId xmlns:p14="http://schemas.microsoft.com/office/powerpoint/2010/main" val="3665805213"/>
+      </p:ext>
+    </p:extLst>
+  </p:cSld>
+  <p:clrMapOvr>
+    <a:masterClrMapping/>
+  </p:clrMapOvr>
+  <p:transition>
+    <p:fade/>
+  </p:transition>
+</p:sld>
+</file>
+
+<file path=ppt/slides/slide14.xml><?xml version="1.0" encoding="utf-8"?>
+<p:sld xmlns:a="http://schemas.openxmlformats.org/drawingml/2006/main" xmlns:r="http://schemas.openxmlformats.org/officeDocument/2006/relationships" xmlns:p="http://schemas.openxmlformats.org/presentationml/2006/main">
+  <p:cSld>
+    <p:spTree>
+      <p:nvGrpSpPr>
+        <p:cNvPr id="1" name="Shape 168"/>
+        <p:cNvGrpSpPr/>
+        <p:nvPr/>
+      </p:nvGrpSpPr>
+      <p:grpSpPr>
+        <a:xfrm>
+          <a:off x="0" y="0"/>
+          <a:ext cx="0" cy="0"/>
+          <a:chOff x="0" y="0"/>
+          <a:chExt cx="0" cy="0"/>
+        </a:xfrm>
+      </p:grpSpPr>
+      <p:sp>
+        <p:nvSpPr>
+          <p:cNvPr id="169" name="Shape 169"/>
+          <p:cNvSpPr txBox="1">
+            <a:spLocks noGrp="1"/>
+          </p:cNvSpPr>
+          <p:nvPr>
+            <p:ph type="title"/>
+          </p:nvPr>
+        </p:nvSpPr>
+        <p:spPr>
+          <a:xfrm>
+            <a:off x="457199" y="1197610"/>
+            <a:ext cx="5772779" cy="590400"/>
+          </a:xfrm>
+          <a:prstGeom prst="rect">
+            <a:avLst/>
+          </a:prstGeom>
+          <a:noFill/>
+          <a:ln>
+            <a:noFill/>
+          </a:ln>
+        </p:spPr>
+        <p:txBody>
+          <a:bodyPr spcFirstLastPara="1" wrap="square" lIns="91425" tIns="45700" rIns="91425" bIns="45700" anchor="ctr" anchorCtr="0">
+            <a:noAutofit/>
+          </a:bodyPr>
+          <a:lstStyle/>
+          <a:p>
+            <a:pPr lvl="0" algn="l"/>
+            <a:r>
+              <a:rPr lang="en-US" sz="3600" b="1" dirty="0">
+                <a:solidFill>
+                  <a:srgbClr val="262626"/>
+                </a:solidFill>
+                <a:latin typeface="Roboto"/>
+                <a:ea typeface="Roboto"/>
+                <a:cs typeface="Roboto"/>
+                <a:sym typeface="Roboto"/>
+              </a:rPr>
+              <a:t>Continuous Integration (CI) </a:t>
+            </a:r>
+            <a:endParaRPr sz="3600" b="1" i="0" u="none" strike="noStrike" cap="none" dirty="0">
+              <a:solidFill>
+                <a:srgbClr val="262626"/>
+              </a:solidFill>
+              <a:latin typeface="Roboto"/>
+              <a:ea typeface="Roboto"/>
+              <a:cs typeface="Roboto"/>
+              <a:sym typeface="Roboto"/>
+            </a:endParaRPr>
+          </a:p>
+        </p:txBody>
+      </p:sp>
+      <p:pic>
+        <p:nvPicPr>
+          <p:cNvPr id="176" name="Shape 176"/>
+          <p:cNvPicPr preferRelativeResize="0"/>
+          <p:nvPr/>
+        </p:nvPicPr>
+        <p:blipFill>
+          <a:blip r:embed="rId3">
+            <a:alphaModFix/>
+          </a:blip>
+          <a:stretch>
+            <a:fillRect/>
+          </a:stretch>
+        </p:blipFill>
+        <p:spPr>
+          <a:xfrm>
+            <a:off x="353700" y="302000"/>
+            <a:ext cx="1741800" cy="502875"/>
+          </a:xfrm>
+          <a:prstGeom prst="rect">
+            <a:avLst/>
+          </a:prstGeom>
+          <a:noFill/>
+          <a:ln>
+            <a:noFill/>
+          </a:ln>
+        </p:spPr>
+      </p:pic>
+      <p:sp>
+        <p:nvSpPr>
+          <p:cNvPr id="11" name="Shape 163">
+            <a:extLst>
+              <a:ext uri="{FF2B5EF4-FFF2-40B4-BE49-F238E27FC236}">
+                <a16:creationId xmlns:a16="http://schemas.microsoft.com/office/drawing/2014/main" id="{0A5B0CC1-2514-48C5-9C86-3B6B6A79FBBD}"/>
+              </a:ext>
+            </a:extLst>
+          </p:cNvPr>
+          <p:cNvSpPr txBox="1"/>
+          <p:nvPr/>
+        </p:nvSpPr>
+        <p:spPr>
+          <a:xfrm>
+            <a:off x="517488" y="1904421"/>
+            <a:ext cx="4175012" cy="4516477"/>
+          </a:xfrm>
+          <a:prstGeom prst="rect">
+            <a:avLst/>
+          </a:prstGeom>
+          <a:noFill/>
+          <a:ln>
+            <a:noFill/>
+          </a:ln>
+        </p:spPr>
+        <p:txBody>
+          <a:bodyPr spcFirstLastPara="1" wrap="square" lIns="91425" tIns="45700" rIns="91425" bIns="45700" anchor="ctr" anchorCtr="0">
+            <a:noAutofit/>
+          </a:bodyPr>
+          <a:lstStyle/>
+          <a:p>
+            <a:pPr marL="0" marR="0" lvl="0" indent="-12700" algn="l" rtl="0">
+              <a:spcBef>
+                <a:spcPts val="0"/>
+              </a:spcBef>
+              <a:spcAft>
+                <a:spcPts val="1200"/>
+              </a:spcAft>
+              <a:buSzPts val="2000"/>
+              <a:buFont typeface="Noto Sans Symbols"/>
+              <a:buChar char="▪"/>
+            </a:pPr>
+            <a:r>
+              <a:rPr lang="en-US" sz="2000" dirty="0">
+                <a:latin typeface="Roboto"/>
+                <a:ea typeface="Roboto"/>
+                <a:cs typeface="Roboto"/>
+                <a:sym typeface="Roboto"/>
+              </a:rPr>
+              <a:t> </a:t>
+            </a:r>
+            <a:r>
+              <a:rPr lang="ru-RU" sz="2000" dirty="0">
+                <a:latin typeface="Roboto"/>
+                <a:ea typeface="Roboto"/>
+                <a:cs typeface="Roboto"/>
+                <a:sym typeface="Roboto"/>
+              </a:rPr>
+              <a:t>Это практика разработки, при которой изменения от разных разработчиков в команде как можно чаще заливаются в основную ветку. </a:t>
+            </a:r>
+            <a:endParaRPr lang="ru-RU" sz="2000" dirty="0">
+              <a:solidFill>
+                <a:schemeClr val="tx1"/>
+              </a:solidFill>
+              <a:latin typeface="Roboto"/>
+              <a:ea typeface="Roboto"/>
+              <a:cs typeface="Roboto"/>
+              <a:sym typeface="Roboto"/>
+            </a:endParaRPr>
+          </a:p>
+          <a:p>
+            <a:pPr indent="-12700">
+              <a:spcAft>
+                <a:spcPts val="1200"/>
+              </a:spcAft>
+              <a:buSzPts val="2000"/>
+              <a:buFont typeface="Noto Sans Symbols"/>
+              <a:buChar char="▪"/>
+            </a:pPr>
+            <a:r>
+              <a:rPr lang="ru-RU" sz="2000" dirty="0">
+                <a:solidFill>
+                  <a:schemeClr val="tx1"/>
+                </a:solidFill>
+                <a:latin typeface="Roboto"/>
+                <a:ea typeface="Roboto"/>
+                <a:cs typeface="Roboto"/>
+                <a:sym typeface="Roboto"/>
+              </a:rPr>
+              <a:t> </a:t>
+            </a:r>
+            <a:r>
+              <a:rPr lang="ru-RU" sz="2000" dirty="0">
+                <a:solidFill>
+                  <a:srgbClr val="262626"/>
+                </a:solidFill>
+                <a:latin typeface="Roboto"/>
+                <a:ea typeface="Roboto"/>
+                <a:cs typeface="Roboto"/>
+                <a:sym typeface="Roboto"/>
+              </a:rPr>
+              <a:t>Такая практика препятствуюет большим merge-конфликтам при слиянии.</a:t>
+            </a:r>
+          </a:p>
+          <a:p>
+            <a:pPr indent="-12700">
+              <a:spcAft>
+                <a:spcPts val="1200"/>
+              </a:spcAft>
+              <a:buSzPts val="2000"/>
+              <a:buFont typeface="Noto Sans Symbols"/>
+              <a:buChar char="▪"/>
+            </a:pPr>
+            <a:r>
+              <a:rPr lang="ru-RU" sz="2000" dirty="0">
+                <a:solidFill>
+                  <a:srgbClr val="262626"/>
+                </a:solidFill>
+                <a:latin typeface="Roboto"/>
+                <a:ea typeface="Roboto"/>
+                <a:cs typeface="Roboto"/>
+                <a:sym typeface="Roboto"/>
+              </a:rPr>
+              <a:t> </a:t>
+            </a:r>
+            <a:r>
+              <a:rPr lang="ru-RU" sz="2000" dirty="0">
+                <a:latin typeface="Roboto"/>
+                <a:ea typeface="Roboto"/>
+                <a:cs typeface="Roboto"/>
+                <a:sym typeface="Roboto"/>
+              </a:rPr>
+              <a:t>Для того чтоб проверить что залитый код рабочий, периодически происходит сборка проекта.</a:t>
+            </a:r>
+            <a:endParaRPr lang="en-US" sz="2000" dirty="0">
+              <a:latin typeface="Roboto"/>
+              <a:ea typeface="Roboto"/>
+              <a:cs typeface="Roboto"/>
+              <a:sym typeface="Roboto"/>
+            </a:endParaRPr>
+          </a:p>
+        </p:txBody>
+      </p:sp>
+      <p:pic>
+        <p:nvPicPr>
+          <p:cNvPr id="6" name="Picture 5" descr="A picture containing clock&#10;&#10;Description automatically generated">
+            <a:extLst>
+              <a:ext uri="{FF2B5EF4-FFF2-40B4-BE49-F238E27FC236}">
+                <a16:creationId xmlns:a16="http://schemas.microsoft.com/office/drawing/2014/main" id="{810CBC7D-B885-4FCD-AD37-C60829BF4E1E}"/>
+              </a:ext>
+            </a:extLst>
+          </p:cNvPr>
+          <p:cNvPicPr>
+            <a:picLocks noChangeAspect="1"/>
+          </p:cNvPicPr>
+          <p:nvPr/>
+        </p:nvPicPr>
+        <p:blipFill>
+          <a:blip r:embed="rId4"/>
+          <a:stretch>
+            <a:fillRect/>
+          </a:stretch>
+        </p:blipFill>
+        <p:spPr>
+          <a:xfrm>
+            <a:off x="4858759" y="2838917"/>
+            <a:ext cx="4068820" cy="1934357"/>
+          </a:xfrm>
+          <a:prstGeom prst="rect">
+            <a:avLst/>
+          </a:prstGeom>
+        </p:spPr>
+      </p:pic>
+    </p:spTree>
+    <p:extLst>
+      <p:ext uri="{BB962C8B-B14F-4D97-AF65-F5344CB8AC3E}">
+        <p14:creationId xmlns:p14="http://schemas.microsoft.com/office/powerpoint/2010/main" val="539054462"/>
+      </p:ext>
+    </p:extLst>
+  </p:cSld>
+  <p:clrMapOvr>
+    <a:masterClrMapping/>
+  </p:clrMapOvr>
+  <p:transition>
+    <p:fade/>
+  </p:transition>
+</p:sld>
+</file>
+
+<file path=ppt/slides/slide15.xml><?xml version="1.0" encoding="utf-8"?>
+<p:sld xmlns:a="http://schemas.openxmlformats.org/drawingml/2006/main" xmlns:r="http://schemas.openxmlformats.org/officeDocument/2006/relationships" xmlns:p="http://schemas.openxmlformats.org/presentationml/2006/main">
+  <p:cSld>
+    <p:spTree>
+      <p:nvGrpSpPr>
+        <p:cNvPr id="1" name="Shape 168"/>
+        <p:cNvGrpSpPr/>
+        <p:nvPr/>
+      </p:nvGrpSpPr>
+      <p:grpSpPr>
+        <a:xfrm>
+          <a:off x="0" y="0"/>
+          <a:ext cx="0" cy="0"/>
+          <a:chOff x="0" y="0"/>
+          <a:chExt cx="0" cy="0"/>
+        </a:xfrm>
+      </p:grpSpPr>
+      <p:sp>
+        <p:nvSpPr>
+          <p:cNvPr id="169" name="Shape 169"/>
+          <p:cNvSpPr txBox="1">
+            <a:spLocks noGrp="1"/>
+          </p:cNvSpPr>
+          <p:nvPr>
+            <p:ph type="title"/>
+          </p:nvPr>
+        </p:nvSpPr>
+        <p:spPr>
+          <a:xfrm>
+            <a:off x="457199" y="1197610"/>
+            <a:ext cx="5772779" cy="590400"/>
+          </a:xfrm>
+          <a:prstGeom prst="rect">
+            <a:avLst/>
+          </a:prstGeom>
+          <a:noFill/>
+          <a:ln>
+            <a:noFill/>
+          </a:ln>
+        </p:spPr>
+        <p:txBody>
+          <a:bodyPr spcFirstLastPara="1" wrap="square" lIns="91425" tIns="45700" rIns="91425" bIns="45700" anchor="ctr" anchorCtr="0">
+            <a:noAutofit/>
+          </a:bodyPr>
+          <a:lstStyle/>
+          <a:p>
+            <a:pPr lvl="0" algn="l"/>
+            <a:r>
+              <a:rPr lang="en-US" sz="3600" b="1" dirty="0">
+                <a:solidFill>
+                  <a:srgbClr val="262626"/>
+                </a:solidFill>
+                <a:latin typeface="Roboto"/>
+                <a:ea typeface="Roboto"/>
+                <a:cs typeface="Roboto"/>
+                <a:sym typeface="Roboto"/>
+              </a:rPr>
+              <a:t>Continuous Delivery (CD) </a:t>
+            </a:r>
+            <a:endParaRPr sz="3600" b="1" i="0" u="none" strike="noStrike" cap="none" dirty="0">
+              <a:solidFill>
+                <a:srgbClr val="262626"/>
+              </a:solidFill>
+              <a:latin typeface="Roboto"/>
+              <a:ea typeface="Roboto"/>
+              <a:cs typeface="Roboto"/>
+              <a:sym typeface="Roboto"/>
+            </a:endParaRPr>
+          </a:p>
+        </p:txBody>
+      </p:sp>
+      <p:pic>
+        <p:nvPicPr>
+          <p:cNvPr id="176" name="Shape 176"/>
+          <p:cNvPicPr preferRelativeResize="0"/>
+          <p:nvPr/>
+        </p:nvPicPr>
+        <p:blipFill>
+          <a:blip r:embed="rId3">
+            <a:alphaModFix/>
+          </a:blip>
+          <a:stretch>
+            <a:fillRect/>
+          </a:stretch>
+        </p:blipFill>
+        <p:spPr>
+          <a:xfrm>
+            <a:off x="353700" y="302000"/>
+            <a:ext cx="1741800" cy="502875"/>
+          </a:xfrm>
+          <a:prstGeom prst="rect">
+            <a:avLst/>
+          </a:prstGeom>
+          <a:noFill/>
+          <a:ln>
+            <a:noFill/>
+          </a:ln>
+        </p:spPr>
+      </p:pic>
+      <p:sp>
+        <p:nvSpPr>
+          <p:cNvPr id="11" name="Shape 163">
+            <a:extLst>
+              <a:ext uri="{FF2B5EF4-FFF2-40B4-BE49-F238E27FC236}">
+                <a16:creationId xmlns:a16="http://schemas.microsoft.com/office/drawing/2014/main" id="{0A5B0CC1-2514-48C5-9C86-3B6B6A79FBBD}"/>
+              </a:ext>
+            </a:extLst>
+          </p:cNvPr>
+          <p:cNvSpPr txBox="1"/>
+          <p:nvPr/>
+        </p:nvSpPr>
+        <p:spPr>
+          <a:xfrm>
+            <a:off x="517488" y="1904421"/>
+            <a:ext cx="4175012" cy="4516477"/>
+          </a:xfrm>
+          <a:prstGeom prst="rect">
+            <a:avLst/>
+          </a:prstGeom>
+          <a:noFill/>
+          <a:ln>
+            <a:noFill/>
+          </a:ln>
+        </p:spPr>
+        <p:txBody>
+          <a:bodyPr spcFirstLastPara="1" wrap="square" lIns="91425" tIns="45700" rIns="91425" bIns="45700" anchor="ctr" anchorCtr="0">
+            <a:noAutofit/>
+          </a:bodyPr>
+          <a:lstStyle/>
+          <a:p>
+            <a:pPr marL="0" marR="0" lvl="0" indent="-12700" algn="l" rtl="0">
+              <a:spcBef>
+                <a:spcPts val="0"/>
+              </a:spcBef>
+              <a:spcAft>
+                <a:spcPts val="1200"/>
+              </a:spcAft>
+              <a:buSzPts val="2000"/>
+              <a:buFont typeface="Noto Sans Symbols"/>
+              <a:buChar char="▪"/>
+            </a:pPr>
+            <a:r>
+              <a:rPr lang="en-US" sz="2000" dirty="0">
+                <a:latin typeface="Roboto"/>
+                <a:ea typeface="Roboto"/>
+                <a:cs typeface="Roboto"/>
+                <a:sym typeface="Roboto"/>
+              </a:rPr>
+              <a:t> </a:t>
+            </a:r>
+            <a:r>
+              <a:rPr lang="ru-RU" sz="2000" dirty="0">
+                <a:latin typeface="Roboto"/>
+                <a:ea typeface="Roboto"/>
+                <a:cs typeface="Roboto"/>
+                <a:sym typeface="Roboto"/>
+              </a:rPr>
+              <a:t>Практика при которой билд </a:t>
+            </a:r>
+            <a:r>
+              <a:rPr lang="en-US" sz="2000" dirty="0">
+                <a:latin typeface="Roboto"/>
+                <a:ea typeface="Roboto"/>
+                <a:cs typeface="Roboto"/>
+                <a:sym typeface="Roboto"/>
+              </a:rPr>
+              <a:t>CI</a:t>
+            </a:r>
+            <a:r>
+              <a:rPr lang="ru-RU" sz="2000" dirty="0">
+                <a:latin typeface="Roboto"/>
+                <a:ea typeface="Roboto"/>
+                <a:cs typeface="Roboto"/>
+                <a:sym typeface="Roboto"/>
+              </a:rPr>
+              <a:t> дополнительно тестируется (интеграционными,</a:t>
+            </a:r>
+            <a:r>
+              <a:rPr lang="en-US" sz="2000" dirty="0">
+                <a:latin typeface="Roboto"/>
+                <a:ea typeface="Roboto"/>
+                <a:cs typeface="Roboto"/>
+                <a:sym typeface="Roboto"/>
+              </a:rPr>
+              <a:t> smoke </a:t>
+            </a:r>
+            <a:r>
+              <a:rPr lang="ru-RU" sz="2000" dirty="0">
+                <a:latin typeface="Roboto"/>
+                <a:ea typeface="Roboto"/>
+                <a:cs typeface="Roboto"/>
+                <a:sym typeface="Roboto"/>
+              </a:rPr>
+              <a:t>тестами </a:t>
+            </a:r>
+            <a:r>
+              <a:rPr lang="uk-UA" sz="2000" dirty="0">
+                <a:latin typeface="Roboto"/>
+                <a:ea typeface="Roboto"/>
+                <a:cs typeface="Roboto"/>
+                <a:sym typeface="Roboto"/>
+              </a:rPr>
+              <a:t>и т.д.</a:t>
+            </a:r>
+            <a:r>
+              <a:rPr lang="ru-RU" sz="2000" dirty="0">
+                <a:latin typeface="Roboto"/>
+                <a:ea typeface="Roboto"/>
+                <a:cs typeface="Roboto"/>
+                <a:sym typeface="Roboto"/>
+              </a:rPr>
+              <a:t>), и полностью готовится к релизу.</a:t>
+            </a:r>
+          </a:p>
+          <a:p>
+            <a:pPr lvl="0" indent="-12700">
+              <a:spcAft>
+                <a:spcPts val="1200"/>
+              </a:spcAft>
+              <a:buSzPts val="2000"/>
+              <a:buFont typeface="Noto Sans Symbols"/>
+              <a:buChar char="▪"/>
+            </a:pPr>
+            <a:r>
+              <a:rPr lang="ru-RU" sz="2000" dirty="0">
+                <a:solidFill>
+                  <a:schemeClr val="tx1"/>
+                </a:solidFill>
+                <a:latin typeface="Roboto"/>
+                <a:ea typeface="Roboto"/>
+                <a:cs typeface="Roboto"/>
+                <a:sym typeface="Roboto"/>
+              </a:rPr>
+              <a:t> Также есть практика </a:t>
+            </a:r>
+            <a:r>
+              <a:rPr lang="en-US" sz="2000" dirty="0">
+                <a:solidFill>
+                  <a:schemeClr val="tx1"/>
+                </a:solidFill>
+                <a:latin typeface="Roboto"/>
+                <a:ea typeface="Roboto"/>
+                <a:cs typeface="Roboto"/>
+                <a:sym typeface="Roboto"/>
+              </a:rPr>
+              <a:t>Continuous Deployment</a:t>
+            </a:r>
+            <a:r>
+              <a:rPr lang="ru-RU" sz="2000" dirty="0">
+                <a:solidFill>
+                  <a:schemeClr val="tx1"/>
+                </a:solidFill>
+                <a:latin typeface="Roboto"/>
+                <a:ea typeface="Roboto"/>
+                <a:cs typeface="Roboto"/>
+                <a:sym typeface="Roboto"/>
+              </a:rPr>
+              <a:t>, при которой релиз продукта происходит автоматически.</a:t>
+            </a:r>
+          </a:p>
+          <a:p>
+            <a:pPr lvl="0" indent="-12700">
+              <a:spcAft>
+                <a:spcPts val="1200"/>
+              </a:spcAft>
+              <a:buSzPts val="2000"/>
+              <a:buFont typeface="Noto Sans Symbols"/>
+              <a:buChar char="▪"/>
+            </a:pPr>
+            <a:r>
+              <a:rPr lang="ru-RU" sz="2000" dirty="0">
+                <a:solidFill>
+                  <a:schemeClr val="tx1"/>
+                </a:solidFill>
+                <a:latin typeface="Roboto"/>
+                <a:ea typeface="Roboto"/>
+                <a:cs typeface="Roboto"/>
+                <a:sym typeface="Roboto"/>
+              </a:rPr>
+              <a:t> Для автоматизации процесса </a:t>
+            </a:r>
+            <a:r>
+              <a:rPr lang="en-US" sz="2000" dirty="0">
+                <a:solidFill>
+                  <a:schemeClr val="tx1"/>
+                </a:solidFill>
+                <a:latin typeface="Roboto"/>
+                <a:ea typeface="Roboto"/>
+                <a:cs typeface="Roboto"/>
+                <a:sym typeface="Roboto"/>
+              </a:rPr>
+              <a:t>Integration/Delivery/Deployment </a:t>
+            </a:r>
+            <a:r>
+              <a:rPr lang="ru-RU" sz="2000" dirty="0">
+                <a:solidFill>
+                  <a:schemeClr val="tx1"/>
+                </a:solidFill>
+                <a:latin typeface="Roboto"/>
+                <a:ea typeface="Roboto"/>
+                <a:cs typeface="Roboto"/>
+                <a:sym typeface="Roboto"/>
+              </a:rPr>
+              <a:t>существуют</a:t>
+            </a:r>
+            <a:r>
+              <a:rPr lang="en-US" sz="2000" dirty="0">
+                <a:solidFill>
+                  <a:schemeClr val="tx1"/>
+                </a:solidFill>
+                <a:latin typeface="Roboto"/>
+                <a:ea typeface="Roboto"/>
+                <a:cs typeface="Roboto"/>
+                <a:sym typeface="Roboto"/>
+              </a:rPr>
+              <a:t> CI/CD tools.</a:t>
+            </a:r>
+            <a:endParaRPr lang="en-US" sz="2000" dirty="0">
+              <a:latin typeface="Roboto"/>
+              <a:ea typeface="Roboto"/>
+              <a:cs typeface="Roboto"/>
+              <a:sym typeface="Roboto"/>
+            </a:endParaRPr>
+          </a:p>
+        </p:txBody>
+      </p:sp>
+      <p:pic>
+        <p:nvPicPr>
+          <p:cNvPr id="8" name="Picture 2">
+            <a:extLst>
+              <a:ext uri="{FF2B5EF4-FFF2-40B4-BE49-F238E27FC236}">
+                <a16:creationId xmlns:a16="http://schemas.microsoft.com/office/drawing/2014/main" id="{49586FDA-6372-41B9-8EAF-4FEBCF46085C}"/>
+              </a:ext>
+            </a:extLst>
+          </p:cNvPr>
+          <p:cNvPicPr>
+            <a:picLocks noChangeAspect="1" noChangeArrowheads="1"/>
+          </p:cNvPicPr>
+          <p:nvPr/>
+        </p:nvPicPr>
+        <p:blipFill>
+          <a:blip r:embed="rId4">
+            <a:extLst>
+              <a:ext uri="{28A0092B-C50C-407E-A947-70E740481C1C}">
+                <a14:useLocalDpi xmlns:a14="http://schemas.microsoft.com/office/drawing/2010/main" val="0"/>
+              </a:ext>
+            </a:extLst>
+          </a:blip>
+          <a:srcRect/>
+          <a:stretch>
+            <a:fillRect/>
+          </a:stretch>
+        </p:blipFill>
+        <p:spPr bwMode="auto">
+          <a:xfrm>
+            <a:off x="4587410" y="2144982"/>
+            <a:ext cx="4556590" cy="3371560"/>
+          </a:xfrm>
+          <a:prstGeom prst="rect">
+            <a:avLst/>
+          </a:prstGeom>
+          <a:noFill/>
+          <a:extLst>
+            <a:ext uri="{909E8E84-426E-40DD-AFC4-6F175D3DCCD1}">
+              <a14:hiddenFill xmlns:a14="http://schemas.microsoft.com/office/drawing/2010/main">
+                <a:solidFill>
+                  <a:srgbClr val="FFFFFF"/>
+                </a:solidFill>
+              </a14:hiddenFill>
+            </a:ext>
+          </a:extLst>
+        </p:spPr>
+      </p:pic>
+    </p:spTree>
+    <p:extLst>
+      <p:ext uri="{BB962C8B-B14F-4D97-AF65-F5344CB8AC3E}">
+        <p14:creationId xmlns:p14="http://schemas.microsoft.com/office/powerpoint/2010/main" val="1026078685"/>
+      </p:ext>
+    </p:extLst>
+  </p:cSld>
+  <p:clrMapOvr>
+    <a:masterClrMapping/>
+  </p:clrMapOvr>
+  <p:transition>
+    <p:fade/>
+  </p:transition>
+</p:sld>
+</file>
+
+<file path=ppt/slides/slide16.xml><?xml version="1.0" encoding="utf-8"?>
+<p:sld xmlns:a="http://schemas.openxmlformats.org/drawingml/2006/main" xmlns:r="http://schemas.openxmlformats.org/officeDocument/2006/relationships" xmlns:p="http://schemas.openxmlformats.org/presentationml/2006/main">
+  <p:cSld>
+    <p:spTree>
+      <p:nvGrpSpPr>
+        <p:cNvPr id="1" name="Shape 218"/>
+        <p:cNvGrpSpPr/>
+        <p:nvPr/>
+      </p:nvGrpSpPr>
+      <p:grpSpPr>
+        <a:xfrm>
+          <a:off x="0" y="0"/>
+          <a:ext cx="0" cy="0"/>
+          <a:chOff x="0" y="0"/>
+          <a:chExt cx="0" cy="0"/>
+        </a:xfrm>
+      </p:grpSpPr>
+      <p:sp>
+        <p:nvSpPr>
+          <p:cNvPr id="220" name="Shape 220"/>
+          <p:cNvSpPr txBox="1">
+            <a:spLocks noGrp="1"/>
+          </p:cNvSpPr>
+          <p:nvPr>
+            <p:ph type="title"/>
+          </p:nvPr>
+        </p:nvSpPr>
+        <p:spPr>
+          <a:xfrm>
+            <a:off x="419900" y="1289063"/>
+            <a:ext cx="8190600" cy="1143000"/>
+          </a:xfrm>
+          <a:prstGeom prst="rect">
+            <a:avLst/>
+          </a:prstGeom>
+          <a:noFill/>
+          <a:ln>
+            <a:noFill/>
+          </a:ln>
+        </p:spPr>
+        <p:txBody>
+          <a:bodyPr spcFirstLastPara="1" wrap="square" lIns="91425" tIns="45700" rIns="91425" bIns="45700" anchor="ctr" anchorCtr="0">
+            <a:noAutofit/>
+          </a:bodyPr>
+          <a:lstStyle/>
+          <a:p>
+            <a:pPr lvl="0" algn="l"/>
+            <a:r>
+              <a:rPr lang="en-US" sz="4100" b="1" dirty="0" err="1">
+                <a:latin typeface="Roboto"/>
+                <a:ea typeface="Roboto"/>
+                <a:cs typeface="Roboto"/>
+                <a:sym typeface="Roboto"/>
+              </a:rPr>
+              <a:t>AppVeyor</a:t>
+            </a:r>
+            <a:endParaRPr sz="4100" b="1" i="0" u="none" strike="noStrike" cap="none" dirty="0">
+              <a:solidFill>
+                <a:schemeClr val="dk1"/>
+              </a:solidFill>
+              <a:latin typeface="Roboto"/>
+              <a:ea typeface="Roboto"/>
+              <a:cs typeface="Roboto"/>
+              <a:sym typeface="Roboto"/>
+            </a:endParaRPr>
+          </a:p>
+        </p:txBody>
+      </p:sp>
+      <p:sp>
+        <p:nvSpPr>
+          <p:cNvPr id="221" name="Shape 221"/>
+          <p:cNvSpPr/>
+          <p:nvPr/>
+        </p:nvSpPr>
+        <p:spPr>
+          <a:xfrm>
+            <a:off x="524675" y="2741687"/>
+            <a:ext cx="365400" cy="365400"/>
+          </a:xfrm>
+          <a:prstGeom prst="rect">
+            <a:avLst/>
+          </a:prstGeom>
+          <a:noFill/>
+          <a:ln w="19050" cap="flat" cmpd="sng">
+            <a:solidFill>
+              <a:srgbClr val="262626"/>
+            </a:solidFill>
+            <a:prstDash val="solid"/>
+            <a:round/>
+            <a:headEnd type="none" w="med" len="med"/>
+            <a:tailEnd type="none" w="med" len="med"/>
+          </a:ln>
+        </p:spPr>
+        <p:txBody>
+          <a:bodyPr spcFirstLastPara="1" wrap="square" lIns="91425" tIns="91425" rIns="91425" bIns="91425" anchor="ctr" anchorCtr="0">
+            <a:noAutofit/>
+          </a:bodyPr>
+          <a:lstStyle/>
+          <a:p>
+            <a:pPr marL="0" lvl="0" indent="0" algn="ctr">
+              <a:spcBef>
+                <a:spcPts val="0"/>
+              </a:spcBef>
+              <a:spcAft>
+                <a:spcPts val="0"/>
+              </a:spcAft>
+              <a:buNone/>
+            </a:pPr>
+            <a:r>
+              <a:rPr lang="en-US" b="1">
+                <a:latin typeface="Roboto"/>
+                <a:ea typeface="Roboto"/>
+                <a:cs typeface="Roboto"/>
+                <a:sym typeface="Roboto"/>
+              </a:rPr>
+              <a:t>1</a:t>
+            </a:r>
+            <a:endParaRPr b="1">
+              <a:latin typeface="Roboto"/>
+              <a:ea typeface="Roboto"/>
+              <a:cs typeface="Roboto"/>
+              <a:sym typeface="Roboto"/>
+            </a:endParaRPr>
+          </a:p>
+        </p:txBody>
+      </p:sp>
+      <p:sp>
+        <p:nvSpPr>
+          <p:cNvPr id="222" name="Shape 222"/>
+          <p:cNvSpPr/>
+          <p:nvPr/>
+        </p:nvSpPr>
+        <p:spPr>
+          <a:xfrm>
+            <a:off x="524675" y="4049396"/>
+            <a:ext cx="365400" cy="365400"/>
+          </a:xfrm>
+          <a:prstGeom prst="rect">
+            <a:avLst/>
+          </a:prstGeom>
+          <a:noFill/>
+          <a:ln w="19050" cap="flat" cmpd="sng">
+            <a:solidFill>
+              <a:srgbClr val="CC0000"/>
+            </a:solidFill>
+            <a:prstDash val="solid"/>
+            <a:round/>
+            <a:headEnd type="none" w="med" len="med"/>
+            <a:tailEnd type="none" w="med" len="med"/>
+          </a:ln>
+        </p:spPr>
+        <p:txBody>
+          <a:bodyPr spcFirstLastPara="1" wrap="square" lIns="91425" tIns="91425" rIns="91425" bIns="91425" anchor="ctr" anchorCtr="0">
+            <a:noAutofit/>
+          </a:bodyPr>
+          <a:lstStyle/>
+          <a:p>
+            <a:pPr marL="0" lvl="0" indent="0" algn="ctr">
+              <a:spcBef>
+                <a:spcPts val="0"/>
+              </a:spcBef>
+              <a:spcAft>
+                <a:spcPts val="0"/>
+              </a:spcAft>
+              <a:buNone/>
+            </a:pPr>
+            <a:r>
+              <a:rPr lang="en-US" b="1">
+                <a:solidFill>
+                  <a:srgbClr val="CC0000"/>
+                </a:solidFill>
+                <a:latin typeface="Roboto"/>
+                <a:ea typeface="Roboto"/>
+                <a:cs typeface="Roboto"/>
+                <a:sym typeface="Roboto"/>
+              </a:rPr>
+              <a:t>2</a:t>
+            </a:r>
+            <a:endParaRPr b="1">
+              <a:solidFill>
+                <a:srgbClr val="CC0000"/>
+              </a:solidFill>
+              <a:latin typeface="Roboto"/>
+              <a:ea typeface="Roboto"/>
+              <a:cs typeface="Roboto"/>
+              <a:sym typeface="Roboto"/>
+            </a:endParaRPr>
+          </a:p>
+        </p:txBody>
+      </p:sp>
+      <p:sp>
+        <p:nvSpPr>
+          <p:cNvPr id="223" name="Shape 223"/>
+          <p:cNvSpPr/>
+          <p:nvPr/>
+        </p:nvSpPr>
+        <p:spPr>
+          <a:xfrm>
+            <a:off x="524675" y="5344152"/>
+            <a:ext cx="365400" cy="365400"/>
+          </a:xfrm>
+          <a:prstGeom prst="rect">
+            <a:avLst/>
+          </a:prstGeom>
+          <a:noFill/>
+          <a:ln w="19050" cap="flat" cmpd="sng">
+            <a:solidFill>
+              <a:srgbClr val="262626"/>
+            </a:solidFill>
+            <a:prstDash val="solid"/>
+            <a:round/>
+            <a:headEnd type="none" w="med" len="med"/>
+            <a:tailEnd type="none" w="med" len="med"/>
+          </a:ln>
+        </p:spPr>
+        <p:txBody>
+          <a:bodyPr spcFirstLastPara="1" wrap="square" lIns="91425" tIns="91425" rIns="91425" bIns="91425" anchor="ctr" anchorCtr="0">
+            <a:noAutofit/>
+          </a:bodyPr>
+          <a:lstStyle/>
+          <a:p>
+            <a:pPr marL="0" lvl="0" indent="0" algn="ctr">
+              <a:spcBef>
+                <a:spcPts val="0"/>
+              </a:spcBef>
+              <a:spcAft>
+                <a:spcPts val="0"/>
+              </a:spcAft>
+              <a:buNone/>
+            </a:pPr>
+            <a:r>
+              <a:rPr lang="en-US" b="1">
+                <a:latin typeface="Roboto"/>
+                <a:ea typeface="Roboto"/>
+                <a:cs typeface="Roboto"/>
+                <a:sym typeface="Roboto"/>
+              </a:rPr>
+              <a:t>3</a:t>
+            </a:r>
+            <a:endParaRPr b="1">
+              <a:latin typeface="Roboto"/>
+              <a:ea typeface="Roboto"/>
+              <a:cs typeface="Roboto"/>
+              <a:sym typeface="Roboto"/>
+            </a:endParaRPr>
+          </a:p>
+        </p:txBody>
+      </p:sp>
+      <p:sp>
+        <p:nvSpPr>
+          <p:cNvPr id="224" name="Shape 224"/>
+          <p:cNvSpPr txBox="1"/>
+          <p:nvPr/>
+        </p:nvSpPr>
+        <p:spPr>
+          <a:xfrm>
+            <a:off x="1165522" y="3728096"/>
+            <a:ext cx="7444977" cy="1008000"/>
+          </a:xfrm>
+          <a:prstGeom prst="rect">
+            <a:avLst/>
+          </a:prstGeom>
+          <a:noFill/>
+          <a:ln>
+            <a:noFill/>
+          </a:ln>
+        </p:spPr>
+        <p:txBody>
+          <a:bodyPr spcFirstLastPara="1" wrap="square" lIns="91425" tIns="45700" rIns="91425" bIns="45700" anchor="ctr" anchorCtr="0">
+            <a:noAutofit/>
+          </a:bodyPr>
+          <a:lstStyle/>
+          <a:p>
+            <a:pPr lvl="0"/>
+            <a:r>
+              <a:rPr lang="en-US" sz="2000" b="1" dirty="0" err="1">
+                <a:solidFill>
+                  <a:schemeClr val="tx1"/>
+                </a:solidFill>
+                <a:latin typeface="Roboto"/>
+                <a:ea typeface="Roboto"/>
+                <a:cs typeface="Roboto"/>
+                <a:sym typeface="Roboto"/>
+              </a:rPr>
+              <a:t>AppVeyor</a:t>
+            </a:r>
+            <a:r>
+              <a:rPr lang="en-US" sz="2000" dirty="0">
+                <a:solidFill>
+                  <a:schemeClr val="tx1"/>
+                </a:solidFill>
+                <a:latin typeface="Roboto"/>
+                <a:ea typeface="Roboto"/>
+                <a:cs typeface="Roboto"/>
+                <a:sym typeface="Roboto"/>
+              </a:rPr>
+              <a:t> </a:t>
+            </a:r>
+            <a:r>
+              <a:rPr lang="ru-RU" sz="2000" dirty="0">
+                <a:solidFill>
+                  <a:schemeClr val="tx1"/>
+                </a:solidFill>
+                <a:latin typeface="Roboto"/>
+                <a:ea typeface="Roboto"/>
+                <a:cs typeface="Roboto"/>
+                <a:sym typeface="Roboto"/>
+              </a:rPr>
+              <a:t>просматривает выбраный репозиторий и когда замечает любые изменения, то вытягивает код из репозитория и собирает проект.</a:t>
+            </a:r>
+          </a:p>
+        </p:txBody>
+      </p:sp>
+      <p:sp>
+        <p:nvSpPr>
+          <p:cNvPr id="225" name="Shape 225"/>
+          <p:cNvSpPr txBox="1"/>
+          <p:nvPr/>
+        </p:nvSpPr>
+        <p:spPr>
+          <a:xfrm>
+            <a:off x="1165522" y="5022852"/>
+            <a:ext cx="7444977" cy="1008000"/>
+          </a:xfrm>
+          <a:prstGeom prst="rect">
+            <a:avLst/>
+          </a:prstGeom>
+          <a:noFill/>
+          <a:ln>
+            <a:noFill/>
+          </a:ln>
+        </p:spPr>
+        <p:txBody>
+          <a:bodyPr spcFirstLastPara="1" wrap="square" lIns="91425" tIns="45700" rIns="91425" bIns="45700" anchor="ctr" anchorCtr="0">
+            <a:noAutofit/>
+          </a:bodyPr>
+          <a:lstStyle/>
+          <a:p>
+            <a:pPr lvl="0"/>
+            <a:r>
+              <a:rPr lang="en-US" sz="2000" dirty="0" err="1">
+                <a:solidFill>
+                  <a:schemeClr val="tx1"/>
+                </a:solidFill>
+                <a:latin typeface="Roboto"/>
+                <a:ea typeface="Roboto"/>
+                <a:cs typeface="Roboto"/>
+                <a:sym typeface="Roboto"/>
+              </a:rPr>
+              <a:t>AppVeyor</a:t>
+            </a:r>
+            <a:r>
+              <a:rPr lang="en-US" sz="2000" dirty="0">
+                <a:solidFill>
+                  <a:schemeClr val="tx1"/>
+                </a:solidFill>
+                <a:latin typeface="Roboto"/>
+                <a:ea typeface="Roboto"/>
+                <a:cs typeface="Roboto"/>
+                <a:sym typeface="Roboto"/>
+              </a:rPr>
+              <a:t> </a:t>
+            </a:r>
+            <a:r>
+              <a:rPr lang="ru-RU" sz="2000" dirty="0">
+                <a:solidFill>
+                  <a:schemeClr val="tx1"/>
+                </a:solidFill>
+                <a:latin typeface="Roboto"/>
+                <a:ea typeface="Roboto"/>
+                <a:cs typeface="Roboto"/>
+                <a:sym typeface="Roboto"/>
+              </a:rPr>
+              <a:t>также емеет возможность запускать тесты, резвертывать веб-приложение и оповещать о любых ошибках в этих процессах</a:t>
+            </a:r>
+          </a:p>
+        </p:txBody>
+      </p:sp>
+      <p:sp>
+        <p:nvSpPr>
+          <p:cNvPr id="226" name="Shape 226"/>
+          <p:cNvSpPr txBox="1"/>
+          <p:nvPr/>
+        </p:nvSpPr>
+        <p:spPr>
+          <a:xfrm>
+            <a:off x="1165522" y="2418137"/>
+            <a:ext cx="7444977" cy="1012500"/>
+          </a:xfrm>
+          <a:prstGeom prst="rect">
+            <a:avLst/>
+          </a:prstGeom>
+          <a:noFill/>
+          <a:ln>
+            <a:noFill/>
+          </a:ln>
+        </p:spPr>
+        <p:txBody>
+          <a:bodyPr spcFirstLastPara="1" wrap="square" lIns="91425" tIns="45700" rIns="91425" bIns="45700" anchor="ctr" anchorCtr="0">
+            <a:noAutofit/>
+          </a:bodyPr>
+          <a:lstStyle/>
+          <a:p>
+            <a:pPr lvl="0"/>
+            <a:r>
+              <a:rPr lang="ru-RU" sz="2000" dirty="0">
+                <a:solidFill>
+                  <a:schemeClr val="tx1"/>
+                </a:solidFill>
+                <a:latin typeface="Roboto"/>
+                <a:ea typeface="Roboto"/>
+                <a:cs typeface="Roboto"/>
+                <a:sym typeface="Roboto"/>
+              </a:rPr>
+              <a:t>Это С</a:t>
+            </a:r>
+            <a:r>
+              <a:rPr lang="en-US" sz="2000" dirty="0">
+                <a:solidFill>
+                  <a:schemeClr val="tx1"/>
+                </a:solidFill>
+                <a:latin typeface="Roboto"/>
+                <a:ea typeface="Roboto"/>
+                <a:cs typeface="Roboto"/>
+                <a:sym typeface="Roboto"/>
+              </a:rPr>
+              <a:t>I/CD </a:t>
+            </a:r>
+            <a:r>
+              <a:rPr lang="ru-RU" sz="2000" dirty="0">
+                <a:solidFill>
+                  <a:schemeClr val="tx1"/>
+                </a:solidFill>
+                <a:latin typeface="Roboto"/>
+                <a:ea typeface="Roboto"/>
+                <a:cs typeface="Roboto"/>
+                <a:sym typeface="Roboto"/>
+              </a:rPr>
+              <a:t>сервис для </a:t>
+            </a:r>
+            <a:r>
+              <a:rPr lang="en-US" sz="2000" dirty="0">
+                <a:solidFill>
+                  <a:schemeClr val="tx1"/>
+                </a:solidFill>
+                <a:latin typeface="Roboto"/>
+                <a:ea typeface="Roboto"/>
+                <a:cs typeface="Roboto"/>
+                <a:sym typeface="Roboto"/>
+              </a:rPr>
+              <a:t>.NET </a:t>
+            </a:r>
+            <a:r>
+              <a:rPr lang="ru-RU" sz="2000" dirty="0">
+                <a:solidFill>
+                  <a:schemeClr val="tx1"/>
+                </a:solidFill>
+                <a:latin typeface="Roboto"/>
+                <a:ea typeface="Roboto"/>
+                <a:cs typeface="Roboto"/>
+                <a:sym typeface="Roboto"/>
+              </a:rPr>
+              <a:t>приложений. </a:t>
+            </a:r>
+          </a:p>
+        </p:txBody>
+      </p:sp>
+      <p:pic>
+        <p:nvPicPr>
+          <p:cNvPr id="227" name="Shape 227"/>
+          <p:cNvPicPr preferRelativeResize="0"/>
+          <p:nvPr/>
+        </p:nvPicPr>
+        <p:blipFill>
+          <a:blip r:embed="rId3">
+            <a:alphaModFix/>
+          </a:blip>
+          <a:stretch>
+            <a:fillRect/>
+          </a:stretch>
+        </p:blipFill>
+        <p:spPr>
+          <a:xfrm>
+            <a:off x="353700" y="302000"/>
+            <a:ext cx="1741800" cy="502875"/>
+          </a:xfrm>
+          <a:prstGeom prst="rect">
+            <a:avLst/>
+          </a:prstGeom>
+          <a:noFill/>
+          <a:ln>
+            <a:noFill/>
+          </a:ln>
+        </p:spPr>
+      </p:pic>
+      <p:sp>
+        <p:nvSpPr>
+          <p:cNvPr id="228" name="Shape 228"/>
+          <p:cNvSpPr/>
+          <p:nvPr/>
+        </p:nvSpPr>
+        <p:spPr>
+          <a:xfrm>
+            <a:off x="7145316" y="408237"/>
+            <a:ext cx="1856100" cy="290400"/>
+          </a:xfrm>
+          <a:prstGeom prst="roundRect">
+            <a:avLst>
+              <a:gd name="adj" fmla="val 0"/>
+            </a:avLst>
+          </a:prstGeom>
+          <a:noFill/>
+          <a:ln>
+            <a:noFill/>
+          </a:ln>
+        </p:spPr>
+        <p:txBody>
+          <a:bodyPr spcFirstLastPara="1" wrap="square" lIns="91425" tIns="45700" rIns="91425" bIns="45700" anchor="ctr" anchorCtr="0">
+            <a:noAutofit/>
+          </a:bodyPr>
+          <a:lstStyle/>
+          <a:p>
+            <a:pPr marL="0" marR="0" lvl="0" indent="0" algn="ctr" rtl="0">
+              <a:spcBef>
+                <a:spcPts val="0"/>
+              </a:spcBef>
+              <a:spcAft>
+                <a:spcPts val="0"/>
+              </a:spcAft>
+              <a:buClr>
+                <a:schemeClr val="lt1"/>
+              </a:buClr>
+              <a:buSzPts val="1200"/>
+              <a:buFont typeface="Arial"/>
+              <a:buNone/>
+            </a:pPr>
+            <a:r>
+              <a:rPr lang="en-US" sz="1500" b="1" i="0" strike="noStrike" cap="none">
+                <a:solidFill>
+                  <a:srgbClr val="262626"/>
+                </a:solidFill>
+                <a:latin typeface="Roboto"/>
+                <a:ea typeface="Roboto"/>
+                <a:cs typeface="Roboto"/>
+                <a:sym typeface="Roboto"/>
+              </a:rPr>
+              <a:t>www.itea.ua</a:t>
+            </a:r>
+            <a:endParaRPr sz="1500" b="1" i="0" strike="noStrike" cap="none">
+              <a:solidFill>
+                <a:srgbClr val="262626"/>
+              </a:solidFill>
+              <a:latin typeface="Roboto"/>
+              <a:ea typeface="Roboto"/>
+              <a:cs typeface="Roboto"/>
+              <a:sym typeface="Roboto"/>
+            </a:endParaRPr>
+          </a:p>
+        </p:txBody>
+      </p:sp>
+    </p:spTree>
+    <p:extLst>
+      <p:ext uri="{BB962C8B-B14F-4D97-AF65-F5344CB8AC3E}">
+        <p14:creationId xmlns:p14="http://schemas.microsoft.com/office/powerpoint/2010/main" val="4264404568"/>
+      </p:ext>
+    </p:extLst>
+  </p:cSld>
+  <p:clrMapOvr>
+    <a:masterClrMapping/>
+  </p:clrMapOvr>
+  <p:transition>
+    <p:fade/>
+  </p:transition>
+</p:sld>
+</file>
+
+<file path=ppt/slides/slide17.xml><?xml version="1.0" encoding="utf-8"?>
+<p:sld xmlns:a="http://schemas.openxmlformats.org/drawingml/2006/main" xmlns:r="http://schemas.openxmlformats.org/officeDocument/2006/relationships" xmlns:p="http://schemas.openxmlformats.org/presentationml/2006/main">
+  <p:cSld>
+    <p:spTree>
+      <p:nvGrpSpPr>
         <p:cNvPr id="1" name="Shape 218"/>
         <p:cNvGrpSpPr/>
         <p:nvPr/>
@@ -21274,7 +25338,7 @@
     </p:spTree>
     <p:extLst>
       <p:ext uri="{BB962C8B-B14F-4D97-AF65-F5344CB8AC3E}">
-        <p14:creationId xmlns:p14="http://schemas.microsoft.com/office/powerpoint/2010/main" val="4264404568"/>
+        <p14:creationId xmlns:p14="http://schemas.microsoft.com/office/powerpoint/2010/main" val="2424915360"/>
       </p:ext>
     </p:extLst>
   </p:cSld>
@@ -21287,7 +25351,7 @@
 </p:sld>
 </file>
 
-<file path=ppt/slides/slide11.xml><?xml version="1.0" encoding="utf-8"?>
+<file path=ppt/slides/slide18.xml><?xml version="1.0" encoding="utf-8"?>
 <p:sld xmlns:a="http://schemas.openxmlformats.org/drawingml/2006/main" xmlns:r="http://schemas.openxmlformats.org/officeDocument/2006/relationships" xmlns:p="http://schemas.openxmlformats.org/presentationml/2006/main">
   <p:cSld>
     <p:spTree>
@@ -22079,12 +26143,6 @@
               </a:rPr>
               <a:t> restore</a:t>
             </a:r>
-            <a:endParaRPr lang="en-US" dirty="0">
-              <a:solidFill>
-                <a:srgbClr val="D4D4D4"/>
-              </a:solidFill>
-              <a:latin typeface="Consolas" panose="020B0609020204030204" pitchFamily="49" charset="0"/>
-            </a:endParaRPr>
           </a:p>
           <a:p>
             <a:r>
@@ -22844,6 +26902,16 @@
               </a:rPr>
               <a:t>Под версионный контроль можно поместить файлы практически любого типа.</a:t>
             </a:r>
+          </a:p>
+          <a:p>
+            <a:pPr lvl="0" indent="-12700">
+              <a:spcAft>
+                <a:spcPts val="600"/>
+              </a:spcAft>
+              <a:buSzPts val="2000"/>
+              <a:buFont typeface="Noto Sans Symbols"/>
+              <a:buChar char="▪"/>
+            </a:pPr>
             <a:endParaRPr lang="ru-RU" sz="2000" dirty="0">
               <a:latin typeface="Roboto"/>
               <a:ea typeface="Roboto"/>
@@ -23223,6 +27291,21 @@
               <a:buFont typeface="Noto Sans Symbols"/>
               <a:buChar char="▪"/>
             </a:pPr>
+            <a:endParaRPr lang="ru-RU" sz="2000" dirty="0">
+              <a:latin typeface="Roboto"/>
+              <a:ea typeface="Roboto"/>
+              <a:sym typeface="Calibri"/>
+            </a:endParaRPr>
+          </a:p>
+          <a:p>
+            <a:pPr lvl="0" indent="-12700">
+              <a:spcAft>
+                <a:spcPts val="600"/>
+              </a:spcAft>
+              <a:buSzPts val="2000"/>
+              <a:buFont typeface="Noto Sans Symbols"/>
+              <a:buChar char="▪"/>
+            </a:pPr>
             <a:r>
               <a:rPr lang="ru-RU" sz="2000" dirty="0">
                 <a:latin typeface="Roboto"/>
@@ -23231,6 +27314,21 @@
               </a:rPr>
               <a:t> Это означает что каждый пользователь репозитория выкачивает полную копию репозитория. </a:t>
             </a:r>
+          </a:p>
+          <a:p>
+            <a:pPr lvl="0" indent="-12700">
+              <a:spcAft>
+                <a:spcPts val="600"/>
+              </a:spcAft>
+              <a:buSzPts val="2000"/>
+              <a:buFont typeface="Noto Sans Symbols"/>
+              <a:buChar char="▪"/>
+            </a:pPr>
+            <a:endParaRPr lang="ru-RU" sz="2000" dirty="0">
+              <a:latin typeface="Roboto"/>
+              <a:ea typeface="Roboto"/>
+              <a:sym typeface="Calibri"/>
+            </a:endParaRPr>
           </a:p>
           <a:p>
             <a:pPr lvl="0" indent="-12700">
@@ -23898,7 +27996,7 @@
         </p:nvSpPr>
         <p:spPr>
           <a:xfrm>
-            <a:off x="524675" y="2871227"/>
+            <a:off x="524675" y="2981755"/>
             <a:ext cx="365400" cy="365400"/>
           </a:xfrm>
           <a:prstGeom prst="rect">
@@ -23956,7 +28054,7 @@
         </p:nvSpPr>
         <p:spPr>
           <a:xfrm>
-            <a:off x="524675" y="4229848"/>
+            <a:off x="524675" y="4481048"/>
             <a:ext cx="365400" cy="365400"/>
           </a:xfrm>
           <a:prstGeom prst="rect">
@@ -24020,7 +28118,7 @@
         </p:nvSpPr>
         <p:spPr>
           <a:xfrm>
-            <a:off x="1165523" y="3908548"/>
+            <a:off x="1165523" y="4159748"/>
             <a:ext cx="6840900" cy="1008000"/>
           </a:xfrm>
           <a:prstGeom prst="rect">
@@ -24117,7 +28215,7 @@
         </p:nvSpPr>
         <p:spPr>
           <a:xfrm>
-            <a:off x="1165523" y="2547677"/>
+            <a:off x="1165523" y="2658205"/>
             <a:ext cx="6840900" cy="1012500"/>
           </a:xfrm>
           <a:prstGeom prst="rect">
@@ -25520,7 +29618,7 @@
   <p:cSld>
     <p:spTree>
       <p:nvGrpSpPr>
-        <p:cNvPr id="1" name="Shape 218"/>
+        <p:cNvPr id="1" name="Shape 168"/>
         <p:cNvGrpSpPr/>
         <p:nvPr/>
       </p:nvGrpSpPr>
@@ -25534,7 +29632,7 @@
       </p:grpSpPr>
       <p:sp>
         <p:nvSpPr>
-          <p:cNvPr id="220" name="Shape 220"/>
+          <p:cNvPr id="169" name="Shape 169"/>
           <p:cNvSpPr txBox="1">
             <a:spLocks noGrp="1"/>
           </p:cNvSpPr>
@@ -25544,8 +29642,8 @@
         </p:nvSpPr>
         <p:spPr>
           <a:xfrm>
-            <a:off x="419900" y="1289063"/>
-            <a:ext cx="8190600" cy="1143000"/>
+            <a:off x="457199" y="1197610"/>
+            <a:ext cx="4587073" cy="590400"/>
           </a:xfrm>
           <a:prstGeom prst="rect">
             <a:avLst/>
@@ -25561,9 +29659,22 @@
           </a:bodyPr>
           <a:lstStyle/>
           <a:p>
-            <a:pPr lvl="0" algn="l"/>
+            <a:pPr marL="0" marR="0" lvl="0" indent="0" algn="l" rtl="0">
+              <a:spcBef>
+                <a:spcPts val="0"/>
+              </a:spcBef>
+              <a:spcAft>
+                <a:spcPts val="0"/>
+              </a:spcAft>
+              <a:buClr>
+                <a:schemeClr val="dk1"/>
+              </a:buClr>
+              <a:buSzPts val="4400"/>
+              <a:buFont typeface="Calibri"/>
+              <a:buNone/>
+            </a:pPr>
             <a:r>
-              <a:rPr lang="en-US" sz="4100" b="1" dirty="0">
+              <a:rPr lang="ru-RU" sz="3600" b="1" i="0" u="none" strike="noStrike" cap="none" dirty="0">
                 <a:solidFill>
                   <a:srgbClr val="262626"/>
                 </a:solidFill>
@@ -25572,356 +29683,23 @@
                 <a:cs typeface="Roboto"/>
                 <a:sym typeface="Roboto"/>
               </a:rPr>
-              <a:t>Continuous Integration (CI) </a:t>
+              <a:t>Понятие ветки в </a:t>
             </a:r>
-            <a:endParaRPr sz="4100" b="1" i="0" u="none" strike="noStrike" cap="none" dirty="0">
-              <a:solidFill>
-                <a:schemeClr val="dk1"/>
-              </a:solidFill>
-              <a:latin typeface="Roboto"/>
-              <a:ea typeface="Roboto"/>
-              <a:cs typeface="Roboto"/>
-              <a:sym typeface="Roboto"/>
-            </a:endParaRPr>
-          </a:p>
-        </p:txBody>
-      </p:sp>
-      <p:sp>
-        <p:nvSpPr>
-          <p:cNvPr id="221" name="Shape 221"/>
-          <p:cNvSpPr/>
-          <p:nvPr/>
-        </p:nvSpPr>
-        <p:spPr>
-          <a:xfrm>
-            <a:off x="524675" y="2598466"/>
-            <a:ext cx="365400" cy="365400"/>
-          </a:xfrm>
-          <a:prstGeom prst="rect">
-            <a:avLst/>
-          </a:prstGeom>
-          <a:noFill/>
-          <a:ln w="19050" cap="flat" cmpd="sng">
-            <a:solidFill>
-              <a:srgbClr val="262626"/>
-            </a:solidFill>
-            <a:prstDash val="solid"/>
-            <a:round/>
-            <a:headEnd type="none" w="med" len="med"/>
-            <a:tailEnd type="none" w="med" len="med"/>
-          </a:ln>
-        </p:spPr>
-        <p:txBody>
-          <a:bodyPr spcFirstLastPara="1" wrap="square" lIns="91425" tIns="91425" rIns="91425" bIns="91425" anchor="ctr" anchorCtr="0">
-            <a:noAutofit/>
-          </a:bodyPr>
-          <a:lstStyle/>
-          <a:p>
-            <a:pPr marL="0" lvl="0" indent="0" algn="ctr">
-              <a:spcBef>
-                <a:spcPts val="0"/>
-              </a:spcBef>
-              <a:spcAft>
-                <a:spcPts val="0"/>
-              </a:spcAft>
-              <a:buNone/>
-            </a:pPr>
             <a:r>
-              <a:rPr lang="en-US" b="1">
+              <a:rPr lang="en-US" sz="3600" b="1" dirty="0">
+                <a:solidFill>
+                  <a:srgbClr val="262626"/>
+                </a:solidFill>
                 <a:latin typeface="Roboto"/>
                 <a:ea typeface="Roboto"/>
                 <a:cs typeface="Roboto"/>
                 <a:sym typeface="Roboto"/>
               </a:rPr>
-              <a:t>1</a:t>
+              <a:t>Git</a:t>
             </a:r>
-            <a:endParaRPr b="1">
-              <a:latin typeface="Roboto"/>
-              <a:ea typeface="Roboto"/>
-              <a:cs typeface="Roboto"/>
-              <a:sym typeface="Roboto"/>
-            </a:endParaRPr>
-          </a:p>
-        </p:txBody>
-      </p:sp>
-      <p:sp>
-        <p:nvSpPr>
-          <p:cNvPr id="222" name="Shape 222"/>
-          <p:cNvSpPr/>
-          <p:nvPr/>
-        </p:nvSpPr>
-        <p:spPr>
-          <a:xfrm>
-            <a:off x="510702" y="5198800"/>
-            <a:ext cx="365400" cy="365400"/>
-          </a:xfrm>
-          <a:prstGeom prst="rect">
-            <a:avLst/>
-          </a:prstGeom>
-          <a:noFill/>
-          <a:ln w="19050" cap="flat" cmpd="sng">
-            <a:solidFill>
-              <a:srgbClr val="CC0000"/>
-            </a:solidFill>
-            <a:prstDash val="solid"/>
-            <a:round/>
-            <a:headEnd type="none" w="med" len="med"/>
-            <a:tailEnd type="none" w="med" len="med"/>
-          </a:ln>
-        </p:spPr>
-        <p:txBody>
-          <a:bodyPr spcFirstLastPara="1" wrap="square" lIns="91425" tIns="91425" rIns="91425" bIns="91425" anchor="ctr" anchorCtr="0">
-            <a:noAutofit/>
-          </a:bodyPr>
-          <a:lstStyle/>
-          <a:p>
-            <a:pPr marL="0" lvl="0" indent="0" algn="ctr">
-              <a:spcBef>
-                <a:spcPts val="0"/>
-              </a:spcBef>
-              <a:spcAft>
-                <a:spcPts val="0"/>
-              </a:spcAft>
-              <a:buNone/>
-            </a:pPr>
-            <a:r>
-              <a:rPr lang="en-US" b="1" dirty="0">
-                <a:solidFill>
-                  <a:srgbClr val="CC0000"/>
-                </a:solidFill>
-                <a:latin typeface="Roboto"/>
-                <a:ea typeface="Roboto"/>
-                <a:cs typeface="Roboto"/>
-                <a:sym typeface="Roboto"/>
-              </a:rPr>
-              <a:t>4</a:t>
-            </a:r>
-            <a:endParaRPr b="1" dirty="0">
+            <a:endParaRPr sz="3600" b="1" i="0" u="none" strike="noStrike" cap="none" dirty="0">
               <a:solidFill>
-                <a:srgbClr val="CC0000"/>
-              </a:solidFill>
-              <a:latin typeface="Roboto"/>
-              <a:ea typeface="Roboto"/>
-              <a:cs typeface="Roboto"/>
-              <a:sym typeface="Roboto"/>
-            </a:endParaRPr>
-          </a:p>
-        </p:txBody>
-      </p:sp>
-      <p:sp>
-        <p:nvSpPr>
-          <p:cNvPr id="223" name="Shape 223"/>
-          <p:cNvSpPr/>
-          <p:nvPr/>
-        </p:nvSpPr>
-        <p:spPr>
-          <a:xfrm>
-            <a:off x="510702" y="6035437"/>
-            <a:ext cx="365400" cy="365400"/>
-          </a:xfrm>
-          <a:prstGeom prst="rect">
-            <a:avLst/>
-          </a:prstGeom>
-          <a:noFill/>
-          <a:ln w="19050" cap="flat" cmpd="sng">
-            <a:solidFill>
-              <a:srgbClr val="262626"/>
-            </a:solidFill>
-            <a:prstDash val="solid"/>
-            <a:round/>
-            <a:headEnd type="none" w="med" len="med"/>
-            <a:tailEnd type="none" w="med" len="med"/>
-          </a:ln>
-        </p:spPr>
-        <p:txBody>
-          <a:bodyPr spcFirstLastPara="1" wrap="square" lIns="91425" tIns="91425" rIns="91425" bIns="91425" anchor="ctr" anchorCtr="0">
-            <a:noAutofit/>
-          </a:bodyPr>
-          <a:lstStyle/>
-          <a:p>
-            <a:pPr marL="0" lvl="0" indent="0" algn="ctr">
-              <a:spcBef>
-                <a:spcPts val="0"/>
-              </a:spcBef>
-              <a:spcAft>
-                <a:spcPts val="0"/>
-              </a:spcAft>
-              <a:buNone/>
-            </a:pPr>
-            <a:r>
-              <a:rPr lang="en-US" b="1" dirty="0">
-                <a:latin typeface="Roboto"/>
-                <a:ea typeface="Roboto"/>
-                <a:cs typeface="Roboto"/>
-                <a:sym typeface="Roboto"/>
-              </a:rPr>
-              <a:t>5</a:t>
-            </a:r>
-            <a:endParaRPr b="1" dirty="0">
-              <a:latin typeface="Roboto"/>
-              <a:ea typeface="Roboto"/>
-              <a:cs typeface="Roboto"/>
-              <a:sym typeface="Roboto"/>
-            </a:endParaRPr>
-          </a:p>
-        </p:txBody>
-      </p:sp>
-      <p:sp>
-        <p:nvSpPr>
-          <p:cNvPr id="224" name="Shape 224"/>
-          <p:cNvSpPr txBox="1"/>
-          <p:nvPr/>
-        </p:nvSpPr>
-        <p:spPr>
-          <a:xfrm>
-            <a:off x="1151549" y="4888517"/>
-            <a:ext cx="7558577" cy="1008000"/>
-          </a:xfrm>
-          <a:prstGeom prst="rect">
-            <a:avLst/>
-          </a:prstGeom>
-          <a:noFill/>
-          <a:ln>
-            <a:noFill/>
-          </a:ln>
-        </p:spPr>
-        <p:txBody>
-          <a:bodyPr spcFirstLastPara="1" wrap="square" lIns="91425" tIns="45700" rIns="91425" bIns="45700" anchor="ctr" anchorCtr="0">
-            <a:noAutofit/>
-          </a:bodyPr>
-          <a:lstStyle/>
-          <a:p>
-            <a:pPr lvl="0">
-              <a:buClr>
                 <a:srgbClr val="262626"/>
-              </a:buClr>
-              <a:buSzPts val="2000"/>
-            </a:pPr>
-            <a:r>
-              <a:rPr lang="ru-RU" sz="1800" dirty="0">
-                <a:latin typeface="Roboto"/>
-                <a:ea typeface="Roboto"/>
-                <a:cs typeface="Roboto"/>
-                <a:sym typeface="Roboto"/>
-              </a:rPr>
-              <a:t>Для автоматизации сборки используют</a:t>
-            </a:r>
-            <a:r>
-              <a:rPr lang="en-US" sz="1800" dirty="0">
-                <a:latin typeface="Roboto"/>
-                <a:ea typeface="Roboto"/>
-                <a:cs typeface="Roboto"/>
-                <a:sym typeface="Roboto"/>
-              </a:rPr>
-              <a:t> CI Tools.</a:t>
-            </a:r>
-            <a:endParaRPr sz="1800" i="0" u="none" strike="noStrike" cap="none" dirty="0">
-              <a:solidFill>
-                <a:srgbClr val="A5A5A5"/>
-              </a:solidFill>
-              <a:latin typeface="Roboto"/>
-              <a:ea typeface="Roboto"/>
-              <a:cs typeface="Roboto"/>
-              <a:sym typeface="Roboto"/>
-            </a:endParaRPr>
-          </a:p>
-        </p:txBody>
-      </p:sp>
-      <p:sp>
-        <p:nvSpPr>
-          <p:cNvPr id="225" name="Shape 225"/>
-          <p:cNvSpPr txBox="1"/>
-          <p:nvPr/>
-        </p:nvSpPr>
-        <p:spPr>
-          <a:xfrm>
-            <a:off x="1151549" y="5714137"/>
-            <a:ext cx="7558577" cy="1008000"/>
-          </a:xfrm>
-          <a:prstGeom prst="rect">
-            <a:avLst/>
-          </a:prstGeom>
-          <a:noFill/>
-          <a:ln>
-            <a:noFill/>
-          </a:ln>
-        </p:spPr>
-        <p:txBody>
-          <a:bodyPr spcFirstLastPara="1" wrap="square" lIns="91425" tIns="45700" rIns="91425" bIns="45700" anchor="ctr" anchorCtr="0">
-            <a:noAutofit/>
-          </a:bodyPr>
-          <a:lstStyle/>
-          <a:p>
-            <a:pPr lvl="0">
-              <a:buSzPts val="2000"/>
-            </a:pPr>
-            <a:r>
-              <a:rPr lang="ru-RU" sz="1800" dirty="0">
-                <a:latin typeface="Roboto"/>
-                <a:ea typeface="Roboto"/>
-                <a:cs typeface="Roboto"/>
-                <a:sym typeface="Roboto"/>
-              </a:rPr>
-              <a:t>Одним из таких средств и является </a:t>
-            </a:r>
-            <a:r>
-              <a:rPr lang="en-US" sz="1800" dirty="0" err="1">
-                <a:latin typeface="Roboto"/>
-                <a:ea typeface="Roboto"/>
-                <a:cs typeface="Roboto"/>
-                <a:sym typeface="Roboto"/>
-              </a:rPr>
-              <a:t>AppVeyor</a:t>
-            </a:r>
-            <a:endParaRPr lang="en-US" sz="1800" dirty="0">
-              <a:latin typeface="Roboto"/>
-              <a:ea typeface="Roboto"/>
-              <a:cs typeface="Roboto"/>
-              <a:sym typeface="Roboto"/>
-            </a:endParaRPr>
-          </a:p>
-        </p:txBody>
-      </p:sp>
-      <p:sp>
-        <p:nvSpPr>
-          <p:cNvPr id="226" name="Shape 226"/>
-          <p:cNvSpPr txBox="1"/>
-          <p:nvPr/>
-        </p:nvSpPr>
-        <p:spPr>
-          <a:xfrm>
-            <a:off x="1165522" y="2274916"/>
-            <a:ext cx="7558577" cy="1143000"/>
-          </a:xfrm>
-          <a:prstGeom prst="rect">
-            <a:avLst/>
-          </a:prstGeom>
-          <a:noFill/>
-          <a:ln>
-            <a:noFill/>
-          </a:ln>
-        </p:spPr>
-        <p:txBody>
-          <a:bodyPr spcFirstLastPara="1" wrap="square" lIns="91425" tIns="45700" rIns="91425" bIns="45700" anchor="ctr" anchorCtr="0">
-            <a:noAutofit/>
-          </a:bodyPr>
-          <a:lstStyle/>
-          <a:p>
-            <a:pPr lvl="0">
-              <a:buSzPts val="2000"/>
-            </a:pPr>
-            <a:r>
-              <a:rPr lang="ru-RU" sz="1800" dirty="0">
-                <a:latin typeface="Roboto"/>
-                <a:ea typeface="Roboto"/>
-                <a:cs typeface="Roboto"/>
-                <a:sym typeface="Roboto"/>
-              </a:rPr>
-              <a:t>Это практика разработки, при которой изменения от разных разработчиков в команде как можно чаще заливаются в основную ветку. </a:t>
-            </a:r>
-            <a:endParaRPr sz="1800" i="0" u="none" strike="noStrike" cap="none" dirty="0">
-              <a:solidFill>
-                <a:srgbClr val="A5A5A5"/>
               </a:solidFill>
               <a:latin typeface="Roboto"/>
               <a:ea typeface="Roboto"/>
@@ -25933,7 +29711,7 @@
       </p:sp>
       <p:pic>
         <p:nvPicPr>
-          <p:cNvPr id="227" name="Shape 227"/>
+          <p:cNvPr id="176" name="Shape 176"/>
           <p:cNvPicPr preferRelativeResize="0"/>
           <p:nvPr/>
         </p:nvPicPr>
@@ -25961,145 +29739,10 @@
       </p:pic>
       <p:sp>
         <p:nvSpPr>
-          <p:cNvPr id="228" name="Shape 228"/>
-          <p:cNvSpPr/>
-          <p:nvPr/>
-        </p:nvSpPr>
-        <p:spPr>
-          <a:xfrm>
-            <a:off x="7145316" y="408237"/>
-            <a:ext cx="1856100" cy="290400"/>
-          </a:xfrm>
-          <a:prstGeom prst="roundRect">
-            <a:avLst>
-              <a:gd name="adj" fmla="val 0"/>
-            </a:avLst>
-          </a:prstGeom>
-          <a:noFill/>
-          <a:ln>
-            <a:noFill/>
-          </a:ln>
-        </p:spPr>
-        <p:txBody>
-          <a:bodyPr spcFirstLastPara="1" wrap="square" lIns="91425" tIns="45700" rIns="91425" bIns="45700" anchor="ctr" anchorCtr="0">
-            <a:noAutofit/>
-          </a:bodyPr>
-          <a:lstStyle/>
-          <a:p>
-            <a:pPr marL="0" marR="0" lvl="0" indent="0" algn="ctr" rtl="0">
-              <a:spcBef>
-                <a:spcPts val="0"/>
-              </a:spcBef>
-              <a:spcAft>
-                <a:spcPts val="0"/>
-              </a:spcAft>
-              <a:buClr>
-                <a:schemeClr val="lt1"/>
-              </a:buClr>
-              <a:buSzPts val="1200"/>
-              <a:buFont typeface="Arial"/>
-              <a:buNone/>
-            </a:pPr>
-            <a:r>
-              <a:rPr lang="en-US" sz="1500" b="1" i="0" strike="noStrike" cap="none">
-                <a:solidFill>
-                  <a:srgbClr val="262626"/>
-                </a:solidFill>
-                <a:latin typeface="Roboto"/>
-                <a:ea typeface="Roboto"/>
-                <a:cs typeface="Roboto"/>
-                <a:sym typeface="Roboto"/>
-              </a:rPr>
-              <a:t>www.itea.ua</a:t>
-            </a:r>
-            <a:endParaRPr sz="1500" b="1" i="0" strike="noStrike" cap="none">
-              <a:solidFill>
-                <a:srgbClr val="262626"/>
-              </a:solidFill>
-              <a:latin typeface="Roboto"/>
-              <a:ea typeface="Roboto"/>
-              <a:cs typeface="Roboto"/>
-              <a:sym typeface="Roboto"/>
-            </a:endParaRPr>
-          </a:p>
-        </p:txBody>
-      </p:sp>
-      <p:sp>
-        <p:nvSpPr>
-          <p:cNvPr id="13" name="Shape 222">
+          <p:cNvPr id="11" name="Shape 163">
             <a:extLst>
               <a:ext uri="{FF2B5EF4-FFF2-40B4-BE49-F238E27FC236}">
-                <a16:creationId xmlns:a16="http://schemas.microsoft.com/office/drawing/2014/main" id="{1C8F2FF8-FBD2-4063-B948-28C16392DAB9}"/>
-              </a:ext>
-            </a:extLst>
-          </p:cNvPr>
-          <p:cNvSpPr/>
-          <p:nvPr/>
-        </p:nvSpPr>
-        <p:spPr>
-          <a:xfrm>
-            <a:off x="524675" y="3508762"/>
-            <a:ext cx="365400" cy="365400"/>
-          </a:xfrm>
-          <a:prstGeom prst="rect">
-            <a:avLst/>
-          </a:prstGeom>
-          <a:noFill/>
-          <a:ln w="19050" cap="flat" cmpd="sng">
-            <a:solidFill>
-              <a:srgbClr val="CC0000"/>
-            </a:solidFill>
-            <a:prstDash val="solid"/>
-            <a:round/>
-            <a:headEnd type="none" w="med" len="med"/>
-            <a:tailEnd type="none" w="med" len="med"/>
-          </a:ln>
-        </p:spPr>
-        <p:txBody>
-          <a:bodyPr spcFirstLastPara="1" wrap="square" lIns="91425" tIns="91425" rIns="91425" bIns="91425" anchor="ctr" anchorCtr="0">
-            <a:noAutofit/>
-          </a:bodyPr>
-          <a:lstStyle/>
-          <a:p>
-            <a:pPr marL="0" lvl="0" indent="0" algn="ctr">
-              <a:spcBef>
-                <a:spcPts val="0"/>
-              </a:spcBef>
-              <a:spcAft>
-                <a:spcPts val="0"/>
-              </a:spcAft>
-              <a:buNone/>
-            </a:pPr>
-            <a:r>
-              <a:rPr lang="en-US" b="1">
-                <a:solidFill>
-                  <a:srgbClr val="CC0000"/>
-                </a:solidFill>
-                <a:latin typeface="Roboto"/>
-                <a:ea typeface="Roboto"/>
-                <a:cs typeface="Roboto"/>
-                <a:sym typeface="Roboto"/>
-              </a:rPr>
-              <a:t>2</a:t>
-            </a:r>
-            <a:endParaRPr b="1">
-              <a:solidFill>
-                <a:srgbClr val="CC0000"/>
-              </a:solidFill>
-              <a:latin typeface="Roboto"/>
-              <a:ea typeface="Roboto"/>
-              <a:cs typeface="Roboto"/>
-              <a:sym typeface="Roboto"/>
-            </a:endParaRPr>
-          </a:p>
-        </p:txBody>
-      </p:sp>
-      <p:sp>
-        <p:nvSpPr>
-          <p:cNvPr id="14" name="Shape 224">
-            <a:extLst>
-              <a:ext uri="{FF2B5EF4-FFF2-40B4-BE49-F238E27FC236}">
-                <a16:creationId xmlns:a16="http://schemas.microsoft.com/office/drawing/2014/main" id="{49F6C46D-1B45-418B-8E1F-7C0CE01DAD62}"/>
+                <a16:creationId xmlns:a16="http://schemas.microsoft.com/office/drawing/2014/main" id="{0A5B0CC1-2514-48C5-9C86-3B6B6A79FBBD}"/>
               </a:ext>
             </a:extLst>
           </p:cNvPr>
@@ -26108,8 +29751,8 @@
         </p:nvSpPr>
         <p:spPr>
           <a:xfrm>
-            <a:off x="1165522" y="3209496"/>
-            <a:ext cx="7558577" cy="1008000"/>
+            <a:off x="517488" y="1904421"/>
+            <a:ext cx="4175012" cy="4516477"/>
           </a:xfrm>
           <a:prstGeom prst="rect">
             <a:avLst/>
@@ -26125,60 +29768,153 @@
           </a:bodyPr>
           <a:lstStyle/>
           <a:p>
-            <a:pPr marL="0" marR="0" lvl="0" indent="0" algn="l" rtl="0">
-              <a:spcBef>
-                <a:spcPts val="0"/>
-              </a:spcBef>
-              <a:spcAft>
-                <a:spcPts val="0"/>
-              </a:spcAft>
-              <a:buClr>
-                <a:srgbClr val="262626"/>
-              </a:buClr>
+            <a:pPr marL="0" marR="0" lvl="0" indent="-12700" algn="l" rtl="0">
+              <a:spcBef>
+                <a:spcPts val="0"/>
+              </a:spcBef>
+              <a:spcAft>
+                <a:spcPts val="1200"/>
+              </a:spcAft>
               <a:buSzPts val="2000"/>
-              <a:buFont typeface="Arial"/>
-              <a:buNone/>
+              <a:buFont typeface="Noto Sans Symbols"/>
+              <a:buChar char="▪"/>
             </a:pPr>
             <a:r>
-              <a:rPr lang="ru-RU" sz="1800" dirty="0">
-                <a:solidFill>
-                  <a:srgbClr val="262626"/>
-                </a:solidFill>
+              <a:rPr lang="ru-RU" sz="2000" dirty="0">
                 <a:latin typeface="Roboto"/>
                 <a:ea typeface="Roboto"/>
                 <a:cs typeface="Roboto"/>
                 <a:sym typeface="Roboto"/>
               </a:rPr>
-              <a:t>Такая практика препятствуюет большим </a:t>
+              <a:t>  Каждый коммит является полноценным слепком репозитория</a:t>
             </a:r>
+          </a:p>
+          <a:p>
+            <a:pPr marL="0" marR="0" lvl="0" indent="-12700" algn="l" rtl="0">
+              <a:spcBef>
+                <a:spcPts val="0"/>
+              </a:spcBef>
+              <a:spcAft>
+                <a:spcPts val="1200"/>
+              </a:spcAft>
+              <a:buSzPts val="2000"/>
+              <a:buFont typeface="Noto Sans Symbols"/>
+              <a:buChar char="▪"/>
+            </a:pPr>
+            <a:endParaRPr lang="ru-RU" sz="800" dirty="0">
+              <a:latin typeface="Roboto"/>
+              <a:ea typeface="Roboto"/>
+              <a:cs typeface="Roboto"/>
+              <a:sym typeface="Roboto"/>
+            </a:endParaRPr>
+          </a:p>
+          <a:p>
+            <a:pPr marL="0" marR="0" lvl="0" indent="-12700" algn="l" rtl="0">
+              <a:spcBef>
+                <a:spcPts val="0"/>
+              </a:spcBef>
+              <a:spcAft>
+                <a:spcPts val="1200"/>
+              </a:spcAft>
+              <a:buSzPts val="2000"/>
+              <a:buFont typeface="Noto Sans Symbols"/>
+              <a:buChar char="▪"/>
+            </a:pPr>
             <a:r>
-              <a:rPr lang="en-US" sz="1800" dirty="0">
-                <a:solidFill>
-                  <a:srgbClr val="262626"/>
-                </a:solidFill>
+              <a:rPr lang="ru-RU" sz="2000" dirty="0">
                 <a:latin typeface="Roboto"/>
                 <a:ea typeface="Roboto"/>
                 <a:cs typeface="Roboto"/>
                 <a:sym typeface="Roboto"/>
               </a:rPr>
-              <a:t>merge</a:t>
+              <a:t> Набор последовательных коммитов можно изобразить в виде следующего графа (рис.). </a:t>
             </a:r>
-            <a:r>
-              <a:rPr lang="ru-RU" sz="1800" dirty="0">
-                <a:solidFill>
-                  <a:srgbClr val="262626"/>
-                </a:solidFill>
+            <a:br>
+              <a:rPr lang="ru-RU" sz="2000" dirty="0">
                 <a:latin typeface="Roboto"/>
                 <a:ea typeface="Roboto"/>
                 <a:cs typeface="Roboto"/>
                 <a:sym typeface="Roboto"/>
               </a:rPr>
-              <a:t>-конфликтам при слиянии.</a:t>
+            </a:br>
+            <a:r>
+              <a:rPr lang="ru-RU" sz="2000" dirty="0">
+                <a:latin typeface="Roboto"/>
+                <a:ea typeface="Roboto"/>
+                <a:cs typeface="Roboto"/>
+                <a:sym typeface="Roboto"/>
+              </a:rPr>
+              <a:t>В контексте </a:t>
             </a:r>
-            <a:endParaRPr sz="1800" i="0" u="none" strike="noStrike" cap="none" dirty="0">
-              <a:solidFill>
-                <a:srgbClr val="A5A5A5"/>
-              </a:solidFill>
+            <a:r>
+              <a:rPr lang="en-US" sz="2000" dirty="0">
+                <a:latin typeface="Roboto"/>
+                <a:ea typeface="Roboto"/>
+                <a:cs typeface="Roboto"/>
+                <a:sym typeface="Roboto"/>
+              </a:rPr>
+              <a:t>Git </a:t>
+            </a:r>
+            <a:r>
+              <a:rPr lang="ru-RU" sz="2000" dirty="0">
+                <a:latin typeface="Roboto"/>
+                <a:ea typeface="Roboto"/>
+                <a:cs typeface="Roboto"/>
+                <a:sym typeface="Roboto"/>
+              </a:rPr>
+              <a:t>такой граф называют веткой.</a:t>
+            </a:r>
+          </a:p>
+          <a:p>
+            <a:pPr marL="0" marR="0" lvl="0" indent="-12700" algn="l" rtl="0">
+              <a:spcBef>
+                <a:spcPts val="0"/>
+              </a:spcBef>
+              <a:spcAft>
+                <a:spcPts val="1200"/>
+              </a:spcAft>
+              <a:buSzPts val="2000"/>
+              <a:buFont typeface="Noto Sans Symbols"/>
+              <a:buChar char="▪"/>
+            </a:pPr>
+            <a:endParaRPr lang="en-US" sz="800" dirty="0">
+              <a:latin typeface="Roboto"/>
+              <a:ea typeface="Roboto"/>
+              <a:cs typeface="Roboto"/>
+              <a:sym typeface="Roboto"/>
+            </a:endParaRPr>
+          </a:p>
+          <a:p>
+            <a:pPr marL="0" marR="0" lvl="0" indent="-12700" algn="l" rtl="0">
+              <a:spcBef>
+                <a:spcPts val="0"/>
+              </a:spcBef>
+              <a:spcAft>
+                <a:spcPts val="1200"/>
+              </a:spcAft>
+              <a:buSzPts val="2000"/>
+              <a:buFont typeface="Noto Sans Symbols"/>
+              <a:buChar char="▪"/>
+            </a:pPr>
+            <a:r>
+              <a:rPr lang="en-US" sz="2000" dirty="0">
+                <a:latin typeface="Roboto"/>
+                <a:ea typeface="Roboto"/>
+                <a:cs typeface="Roboto"/>
+                <a:sym typeface="Roboto"/>
+              </a:rPr>
+              <a:t> </a:t>
+            </a:r>
+            <a:r>
+              <a:rPr lang="ru-RU" sz="2000" dirty="0">
+                <a:latin typeface="Roboto"/>
+                <a:ea typeface="Roboto"/>
+                <a:cs typeface="Roboto"/>
+                <a:sym typeface="Roboto"/>
+              </a:rPr>
+              <a:t>Ветка всегда указывает на последний коммит в ней</a:t>
+            </a:r>
+            <a:endParaRPr lang="en-US" sz="2000" dirty="0">
               <a:latin typeface="Roboto"/>
               <a:ea typeface="Roboto"/>
               <a:cs typeface="Roboto"/>
@@ -26187,140 +29923,57 @@
           </a:p>
         </p:txBody>
       </p:sp>
-      <p:sp>
-        <p:nvSpPr>
-          <p:cNvPr id="17" name="Shape 223">
+      <p:pic>
+        <p:nvPicPr>
+          <p:cNvPr id="2050" name="Picture 2">
             <a:extLst>
               <a:ext uri="{FF2B5EF4-FFF2-40B4-BE49-F238E27FC236}">
-                <a16:creationId xmlns:a16="http://schemas.microsoft.com/office/drawing/2014/main" id="{FFFDD4FC-467C-4252-BC3C-2D454E3D0E34}"/>
+                <a16:creationId xmlns:a16="http://schemas.microsoft.com/office/drawing/2014/main" id="{0DD1A14A-909A-4B91-A24E-804DC122CE32}"/>
               </a:ext>
             </a:extLst>
           </p:cNvPr>
-          <p:cNvSpPr/>
+          <p:cNvPicPr>
+            <a:picLocks noChangeAspect="1" noChangeArrowheads="1"/>
+          </p:cNvPicPr>
           <p:nvPr/>
-        </p:nvSpPr>
-        <p:spPr>
+        </p:nvPicPr>
+        <p:blipFill>
+          <a:blip r:embed="rId4">
+            <a:extLst>
+              <a:ext uri="{28A0092B-C50C-407E-A947-70E740481C1C}">
+                <a14:useLocalDpi xmlns:a14="http://schemas.microsoft.com/office/drawing/2010/main" val="0"/>
+              </a:ext>
+            </a:extLst>
+          </a:blip>
+          <a:srcRect/>
+          <a:stretch>
+            <a:fillRect/>
+          </a:stretch>
+        </p:blipFill>
+        <p:spPr bwMode="auto">
           <a:xfrm>
-            <a:off x="524675" y="4370159"/>
-            <a:ext cx="365400" cy="365400"/>
+            <a:off x="5451249" y="0"/>
+            <a:ext cx="2682875" cy="6858000"/>
           </a:xfrm>
           <a:prstGeom prst="rect">
             <a:avLst/>
           </a:prstGeom>
           <a:noFill/>
-          <a:ln w="19050" cap="flat" cmpd="sng">
-            <a:solidFill>
-              <a:srgbClr val="262626"/>
-            </a:solidFill>
-            <a:prstDash val="solid"/>
-            <a:round/>
-            <a:headEnd type="none" w="med" len="med"/>
-            <a:tailEnd type="none" w="med" len="med"/>
-          </a:ln>
+          <a:extLst>
+            <a:ext uri="{909E8E84-426E-40DD-AFC4-6F175D3DCCD1}">
+              <a14:hiddenFill xmlns:a14="http://schemas.microsoft.com/office/drawing/2010/main">
+                <a:solidFill>
+                  <a:srgbClr val="FFFFFF"/>
+                </a:solidFill>
+              </a14:hiddenFill>
+            </a:ext>
+          </a:extLst>
         </p:spPr>
-        <p:txBody>
-          <a:bodyPr spcFirstLastPara="1" wrap="square" lIns="91425" tIns="91425" rIns="91425" bIns="91425" anchor="ctr" anchorCtr="0">
-            <a:noAutofit/>
-          </a:bodyPr>
-          <a:lstStyle/>
-          <a:p>
-            <a:pPr marL="0" lvl="0" indent="0" algn="ctr">
-              <a:spcBef>
-                <a:spcPts val="0"/>
-              </a:spcBef>
-              <a:spcAft>
-                <a:spcPts val="0"/>
-              </a:spcAft>
-              <a:buNone/>
-            </a:pPr>
-            <a:r>
-              <a:rPr lang="en-US" b="1">
-                <a:latin typeface="Roboto"/>
-                <a:ea typeface="Roboto"/>
-                <a:cs typeface="Roboto"/>
-                <a:sym typeface="Roboto"/>
-              </a:rPr>
-              <a:t>3</a:t>
-            </a:r>
-            <a:endParaRPr b="1">
-              <a:latin typeface="Roboto"/>
-              <a:ea typeface="Roboto"/>
-              <a:cs typeface="Roboto"/>
-              <a:sym typeface="Roboto"/>
-            </a:endParaRPr>
-          </a:p>
-        </p:txBody>
-      </p:sp>
-      <p:sp>
-        <p:nvSpPr>
-          <p:cNvPr id="18" name="Shape 225">
-            <a:extLst>
-              <a:ext uri="{FF2B5EF4-FFF2-40B4-BE49-F238E27FC236}">
-                <a16:creationId xmlns:a16="http://schemas.microsoft.com/office/drawing/2014/main" id="{3681A63C-463F-46B5-A4B3-B11574159112}"/>
-              </a:ext>
-            </a:extLst>
-          </p:cNvPr>
-          <p:cNvSpPr txBox="1"/>
-          <p:nvPr/>
-        </p:nvSpPr>
-        <p:spPr>
-          <a:xfrm>
-            <a:off x="1165522" y="3949706"/>
-            <a:ext cx="7558577" cy="1008000"/>
-          </a:xfrm>
-          <a:prstGeom prst="rect">
-            <a:avLst/>
-          </a:prstGeom>
-          <a:noFill/>
-          <a:ln>
-            <a:noFill/>
-          </a:ln>
-        </p:spPr>
-        <p:txBody>
-          <a:bodyPr spcFirstLastPara="1" wrap="square" lIns="91425" tIns="45700" rIns="91425" bIns="45700" anchor="ctr" anchorCtr="0">
-            <a:noAutofit/>
-          </a:bodyPr>
-          <a:lstStyle/>
-          <a:p>
-            <a:pPr lvl="0">
-              <a:buSzPts val="2000"/>
-            </a:pPr>
-            <a:endParaRPr lang="ru-RU" sz="1800" dirty="0">
-              <a:latin typeface="Roboto"/>
-              <a:ea typeface="Roboto"/>
-              <a:cs typeface="Roboto"/>
-              <a:sym typeface="Roboto"/>
-            </a:endParaRPr>
-          </a:p>
-          <a:p>
-            <a:pPr lvl="0">
-              <a:buSzPts val="2000"/>
-            </a:pPr>
-            <a:r>
-              <a:rPr lang="ru-RU" sz="1800" dirty="0">
-                <a:latin typeface="Roboto"/>
-                <a:ea typeface="Roboto"/>
-                <a:cs typeface="Roboto"/>
-                <a:sym typeface="Roboto"/>
-              </a:rPr>
-              <a:t>Для того чтоб проверить что залитый код рабочий, периодически происходит сборка проекта. </a:t>
-            </a:r>
-            <a:endParaRPr sz="1800" i="0" u="none" strike="noStrike" cap="none" dirty="0">
-              <a:solidFill>
-                <a:srgbClr val="A5A5A5"/>
-              </a:solidFill>
-              <a:latin typeface="Roboto"/>
-              <a:ea typeface="Roboto"/>
-              <a:cs typeface="Roboto"/>
-              <a:sym typeface="Roboto"/>
-            </a:endParaRPr>
-          </a:p>
-        </p:txBody>
-      </p:sp>
+      </p:pic>
     </p:spTree>
     <p:extLst>
       <p:ext uri="{BB962C8B-B14F-4D97-AF65-F5344CB8AC3E}">
-        <p14:creationId xmlns:p14="http://schemas.microsoft.com/office/powerpoint/2010/main" val="2747603821"/>
+        <p14:creationId xmlns:p14="http://schemas.microsoft.com/office/powerpoint/2010/main" val="1701143011"/>
       </p:ext>
     </p:extLst>
   </p:cSld>
